--- a/2019/May/AzureServerless.pptx
+++ b/2019/May/AzureServerless.pptx
@@ -7,10 +7,10 @@
     <p:sldMasterId id="2147484477" r:id="rId6"/>
   </p:sldMasterIdLst>
   <p:notesMasterIdLst>
-    <p:notesMasterId r:id="rId22"/>
+    <p:notesMasterId r:id="rId29"/>
   </p:notesMasterIdLst>
   <p:handoutMasterIdLst>
-    <p:handoutMasterId r:id="rId23"/>
+    <p:handoutMasterId r:id="rId30"/>
   </p:handoutMasterIdLst>
   <p:sldIdLst>
     <p:sldId id="501" r:id="rId7"/>
@@ -23,11 +23,18 @@
     <p:sldId id="516" r:id="rId14"/>
     <p:sldId id="517" r:id="rId15"/>
     <p:sldId id="507" r:id="rId16"/>
-    <p:sldId id="506" r:id="rId17"/>
-    <p:sldId id="512" r:id="rId18"/>
-    <p:sldId id="509" r:id="rId19"/>
-    <p:sldId id="508" r:id="rId20"/>
-    <p:sldId id="518" r:id="rId21"/>
+    <p:sldId id="525" r:id="rId17"/>
+    <p:sldId id="523" r:id="rId18"/>
+    <p:sldId id="524" r:id="rId19"/>
+    <p:sldId id="506" r:id="rId20"/>
+    <p:sldId id="512" r:id="rId21"/>
+    <p:sldId id="509" r:id="rId22"/>
+    <p:sldId id="508" r:id="rId23"/>
+    <p:sldId id="520" r:id="rId24"/>
+    <p:sldId id="521" r:id="rId25"/>
+    <p:sldId id="522" r:id="rId26"/>
+    <p:sldId id="518" r:id="rId27"/>
+    <p:sldId id="519" r:id="rId28"/>
   </p:sldIdLst>
   <p:sldSz cx="12192000" cy="6858000"/>
   <p:notesSz cx="6858000" cy="9144000"/>
@@ -141,11 +148,18 @@
             <p14:sldId id="516"/>
             <p14:sldId id="517"/>
             <p14:sldId id="507"/>
+            <p14:sldId id="525"/>
+            <p14:sldId id="523"/>
+            <p14:sldId id="524"/>
             <p14:sldId id="506"/>
             <p14:sldId id="512"/>
             <p14:sldId id="509"/>
             <p14:sldId id="508"/>
+            <p14:sldId id="520"/>
+            <p14:sldId id="521"/>
+            <p14:sldId id="522"/>
             <p14:sldId id="518"/>
+            <p14:sldId id="519"/>
           </p14:sldIdLst>
         </p14:section>
       </p14:sectionLst>
@@ -876,15 +890,18 @@
               <a:rPr lang="en-US" dirty="0">
                 <a:hlinkClick r:id="rId3"/>
               </a:rPr>
-              <a:t>https://github.com/Azure/azure-functions-durable-js/releases/tag/1.2.0</a:t>
+              <a:t>https://twitter.com/cgillum/status/1125851294848016384?s=11</a:t>
             </a:r>
             <a:endParaRPr lang="en-US" dirty="0"/>
           </a:p>
           <a:p>
             <a:r>
-              <a:rPr lang="en-US" dirty="0"/>
-              <a:t>https://aka.ms/functions-sbextension</a:t>
-            </a:r>
+              <a:rPr lang="en-US" dirty="0">
+                <a:hlinkClick r:id="rId4"/>
+              </a:rPr>
+              <a:t>https://mybuild.techcommunity.microsoft.com/sessions/77334</a:t>
+            </a:r>
+            <a:endParaRPr lang="en-US" dirty="0"/>
           </a:p>
         </p:txBody>
       </p:sp>
@@ -905,7 +922,7 @@
           <a:p>
             <a:fld id="{CD493308-1CCD-4083-9427-1DD59259FBE4}" type="slidenum">
               <a:rPr lang="en-US" smtClean="0"/>
-              <a:t>13</a:t>
+              <a:t>12</a:t>
             </a:fld>
             <a:endParaRPr lang="en-US"/>
           </a:p>
@@ -914,7 +931,7 @@
     </p:spTree>
     <p:extLst>
       <p:ext uri="{BB962C8B-B14F-4D97-AF65-F5344CB8AC3E}">
-        <p14:creationId xmlns:p14="http://schemas.microsoft.com/office/powerpoint/2010/main" val="3069765462"/>
+        <p14:creationId xmlns:p14="http://schemas.microsoft.com/office/powerpoint/2010/main" val="2537158212"/>
       </p:ext>
     </p:extLst>
   </p:cSld>
@@ -972,7 +989,16 @@
               <a:rPr lang="en-US" dirty="0">
                 <a:hlinkClick r:id="rId3"/>
               </a:rPr>
-              <a:t>https://azure.microsoft.com/en-us/blog/azure-app-service-update-free-linux-tier-python-and-java-support-and-more/</a:t>
+              <a:t>https://twitter.com/cgillum/status/1125851294848016384?s=11</a:t>
+            </a:r>
+            <a:endParaRPr lang="en-US" dirty="0"/>
+          </a:p>
+          <a:p>
+            <a:r>
+              <a:rPr lang="en-US" dirty="0">
+                <a:hlinkClick r:id="rId4"/>
+              </a:rPr>
+              <a:t>https://mybuild.techcommunity.microsoft.com/sessions/77334</a:t>
             </a:r>
             <a:endParaRPr lang="en-US" dirty="0"/>
           </a:p>
@@ -995,7 +1021,7 @@
           <a:p>
             <a:fld id="{CD493308-1CCD-4083-9427-1DD59259FBE4}" type="slidenum">
               <a:rPr lang="en-US" smtClean="0"/>
-              <a:t>14</a:t>
+              <a:t>13</a:t>
             </a:fld>
             <a:endParaRPr lang="en-US"/>
           </a:p>
@@ -1004,7 +1030,7 @@
     </p:spTree>
     <p:extLst>
       <p:ext uri="{BB962C8B-B14F-4D97-AF65-F5344CB8AC3E}">
-        <p14:creationId xmlns:p14="http://schemas.microsoft.com/office/powerpoint/2010/main" val="505043281"/>
+        <p14:creationId xmlns:p14="http://schemas.microsoft.com/office/powerpoint/2010/main" val="3977325582"/>
       </p:ext>
     </p:extLst>
   </p:cSld>
@@ -1058,6 +1084,296 @@
           <a:bodyPr/>
           <a:lstStyle/>
           <a:p>
+            <a:pPr marL="0" marR="0" lvl="0" indent="0" algn="l" defTabSz="914400" rtl="0" eaLnBrk="1" fontAlgn="auto" latinLnBrk="0" hangingPunct="1">
+              <a:lnSpc>
+                <a:spcPct val="100000"/>
+              </a:lnSpc>
+              <a:spcBef>
+                <a:spcPts val="0"/>
+              </a:spcBef>
+              <a:spcAft>
+                <a:spcPts val="0"/>
+              </a:spcAft>
+              <a:buClrTx/>
+              <a:buSzTx/>
+              <a:buFontTx/>
+              <a:buNone/>
+              <a:tabLst/>
+              <a:defRPr/>
+            </a:pPr>
+            <a:r>
+              <a:rPr lang="en-US" dirty="0"/>
+              <a:t>https://aka.ms/functions-extensionbundle</a:t>
+            </a:r>
+          </a:p>
+        </p:txBody>
+      </p:sp>
+      <p:sp>
+        <p:nvSpPr>
+          <p:cNvPr id="4" name="Slide Number Placeholder 3"/>
+          <p:cNvSpPr>
+            <a:spLocks noGrp="1"/>
+          </p:cNvSpPr>
+          <p:nvPr>
+            <p:ph type="sldNum" sz="quarter" idx="5"/>
+          </p:nvPr>
+        </p:nvSpPr>
+        <p:spPr/>
+        <p:txBody>
+          <a:bodyPr/>
+          <a:lstStyle/>
+          <a:p>
+            <a:fld id="{CD493308-1CCD-4083-9427-1DD59259FBE4}" type="slidenum">
+              <a:rPr lang="en-US" smtClean="0"/>
+              <a:t>15</a:t>
+            </a:fld>
+            <a:endParaRPr lang="en-US"/>
+          </a:p>
+        </p:txBody>
+      </p:sp>
+    </p:spTree>
+    <p:extLst>
+      <p:ext uri="{BB962C8B-B14F-4D97-AF65-F5344CB8AC3E}">
+        <p14:creationId xmlns:p14="http://schemas.microsoft.com/office/powerpoint/2010/main" val="1525881621"/>
+      </p:ext>
+    </p:extLst>
+  </p:cSld>
+  <p:clrMapOvr>
+    <a:masterClrMapping/>
+  </p:clrMapOvr>
+</p:notes>
+</file>
+
+<file path=ppt/notesSlides/notesSlide13.xml><?xml version="1.0" encoding="utf-8"?>
+<p:notes xmlns:a="http://schemas.openxmlformats.org/drawingml/2006/main" xmlns:r="http://schemas.openxmlformats.org/officeDocument/2006/relationships" xmlns:p="http://schemas.openxmlformats.org/presentationml/2006/main">
+  <p:cSld>
+    <p:spTree>
+      <p:nvGrpSpPr>
+        <p:cNvPr id="1" name=""/>
+        <p:cNvGrpSpPr/>
+        <p:nvPr/>
+      </p:nvGrpSpPr>
+      <p:grpSpPr>
+        <a:xfrm>
+          <a:off x="0" y="0"/>
+          <a:ext cx="0" cy="0"/>
+          <a:chOff x="0" y="0"/>
+          <a:chExt cx="0" cy="0"/>
+        </a:xfrm>
+      </p:grpSpPr>
+      <p:sp>
+        <p:nvSpPr>
+          <p:cNvPr id="2" name="Slide Image Placeholder 1"/>
+          <p:cNvSpPr>
+            <a:spLocks noGrp="1" noRot="1" noChangeAspect="1"/>
+          </p:cNvSpPr>
+          <p:nvPr>
+            <p:ph type="sldImg"/>
+          </p:nvPr>
+        </p:nvSpPr>
+        <p:spPr/>
+      </p:sp>
+      <p:sp>
+        <p:nvSpPr>
+          <p:cNvPr id="3" name="Notes Placeholder 2"/>
+          <p:cNvSpPr>
+            <a:spLocks noGrp="1"/>
+          </p:cNvSpPr>
+          <p:nvPr>
+            <p:ph type="body" idx="1"/>
+          </p:nvPr>
+        </p:nvSpPr>
+        <p:spPr/>
+        <p:txBody>
+          <a:bodyPr/>
+          <a:lstStyle/>
+          <a:p>
+            <a:r>
+              <a:rPr lang="en-US" dirty="0">
+                <a:hlinkClick r:id="rId3"/>
+              </a:rPr>
+              <a:t>https://github.com/Azure/azure-functions-durable-js/releases/tag/1.2.0</a:t>
+            </a:r>
+            <a:endParaRPr lang="en-US" dirty="0"/>
+          </a:p>
+          <a:p>
+            <a:r>
+              <a:rPr lang="en-US" dirty="0"/>
+              <a:t>https://aka.ms/functions-sbextension</a:t>
+            </a:r>
+          </a:p>
+        </p:txBody>
+      </p:sp>
+      <p:sp>
+        <p:nvSpPr>
+          <p:cNvPr id="4" name="Slide Number Placeholder 3"/>
+          <p:cNvSpPr>
+            <a:spLocks noGrp="1"/>
+          </p:cNvSpPr>
+          <p:nvPr>
+            <p:ph type="sldNum" sz="quarter" idx="5"/>
+          </p:nvPr>
+        </p:nvSpPr>
+        <p:spPr/>
+        <p:txBody>
+          <a:bodyPr/>
+          <a:lstStyle/>
+          <a:p>
+            <a:fld id="{CD493308-1CCD-4083-9427-1DD59259FBE4}" type="slidenum">
+              <a:rPr lang="en-US" smtClean="0"/>
+              <a:t>16</a:t>
+            </a:fld>
+            <a:endParaRPr lang="en-US"/>
+          </a:p>
+        </p:txBody>
+      </p:sp>
+    </p:spTree>
+    <p:extLst>
+      <p:ext uri="{BB962C8B-B14F-4D97-AF65-F5344CB8AC3E}">
+        <p14:creationId xmlns:p14="http://schemas.microsoft.com/office/powerpoint/2010/main" val="3069765462"/>
+      </p:ext>
+    </p:extLst>
+  </p:cSld>
+  <p:clrMapOvr>
+    <a:masterClrMapping/>
+  </p:clrMapOvr>
+</p:notes>
+</file>
+
+<file path=ppt/notesSlides/notesSlide14.xml><?xml version="1.0" encoding="utf-8"?>
+<p:notes xmlns:a="http://schemas.openxmlformats.org/drawingml/2006/main" xmlns:r="http://schemas.openxmlformats.org/officeDocument/2006/relationships" xmlns:p="http://schemas.openxmlformats.org/presentationml/2006/main">
+  <p:cSld>
+    <p:spTree>
+      <p:nvGrpSpPr>
+        <p:cNvPr id="1" name=""/>
+        <p:cNvGrpSpPr/>
+        <p:nvPr/>
+      </p:nvGrpSpPr>
+      <p:grpSpPr>
+        <a:xfrm>
+          <a:off x="0" y="0"/>
+          <a:ext cx="0" cy="0"/>
+          <a:chOff x="0" y="0"/>
+          <a:chExt cx="0" cy="0"/>
+        </a:xfrm>
+      </p:grpSpPr>
+      <p:sp>
+        <p:nvSpPr>
+          <p:cNvPr id="2" name="Slide Image Placeholder 1"/>
+          <p:cNvSpPr>
+            <a:spLocks noGrp="1" noRot="1" noChangeAspect="1"/>
+          </p:cNvSpPr>
+          <p:nvPr>
+            <p:ph type="sldImg"/>
+          </p:nvPr>
+        </p:nvSpPr>
+        <p:spPr/>
+      </p:sp>
+      <p:sp>
+        <p:nvSpPr>
+          <p:cNvPr id="3" name="Notes Placeholder 2"/>
+          <p:cNvSpPr>
+            <a:spLocks noGrp="1"/>
+          </p:cNvSpPr>
+          <p:nvPr>
+            <p:ph type="body" idx="1"/>
+          </p:nvPr>
+        </p:nvSpPr>
+        <p:spPr/>
+        <p:txBody>
+          <a:bodyPr/>
+          <a:lstStyle/>
+          <a:p>
+            <a:r>
+              <a:rPr lang="en-US" dirty="0">
+                <a:hlinkClick r:id="rId3"/>
+              </a:rPr>
+              <a:t>https://azure.microsoft.com/en-us/blog/azure-app-service-update-free-linux-tier-python-and-java-support-and-more/</a:t>
+            </a:r>
+            <a:endParaRPr lang="en-US" dirty="0"/>
+          </a:p>
+        </p:txBody>
+      </p:sp>
+      <p:sp>
+        <p:nvSpPr>
+          <p:cNvPr id="4" name="Slide Number Placeholder 3"/>
+          <p:cNvSpPr>
+            <a:spLocks noGrp="1"/>
+          </p:cNvSpPr>
+          <p:nvPr>
+            <p:ph type="sldNum" sz="quarter" idx="5"/>
+          </p:nvPr>
+        </p:nvSpPr>
+        <p:spPr/>
+        <p:txBody>
+          <a:bodyPr/>
+          <a:lstStyle/>
+          <a:p>
+            <a:fld id="{CD493308-1CCD-4083-9427-1DD59259FBE4}" type="slidenum">
+              <a:rPr lang="en-US" smtClean="0"/>
+              <a:t>17</a:t>
+            </a:fld>
+            <a:endParaRPr lang="en-US"/>
+          </a:p>
+        </p:txBody>
+      </p:sp>
+    </p:spTree>
+    <p:extLst>
+      <p:ext uri="{BB962C8B-B14F-4D97-AF65-F5344CB8AC3E}">
+        <p14:creationId xmlns:p14="http://schemas.microsoft.com/office/powerpoint/2010/main" val="505043281"/>
+      </p:ext>
+    </p:extLst>
+  </p:cSld>
+  <p:clrMapOvr>
+    <a:masterClrMapping/>
+  </p:clrMapOvr>
+</p:notes>
+</file>
+
+<file path=ppt/notesSlides/notesSlide15.xml><?xml version="1.0" encoding="utf-8"?>
+<p:notes xmlns:a="http://schemas.openxmlformats.org/drawingml/2006/main" xmlns:r="http://schemas.openxmlformats.org/officeDocument/2006/relationships" xmlns:p="http://schemas.openxmlformats.org/presentationml/2006/main">
+  <p:cSld>
+    <p:spTree>
+      <p:nvGrpSpPr>
+        <p:cNvPr id="1" name=""/>
+        <p:cNvGrpSpPr/>
+        <p:nvPr/>
+      </p:nvGrpSpPr>
+      <p:grpSpPr>
+        <a:xfrm>
+          <a:off x="0" y="0"/>
+          <a:ext cx="0" cy="0"/>
+          <a:chOff x="0" y="0"/>
+          <a:chExt cx="0" cy="0"/>
+        </a:xfrm>
+      </p:grpSpPr>
+      <p:sp>
+        <p:nvSpPr>
+          <p:cNvPr id="2" name="Slide Image Placeholder 1"/>
+          <p:cNvSpPr>
+            <a:spLocks noGrp="1" noRot="1" noChangeAspect="1"/>
+          </p:cNvSpPr>
+          <p:nvPr>
+            <p:ph type="sldImg"/>
+          </p:nvPr>
+        </p:nvSpPr>
+        <p:spPr/>
+      </p:sp>
+      <p:sp>
+        <p:nvSpPr>
+          <p:cNvPr id="3" name="Notes Placeholder 2"/>
+          <p:cNvSpPr>
+            <a:spLocks noGrp="1"/>
+          </p:cNvSpPr>
+          <p:nvPr>
+            <p:ph type="body" idx="1"/>
+          </p:nvPr>
+        </p:nvSpPr>
+        <p:spPr/>
+        <p:txBody>
+          <a:bodyPr/>
+          <a:lstStyle/>
+          <a:p>
             <a:r>
               <a:rPr lang="en-US" dirty="0">
                 <a:hlinkClick r:id="rId3"/>
@@ -1110,7 +1426,7 @@
           <a:p>
             <a:fld id="{CD493308-1CCD-4083-9427-1DD59259FBE4}" type="slidenum">
               <a:rPr lang="en-US" smtClean="0"/>
-              <a:t>15</a:t>
+              <a:t>21</a:t>
             </a:fld>
             <a:endParaRPr lang="en-US"/>
           </a:p>
@@ -1788,26 +2104,23 @@
           <a:bodyPr/>
           <a:lstStyle/>
           <a:p>
-            <a:pPr marL="0" marR="0" lvl="0" indent="0" algn="l" defTabSz="914400" rtl="0" eaLnBrk="1" fontAlgn="auto" latinLnBrk="0" hangingPunct="1">
-              <a:lnSpc>
-                <a:spcPct val="100000"/>
-              </a:lnSpc>
-              <a:spcBef>
-                <a:spcPts val="0"/>
-              </a:spcBef>
-              <a:spcAft>
-                <a:spcPts val="0"/>
-              </a:spcAft>
-              <a:buClrTx/>
-              <a:buSzTx/>
-              <a:buFontTx/>
-              <a:buNone/>
-              <a:tabLst/>
-              <a:defRPr/>
-            </a:pPr>
-            <a:r>
-              <a:rPr lang="en-US" dirty="0"/>
-              <a:t>https://aka.ms/functions-extensionbundle</a:t>
+            <a:r>
+              <a:rPr lang="en-US" dirty="0"/>
+              <a:t>DF 2.0 not coming to Functions 1.0</a:t>
+            </a:r>
+          </a:p>
+          <a:p>
+            <a:r>
+              <a:rPr lang="en-US" dirty="0"/>
+              <a:t>Better support for non-Windows platforms (</a:t>
+            </a:r>
+            <a:r>
+              <a:rPr lang="en-US" dirty="0" err="1"/>
+              <a:t>maxOS</a:t>
+            </a:r>
+            <a:r>
+              <a:rPr lang="en-US" dirty="0"/>
+              <a:t> &amp; Linux)</a:t>
             </a:r>
           </a:p>
         </p:txBody>
@@ -1829,7 +2142,7 @@
           <a:p>
             <a:fld id="{CD493308-1CCD-4083-9427-1DD59259FBE4}" type="slidenum">
               <a:rPr lang="en-US" smtClean="0"/>
-              <a:t>12</a:t>
+              <a:t>10</a:t>
             </a:fld>
             <a:endParaRPr lang="en-US"/>
           </a:p>
@@ -1838,7 +2151,7 @@
     </p:spTree>
     <p:extLst>
       <p:ext uri="{BB962C8B-B14F-4D97-AF65-F5344CB8AC3E}">
-        <p14:creationId xmlns:p14="http://schemas.microsoft.com/office/powerpoint/2010/main" val="1525881621"/>
+        <p14:creationId xmlns:p14="http://schemas.microsoft.com/office/powerpoint/2010/main" val="3611678000"/>
       </p:ext>
     </p:extLst>
   </p:cSld>
@@ -2216,13 +2529,13 @@
   <p:clrMapOvr>
     <a:masterClrMapping/>
   </p:clrMapOvr>
-  <mc:AlternateContent xmlns:mc="http://schemas.openxmlformats.org/markup-compatibility/2006">
-    <mc:Choice xmlns:p14="http://schemas.microsoft.com/office/powerpoint/2010/main" Requires="p14">
+  <mc:AlternateContent xmlns:mc="http://schemas.openxmlformats.org/markup-compatibility/2006" xmlns:p14="http://schemas.microsoft.com/office/powerpoint/2010/main">
+    <mc:Choice Requires="p14">
       <p:transition spd="med" p14:dur="700">
         <p:fade/>
       </p:transition>
     </mc:Choice>
-    <mc:Fallback>
+    <mc:Fallback xmlns="">
       <p:transition spd="med">
         <p:fade/>
       </p:transition>
@@ -2516,13 +2829,13 @@
   <p:clrMapOvr>
     <a:masterClrMapping/>
   </p:clrMapOvr>
-  <mc:AlternateContent xmlns:mc="http://schemas.openxmlformats.org/markup-compatibility/2006">
-    <mc:Choice xmlns:p14="http://schemas.microsoft.com/office/powerpoint/2010/main" Requires="p14">
+  <mc:AlternateContent xmlns:mc="http://schemas.openxmlformats.org/markup-compatibility/2006" xmlns:p14="http://schemas.microsoft.com/office/powerpoint/2010/main">
+    <mc:Choice Requires="p14">
       <p:transition spd="med" p14:dur="700">
         <p:fade/>
       </p:transition>
     </mc:Choice>
-    <mc:Fallback>
+    <mc:Fallback xmlns="">
       <p:transition spd="med">
         <p:fade/>
       </p:transition>
@@ -3007,13 +3320,13 @@
   <p:clrMapOvr>
     <a:masterClrMapping/>
   </p:clrMapOvr>
-  <mc:AlternateContent xmlns:mc="http://schemas.openxmlformats.org/markup-compatibility/2006">
-    <mc:Choice xmlns:p14="http://schemas.microsoft.com/office/powerpoint/2010/main" Requires="p14">
+  <mc:AlternateContent xmlns:mc="http://schemas.openxmlformats.org/markup-compatibility/2006" xmlns:p14="http://schemas.microsoft.com/office/powerpoint/2010/main">
+    <mc:Choice Requires="p14">
       <p:transition spd="med" p14:dur="700">
         <p:fade/>
       </p:transition>
     </mc:Choice>
-    <mc:Fallback>
+    <mc:Fallback xmlns="">
       <p:transition spd="med">
         <p:fade/>
       </p:transition>
@@ -3761,13 +4074,13 @@
   <p:clrMapOvr>
     <a:masterClrMapping/>
   </p:clrMapOvr>
-  <mc:AlternateContent xmlns:mc="http://schemas.openxmlformats.org/markup-compatibility/2006">
-    <mc:Choice xmlns:p14="http://schemas.microsoft.com/office/powerpoint/2010/main" Requires="p14">
+  <mc:AlternateContent xmlns:mc="http://schemas.openxmlformats.org/markup-compatibility/2006" xmlns:p14="http://schemas.microsoft.com/office/powerpoint/2010/main">
+    <mc:Choice Requires="p14">
       <p:transition spd="med" p14:dur="700">
         <p:fade/>
       </p:transition>
     </mc:Choice>
-    <mc:Fallback>
+    <mc:Fallback xmlns="">
       <p:transition spd="med">
         <p:fade/>
       </p:transition>
@@ -4306,13 +4619,13 @@
   <p:clrMapOvr>
     <a:masterClrMapping/>
   </p:clrMapOvr>
-  <mc:AlternateContent xmlns:mc="http://schemas.openxmlformats.org/markup-compatibility/2006">
-    <mc:Choice xmlns:p14="http://schemas.microsoft.com/office/powerpoint/2010/main" Requires="p14">
+  <mc:AlternateContent xmlns:mc="http://schemas.openxmlformats.org/markup-compatibility/2006" xmlns:p14="http://schemas.microsoft.com/office/powerpoint/2010/main">
+    <mc:Choice Requires="p14">
       <p:transition spd="med" p14:dur="700">
         <p:fade/>
       </p:transition>
     </mc:Choice>
-    <mc:Fallback>
+    <mc:Fallback xmlns="">
       <p:transition spd="med">
         <p:fade/>
       </p:transition>
@@ -4806,13 +5119,13 @@
   <p:clrMapOvr>
     <a:masterClrMapping/>
   </p:clrMapOvr>
-  <mc:AlternateContent xmlns:mc="http://schemas.openxmlformats.org/markup-compatibility/2006">
-    <mc:Choice xmlns:p14="http://schemas.microsoft.com/office/powerpoint/2010/main" Requires="p14">
+  <mc:AlternateContent xmlns:mc="http://schemas.openxmlformats.org/markup-compatibility/2006" xmlns:p14="http://schemas.microsoft.com/office/powerpoint/2010/main">
+    <mc:Choice Requires="p14">
       <p:transition spd="med" p14:dur="700">
         <p:fade/>
       </p:transition>
     </mc:Choice>
-    <mc:Fallback>
+    <mc:Fallback xmlns="">
       <p:transition spd="med">
         <p:fade/>
       </p:transition>
@@ -5236,13 +5549,13 @@
   <p:clrMapOvr>
     <a:masterClrMapping/>
   </p:clrMapOvr>
-  <mc:AlternateContent xmlns:mc="http://schemas.openxmlformats.org/markup-compatibility/2006">
-    <mc:Choice xmlns:p14="http://schemas.microsoft.com/office/powerpoint/2010/main" Requires="p14">
+  <mc:AlternateContent xmlns:mc="http://schemas.openxmlformats.org/markup-compatibility/2006" xmlns:p14="http://schemas.microsoft.com/office/powerpoint/2010/main">
+    <mc:Choice Requires="p14">
       <p:transition spd="med" p14:dur="700">
         <p:fade/>
       </p:transition>
     </mc:Choice>
-    <mc:Fallback>
+    <mc:Fallback xmlns="">
       <p:transition spd="med">
         <p:fade/>
       </p:transition>
@@ -6750,13 +7063,13 @@
   <p:clrMapOvr>
     <a:masterClrMapping/>
   </p:clrMapOvr>
-  <mc:AlternateContent xmlns:mc="http://schemas.openxmlformats.org/markup-compatibility/2006">
-    <mc:Choice xmlns:p14="http://schemas.microsoft.com/office/powerpoint/2010/main" Requires="p14">
+  <mc:AlternateContent xmlns:mc="http://schemas.openxmlformats.org/markup-compatibility/2006" xmlns:p14="http://schemas.microsoft.com/office/powerpoint/2010/main">
+    <mc:Choice Requires="p14">
       <p:transition spd="med" p14:dur="700">
         <p:fade/>
       </p:transition>
     </mc:Choice>
-    <mc:Fallback>
+    <mc:Fallback xmlns="">
       <p:transition spd="med">
         <p:fade/>
       </p:transition>
@@ -6915,13 +7228,13 @@
   <p:clrMapOvr>
     <a:masterClrMapping/>
   </p:clrMapOvr>
-  <mc:AlternateContent xmlns:mc="http://schemas.openxmlformats.org/markup-compatibility/2006">
-    <mc:Choice xmlns:p14="http://schemas.microsoft.com/office/powerpoint/2010/main" Requires="p14">
+  <mc:AlternateContent xmlns:mc="http://schemas.openxmlformats.org/markup-compatibility/2006" xmlns:p14="http://schemas.microsoft.com/office/powerpoint/2010/main">
+    <mc:Choice Requires="p14">
       <p:transition spd="med" p14:dur="700">
         <p:fade/>
       </p:transition>
     </mc:Choice>
-    <mc:Fallback>
+    <mc:Fallback xmlns="">
       <p:transition spd="med">
         <p:fade/>
       </p:transition>
@@ -7080,13 +7393,13 @@
   <p:clrMapOvr>
     <a:masterClrMapping/>
   </p:clrMapOvr>
-  <mc:AlternateContent xmlns:mc="http://schemas.openxmlformats.org/markup-compatibility/2006">
-    <mc:Choice xmlns:p14="http://schemas.microsoft.com/office/powerpoint/2010/main" Requires="p14">
+  <mc:AlternateContent xmlns:mc="http://schemas.openxmlformats.org/markup-compatibility/2006" xmlns:p14="http://schemas.microsoft.com/office/powerpoint/2010/main">
+    <mc:Choice Requires="p14">
       <p:transition spd="med" p14:dur="700">
         <p:fade/>
       </p:transition>
     </mc:Choice>
-    <mc:Fallback>
+    <mc:Fallback xmlns="">
       <p:transition spd="med">
         <p:fade/>
       </p:transition>
@@ -7309,13 +7622,13 @@
   <p:clrMapOvr>
     <a:masterClrMapping/>
   </p:clrMapOvr>
-  <mc:AlternateContent xmlns:mc="http://schemas.openxmlformats.org/markup-compatibility/2006">
-    <mc:Choice xmlns:p14="http://schemas.microsoft.com/office/powerpoint/2010/main" Requires="p14">
+  <mc:AlternateContent xmlns:mc="http://schemas.openxmlformats.org/markup-compatibility/2006" xmlns:p14="http://schemas.microsoft.com/office/powerpoint/2010/main">
+    <mc:Choice Requires="p14">
       <p:transition spd="med" p14:dur="700">
         <p:fade/>
       </p:transition>
     </mc:Choice>
-    <mc:Fallback>
+    <mc:Fallback xmlns="">
       <p:transition spd="med">
         <p:fade/>
       </p:transition>
@@ -7626,13 +7939,13 @@
   <p:clrMapOvr>
     <a:masterClrMapping/>
   </p:clrMapOvr>
-  <mc:AlternateContent xmlns:mc="http://schemas.openxmlformats.org/markup-compatibility/2006">
-    <mc:Choice xmlns:p14="http://schemas.microsoft.com/office/powerpoint/2010/main" Requires="p14">
+  <mc:AlternateContent xmlns:mc="http://schemas.openxmlformats.org/markup-compatibility/2006" xmlns:p14="http://schemas.microsoft.com/office/powerpoint/2010/main">
+    <mc:Choice Requires="p14">
       <p:transition spd="med" p14:dur="700">
         <p:fade/>
       </p:transition>
     </mc:Choice>
-    <mc:Fallback>
+    <mc:Fallback xmlns="">
       <p:transition spd="med">
         <p:fade/>
       </p:transition>
@@ -7855,13 +8168,13 @@
   <p:clrMapOvr>
     <a:masterClrMapping/>
   </p:clrMapOvr>
-  <mc:AlternateContent xmlns:mc="http://schemas.openxmlformats.org/markup-compatibility/2006">
-    <mc:Choice xmlns:p14="http://schemas.microsoft.com/office/powerpoint/2010/main" Requires="p14">
+  <mc:AlternateContent xmlns:mc="http://schemas.openxmlformats.org/markup-compatibility/2006" xmlns:p14="http://schemas.microsoft.com/office/powerpoint/2010/main">
+    <mc:Choice Requires="p14">
       <p:transition spd="med" p14:dur="700">
         <p:fade/>
       </p:transition>
     </mc:Choice>
-    <mc:Fallback>
+    <mc:Fallback xmlns="">
       <p:transition spd="med">
         <p:fade/>
       </p:transition>
@@ -8083,13 +8396,13 @@
   <p:clrMapOvr>
     <a:masterClrMapping/>
   </p:clrMapOvr>
-  <mc:AlternateContent xmlns:mc="http://schemas.openxmlformats.org/markup-compatibility/2006">
-    <mc:Choice xmlns:p14="http://schemas.microsoft.com/office/powerpoint/2010/main" Requires="p14">
+  <mc:AlternateContent xmlns:mc="http://schemas.openxmlformats.org/markup-compatibility/2006" xmlns:p14="http://schemas.microsoft.com/office/powerpoint/2010/main">
+    <mc:Choice Requires="p14">
       <p:transition spd="med" p14:dur="700">
         <p:fade/>
       </p:transition>
     </mc:Choice>
-    <mc:Fallback>
+    <mc:Fallback xmlns="">
       <p:transition spd="med">
         <p:fade/>
       </p:transition>
@@ -8317,13 +8630,13 @@
   <p:clrMapOvr>
     <a:masterClrMapping/>
   </p:clrMapOvr>
-  <mc:AlternateContent xmlns:mc="http://schemas.openxmlformats.org/markup-compatibility/2006">
-    <mc:Choice xmlns:p14="http://schemas.microsoft.com/office/powerpoint/2010/main" Requires="p14">
+  <mc:AlternateContent xmlns:mc="http://schemas.openxmlformats.org/markup-compatibility/2006" xmlns:p14="http://schemas.microsoft.com/office/powerpoint/2010/main">
+    <mc:Choice Requires="p14">
       <p:transition spd="med" p14:dur="700">
         <p:fade/>
       </p:transition>
     </mc:Choice>
-    <mc:Fallback>
+    <mc:Fallback xmlns="">
       <p:transition spd="med">
         <p:fade/>
       </p:transition>
@@ -8627,13 +8940,13 @@
   <p:clrMapOvr>
     <a:masterClrMapping/>
   </p:clrMapOvr>
-  <mc:AlternateContent xmlns:mc="http://schemas.openxmlformats.org/markup-compatibility/2006">
-    <mc:Choice xmlns:p14="http://schemas.microsoft.com/office/powerpoint/2010/main" Requires="p14">
+  <mc:AlternateContent xmlns:mc="http://schemas.openxmlformats.org/markup-compatibility/2006" xmlns:p14="http://schemas.microsoft.com/office/powerpoint/2010/main">
+    <mc:Choice Requires="p14">
       <p:transition spd="med" p14:dur="700">
         <p:fade/>
       </p:transition>
     </mc:Choice>
-    <mc:Fallback>
+    <mc:Fallback xmlns="">
       <p:transition spd="med">
         <p:fade/>
       </p:transition>
@@ -9048,13 +9361,13 @@
   <p:clrMapOvr>
     <a:masterClrMapping/>
   </p:clrMapOvr>
-  <mc:AlternateContent xmlns:mc="http://schemas.openxmlformats.org/markup-compatibility/2006">
-    <mc:Choice xmlns:p14="http://schemas.microsoft.com/office/powerpoint/2010/main" Requires="p14">
+  <mc:AlternateContent xmlns:mc="http://schemas.openxmlformats.org/markup-compatibility/2006" xmlns:p14="http://schemas.microsoft.com/office/powerpoint/2010/main">
+    <mc:Choice Requires="p14">
       <p:transition spd="med" p14:dur="700">
         <p:fade/>
       </p:transition>
     </mc:Choice>
-    <mc:Fallback>
+    <mc:Fallback xmlns="">
       <p:transition spd="med">
         <p:fade/>
       </p:transition>
@@ -9459,13 +9772,13 @@
   <p:clrMapOvr>
     <a:masterClrMapping/>
   </p:clrMapOvr>
-  <mc:AlternateContent xmlns:mc="http://schemas.openxmlformats.org/markup-compatibility/2006">
-    <mc:Choice xmlns:p14="http://schemas.microsoft.com/office/powerpoint/2010/main" Requires="p14">
+  <mc:AlternateContent xmlns:mc="http://schemas.openxmlformats.org/markup-compatibility/2006" xmlns:p14="http://schemas.microsoft.com/office/powerpoint/2010/main">
+    <mc:Choice Requires="p14">
       <p:transition spd="med" p14:dur="700">
         <p:fade/>
       </p:transition>
     </mc:Choice>
-    <mc:Fallback>
+    <mc:Fallback xmlns="">
       <p:transition spd="med">
         <p:fade/>
       </p:transition>
@@ -10134,13 +10447,13 @@
   <p:clrMapOvr>
     <a:masterClrMapping/>
   </p:clrMapOvr>
-  <mc:AlternateContent xmlns:mc="http://schemas.openxmlformats.org/markup-compatibility/2006">
-    <mc:Choice xmlns:p14="http://schemas.microsoft.com/office/powerpoint/2010/main" Requires="p14">
+  <mc:AlternateContent xmlns:mc="http://schemas.openxmlformats.org/markup-compatibility/2006" xmlns:p14="http://schemas.microsoft.com/office/powerpoint/2010/main">
+    <mc:Choice Requires="p14">
       <p:transition spd="med" p14:dur="700">
         <p:fade/>
       </p:transition>
     </mc:Choice>
-    <mc:Fallback>
+    <mc:Fallback xmlns="">
       <p:transition spd="med">
         <p:fade/>
       </p:transition>
@@ -10413,13 +10726,13 @@
   <p:clrMapOvr>
     <a:masterClrMapping/>
   </p:clrMapOvr>
-  <mc:AlternateContent xmlns:mc="http://schemas.openxmlformats.org/markup-compatibility/2006">
-    <mc:Choice xmlns:p14="http://schemas.microsoft.com/office/powerpoint/2010/main" Requires="p14">
+  <mc:AlternateContent xmlns:mc="http://schemas.openxmlformats.org/markup-compatibility/2006" xmlns:p14="http://schemas.microsoft.com/office/powerpoint/2010/main">
+    <mc:Choice Requires="p14">
       <p:transition spd="med" p14:dur="700">
         <p:fade/>
       </p:transition>
     </mc:Choice>
-    <mc:Fallback>
+    <mc:Fallback xmlns="">
       <p:transition spd="med">
         <p:fade/>
       </p:transition>
@@ -10660,13 +10973,13 @@
   <p:clrMapOvr>
     <a:masterClrMapping/>
   </p:clrMapOvr>
-  <mc:AlternateContent xmlns:mc="http://schemas.openxmlformats.org/markup-compatibility/2006">
-    <mc:Choice xmlns:p14="http://schemas.microsoft.com/office/powerpoint/2010/main" Requires="p14">
+  <mc:AlternateContent xmlns:mc="http://schemas.openxmlformats.org/markup-compatibility/2006" xmlns:p14="http://schemas.microsoft.com/office/powerpoint/2010/main">
+    <mc:Choice Requires="p14">
       <p:transition spd="med" p14:dur="700">
         <p:fade/>
       </p:transition>
     </mc:Choice>
-    <mc:Fallback>
+    <mc:Fallback xmlns="">
       <p:transition spd="med">
         <p:fade/>
       </p:transition>
@@ -11079,13 +11392,13 @@
   <p:clrMapOvr>
     <a:masterClrMapping/>
   </p:clrMapOvr>
-  <mc:AlternateContent xmlns:mc="http://schemas.openxmlformats.org/markup-compatibility/2006">
-    <mc:Choice xmlns:p14="http://schemas.microsoft.com/office/powerpoint/2010/main" Requires="p14">
+  <mc:AlternateContent xmlns:mc="http://schemas.openxmlformats.org/markup-compatibility/2006" xmlns:p14="http://schemas.microsoft.com/office/powerpoint/2010/main">
+    <mc:Choice Requires="p14">
       <p:transition spd="med" p14:dur="700">
         <p:fade/>
       </p:transition>
     </mc:Choice>
-    <mc:Fallback>
+    <mc:Fallback xmlns="">
       <p:transition spd="med">
         <p:fade/>
       </p:transition>
@@ -11412,13 +11725,13 @@
   <p:clrMapOvr>
     <a:masterClrMapping/>
   </p:clrMapOvr>
-  <mc:AlternateContent xmlns:mc="http://schemas.openxmlformats.org/markup-compatibility/2006">
-    <mc:Choice xmlns:p14="http://schemas.microsoft.com/office/powerpoint/2010/main" Requires="p14">
+  <mc:AlternateContent xmlns:mc="http://schemas.openxmlformats.org/markup-compatibility/2006" xmlns:p14="http://schemas.microsoft.com/office/powerpoint/2010/main">
+    <mc:Choice Requires="p14">
       <p:transition spd="med" p14:dur="700">
         <p:fade/>
       </p:transition>
     </mc:Choice>
-    <mc:Fallback>
+    <mc:Fallback xmlns="">
       <p:transition spd="med">
         <p:fade/>
       </p:transition>
@@ -11928,13 +12241,13 @@
   <p:clrMapOvr>
     <a:masterClrMapping/>
   </p:clrMapOvr>
-  <mc:AlternateContent xmlns:mc="http://schemas.openxmlformats.org/markup-compatibility/2006">
-    <mc:Choice xmlns:p14="http://schemas.microsoft.com/office/powerpoint/2010/main" Requires="p14">
+  <mc:AlternateContent xmlns:mc="http://schemas.openxmlformats.org/markup-compatibility/2006" xmlns:p14="http://schemas.microsoft.com/office/powerpoint/2010/main">
+    <mc:Choice Requires="p14">
       <p:transition spd="med" p14:dur="700">
         <p:fade/>
       </p:transition>
     </mc:Choice>
-    <mc:Fallback>
+    <mc:Fallback xmlns="">
       <p:transition spd="med">
         <p:fade/>
       </p:transition>
@@ -12244,13 +12557,13 @@
   <p:clrMapOvr>
     <a:masterClrMapping/>
   </p:clrMapOvr>
-  <mc:AlternateContent xmlns:mc="http://schemas.openxmlformats.org/markup-compatibility/2006">
-    <mc:Choice xmlns:p14="http://schemas.microsoft.com/office/powerpoint/2010/main" Requires="p14">
+  <mc:AlternateContent xmlns:mc="http://schemas.openxmlformats.org/markup-compatibility/2006" xmlns:p14="http://schemas.microsoft.com/office/powerpoint/2010/main">
+    <mc:Choice Requires="p14">
       <p:transition spd="med" p14:dur="700">
         <p:fade/>
       </p:transition>
     </mc:Choice>
-    <mc:Fallback>
+    <mc:Fallback xmlns="">
       <p:transition spd="med">
         <p:fade/>
       </p:transition>
@@ -12582,13 +12895,13 @@
   <p:clrMapOvr>
     <a:masterClrMapping/>
   </p:clrMapOvr>
-  <mc:AlternateContent xmlns:mc="http://schemas.openxmlformats.org/markup-compatibility/2006">
-    <mc:Choice xmlns:p14="http://schemas.microsoft.com/office/powerpoint/2010/main" Requires="p14">
+  <mc:AlternateContent xmlns:mc="http://schemas.openxmlformats.org/markup-compatibility/2006" xmlns:p14="http://schemas.microsoft.com/office/powerpoint/2010/main">
+    <mc:Choice Requires="p14">
       <p:transition spd="med" p14:dur="700">
         <p:fade/>
       </p:transition>
     </mc:Choice>
-    <mc:Fallback>
+    <mc:Fallback xmlns="">
       <p:transition spd="med">
         <p:fade/>
       </p:transition>
@@ -12763,13 +13076,13 @@
   <p:clrMapOvr>
     <a:masterClrMapping/>
   </p:clrMapOvr>
-  <mc:AlternateContent xmlns:mc="http://schemas.openxmlformats.org/markup-compatibility/2006">
-    <mc:Choice xmlns:p14="http://schemas.microsoft.com/office/powerpoint/2010/main" Requires="p14">
+  <mc:AlternateContent xmlns:mc="http://schemas.openxmlformats.org/markup-compatibility/2006" xmlns:p14="http://schemas.microsoft.com/office/powerpoint/2010/main">
+    <mc:Choice Requires="p14">
       <p:transition spd="med" p14:dur="700">
         <p:fade/>
       </p:transition>
     </mc:Choice>
-    <mc:Fallback>
+    <mc:Fallback xmlns="">
       <p:transition spd="med">
         <p:fade/>
       </p:transition>
@@ -12864,13 +13177,13 @@
   <p:clrMapOvr>
     <a:masterClrMapping/>
   </p:clrMapOvr>
-  <mc:AlternateContent xmlns:mc="http://schemas.openxmlformats.org/markup-compatibility/2006">
-    <mc:Choice xmlns:p14="http://schemas.microsoft.com/office/powerpoint/2010/main" Requires="p14">
+  <mc:AlternateContent xmlns:mc="http://schemas.openxmlformats.org/markup-compatibility/2006" xmlns:p14="http://schemas.microsoft.com/office/powerpoint/2010/main">
+    <mc:Choice Requires="p14">
       <p:transition spd="med" p14:dur="700">
         <p:fade/>
       </p:transition>
     </mc:Choice>
-    <mc:Fallback>
+    <mc:Fallback xmlns="">
       <p:transition spd="med">
         <p:fade/>
       </p:transition>
@@ -12936,13 +13249,13 @@
   <p:clrMapOvr>
     <a:masterClrMapping/>
   </p:clrMapOvr>
-  <mc:AlternateContent xmlns:mc="http://schemas.openxmlformats.org/markup-compatibility/2006">
-    <mc:Choice xmlns:p14="http://schemas.microsoft.com/office/powerpoint/2010/main" Requires="p14">
+  <mc:AlternateContent xmlns:mc="http://schemas.openxmlformats.org/markup-compatibility/2006" xmlns:p14="http://schemas.microsoft.com/office/powerpoint/2010/main">
+    <mc:Choice Requires="p14">
       <p:transition spd="med" p14:dur="700">
         <p:fade/>
       </p:transition>
     </mc:Choice>
-    <mc:Fallback>
+    <mc:Fallback xmlns="">
       <p:transition spd="med">
         <p:fade/>
       </p:transition>
@@ -13249,13 +13562,13 @@
   <p:clrMapOvr>
     <a:masterClrMapping/>
   </p:clrMapOvr>
-  <mc:AlternateContent xmlns:mc="http://schemas.openxmlformats.org/markup-compatibility/2006">
-    <mc:Choice xmlns:p14="http://schemas.microsoft.com/office/powerpoint/2010/main" Requires="p14">
+  <mc:AlternateContent xmlns:mc="http://schemas.openxmlformats.org/markup-compatibility/2006" xmlns:p14="http://schemas.microsoft.com/office/powerpoint/2010/main">
+    <mc:Choice Requires="p14">
       <p:transition spd="med" p14:dur="700">
         <p:fade/>
       </p:transition>
     </mc:Choice>
-    <mc:Fallback>
+    <mc:Fallback xmlns="">
       <p:transition spd="med">
         <p:fade/>
       </p:transition>
@@ -13784,13 +14097,13 @@
   <p:clrMapOvr>
     <a:masterClrMapping/>
   </p:clrMapOvr>
-  <mc:AlternateContent xmlns:mc="http://schemas.openxmlformats.org/markup-compatibility/2006">
-    <mc:Choice xmlns:p14="http://schemas.microsoft.com/office/powerpoint/2010/main" Requires="p14">
+  <mc:AlternateContent xmlns:mc="http://schemas.openxmlformats.org/markup-compatibility/2006" xmlns:p14="http://schemas.microsoft.com/office/powerpoint/2010/main">
+    <mc:Choice Requires="p14">
       <p:transition spd="med" p14:dur="700">
         <p:fade/>
       </p:transition>
     </mc:Choice>
-    <mc:Fallback>
+    <mc:Fallback xmlns="">
       <p:transition spd="med">
         <p:fade/>
       </p:transition>
@@ -14080,13 +14393,13 @@
   <p:clrMapOvr>
     <a:masterClrMapping/>
   </p:clrMapOvr>
-  <mc:AlternateContent xmlns:mc="http://schemas.openxmlformats.org/markup-compatibility/2006">
-    <mc:Choice xmlns:p14="http://schemas.microsoft.com/office/powerpoint/2010/main" Requires="p14">
+  <mc:AlternateContent xmlns:mc="http://schemas.openxmlformats.org/markup-compatibility/2006" xmlns:p14="http://schemas.microsoft.com/office/powerpoint/2010/main">
+    <mc:Choice Requires="p14">
       <p:transition spd="med" p14:dur="700">
         <p:fade/>
       </p:transition>
     </mc:Choice>
-    <mc:Fallback>
+    <mc:Fallback xmlns="">
       <p:transition spd="med">
         <p:fade/>
       </p:transition>
@@ -14710,13 +15023,13 @@
   <p:clrMapOvr>
     <a:masterClrMapping/>
   </p:clrMapOvr>
-  <mc:AlternateContent xmlns:mc="http://schemas.openxmlformats.org/markup-compatibility/2006">
-    <mc:Choice xmlns:p14="http://schemas.microsoft.com/office/powerpoint/2010/main" Requires="p14">
+  <mc:AlternateContent xmlns:mc="http://schemas.openxmlformats.org/markup-compatibility/2006" xmlns:p14="http://schemas.microsoft.com/office/powerpoint/2010/main">
+    <mc:Choice Requires="p14">
       <p:transition spd="med" p14:dur="700">
         <p:fade/>
       </p:transition>
     </mc:Choice>
-    <mc:Fallback>
+    <mc:Fallback xmlns="">
       <p:transition spd="med">
         <p:fade/>
       </p:transition>
@@ -14891,13 +15204,13 @@
   <p:clrMapOvr>
     <a:masterClrMapping/>
   </p:clrMapOvr>
-  <mc:AlternateContent xmlns:mc="http://schemas.openxmlformats.org/markup-compatibility/2006">
-    <mc:Choice xmlns:p14="http://schemas.microsoft.com/office/powerpoint/2010/main" Requires="p14">
+  <mc:AlternateContent xmlns:mc="http://schemas.openxmlformats.org/markup-compatibility/2006" xmlns:p14="http://schemas.microsoft.com/office/powerpoint/2010/main">
+    <mc:Choice Requires="p14">
       <p:transition spd="med" p14:dur="700">
         <p:fade/>
       </p:transition>
     </mc:Choice>
-    <mc:Fallback>
+    <mc:Fallback xmlns="">
       <p:transition spd="med">
         <p:fade/>
       </p:transition>
@@ -15645,13 +15958,13 @@
   <p:clrMapOvr>
     <a:masterClrMapping/>
   </p:clrMapOvr>
-  <mc:AlternateContent xmlns:mc="http://schemas.openxmlformats.org/markup-compatibility/2006">
-    <mc:Choice xmlns:p14="http://schemas.microsoft.com/office/powerpoint/2010/main" Requires="p14">
+  <mc:AlternateContent xmlns:mc="http://schemas.openxmlformats.org/markup-compatibility/2006" xmlns:p14="http://schemas.microsoft.com/office/powerpoint/2010/main">
+    <mc:Choice Requires="p14">
       <p:transition spd="med" p14:dur="700">
         <p:fade/>
       </p:transition>
     </mc:Choice>
-    <mc:Fallback>
+    <mc:Fallback xmlns="">
       <p:transition spd="med">
         <p:fade/>
       </p:transition>
@@ -16190,13 +16503,13 @@
   <p:clrMapOvr>
     <a:masterClrMapping/>
   </p:clrMapOvr>
-  <mc:AlternateContent xmlns:mc="http://schemas.openxmlformats.org/markup-compatibility/2006">
-    <mc:Choice xmlns:p14="http://schemas.microsoft.com/office/powerpoint/2010/main" Requires="p14">
+  <mc:AlternateContent xmlns:mc="http://schemas.openxmlformats.org/markup-compatibility/2006" xmlns:p14="http://schemas.microsoft.com/office/powerpoint/2010/main">
+    <mc:Choice Requires="p14">
       <p:transition spd="med" p14:dur="700">
         <p:fade/>
       </p:transition>
     </mc:Choice>
-    <mc:Fallback>
+    <mc:Fallback xmlns="">
       <p:transition spd="med">
         <p:fade/>
       </p:transition>
@@ -16824,13 +17137,13 @@
   <p:clrMapOvr>
     <a:masterClrMapping/>
   </p:clrMapOvr>
-  <mc:AlternateContent xmlns:mc="http://schemas.openxmlformats.org/markup-compatibility/2006">
-    <mc:Choice xmlns:p14="http://schemas.microsoft.com/office/powerpoint/2010/main" Requires="p14">
+  <mc:AlternateContent xmlns:mc="http://schemas.openxmlformats.org/markup-compatibility/2006" xmlns:p14="http://schemas.microsoft.com/office/powerpoint/2010/main">
+    <mc:Choice Requires="p14">
       <p:transition spd="med" p14:dur="700">
         <p:fade/>
       </p:transition>
     </mc:Choice>
-    <mc:Fallback>
+    <mc:Fallback xmlns="">
       <p:transition spd="med">
         <p:fade/>
       </p:transition>
@@ -17257,13 +17570,13 @@
   <p:clrMapOvr>
     <a:masterClrMapping/>
   </p:clrMapOvr>
-  <mc:AlternateContent xmlns:mc="http://schemas.openxmlformats.org/markup-compatibility/2006">
-    <mc:Choice xmlns:p14="http://schemas.microsoft.com/office/powerpoint/2010/main" Requires="p14">
+  <mc:AlternateContent xmlns:mc="http://schemas.openxmlformats.org/markup-compatibility/2006" xmlns:p14="http://schemas.microsoft.com/office/powerpoint/2010/main">
+    <mc:Choice Requires="p14">
       <p:transition spd="med" p14:dur="700">
         <p:fade/>
       </p:transition>
     </mc:Choice>
-    <mc:Fallback>
+    <mc:Fallback xmlns="">
       <p:transition spd="med">
         <p:fade/>
       </p:transition>
@@ -18771,13 +19084,13 @@
   <p:clrMapOvr>
     <a:masterClrMapping/>
   </p:clrMapOvr>
-  <mc:AlternateContent xmlns:mc="http://schemas.openxmlformats.org/markup-compatibility/2006">
-    <mc:Choice xmlns:p14="http://schemas.microsoft.com/office/powerpoint/2010/main" Requires="p14">
+  <mc:AlternateContent xmlns:mc="http://schemas.openxmlformats.org/markup-compatibility/2006" xmlns:p14="http://schemas.microsoft.com/office/powerpoint/2010/main">
+    <mc:Choice Requires="p14">
       <p:transition spd="med" p14:dur="700">
         <p:fade/>
       </p:transition>
     </mc:Choice>
-    <mc:Fallback>
+    <mc:Fallback xmlns="">
       <p:transition spd="med">
         <p:fade/>
       </p:transition>
@@ -18936,13 +19249,13 @@
   <p:clrMapOvr>
     <a:masterClrMapping/>
   </p:clrMapOvr>
-  <mc:AlternateContent xmlns:mc="http://schemas.openxmlformats.org/markup-compatibility/2006">
-    <mc:Choice xmlns:p14="http://schemas.microsoft.com/office/powerpoint/2010/main" Requires="p14">
+  <mc:AlternateContent xmlns:mc="http://schemas.openxmlformats.org/markup-compatibility/2006" xmlns:p14="http://schemas.microsoft.com/office/powerpoint/2010/main">
+    <mc:Choice Requires="p14">
       <p:transition spd="med" p14:dur="700">
         <p:fade/>
       </p:transition>
     </mc:Choice>
-    <mc:Fallback>
+    <mc:Fallback xmlns="">
       <p:transition spd="med">
         <p:fade/>
       </p:transition>
@@ -19101,13 +19414,13 @@
   <p:clrMapOvr>
     <a:masterClrMapping/>
   </p:clrMapOvr>
-  <mc:AlternateContent xmlns:mc="http://schemas.openxmlformats.org/markup-compatibility/2006">
-    <mc:Choice xmlns:p14="http://schemas.microsoft.com/office/powerpoint/2010/main" Requires="p14">
+  <mc:AlternateContent xmlns:mc="http://schemas.openxmlformats.org/markup-compatibility/2006" xmlns:p14="http://schemas.microsoft.com/office/powerpoint/2010/main">
+    <mc:Choice Requires="p14">
       <p:transition spd="med" p14:dur="700">
         <p:fade/>
       </p:transition>
     </mc:Choice>
-    <mc:Fallback>
+    <mc:Fallback xmlns="">
       <p:transition spd="med">
         <p:fade/>
       </p:transition>
@@ -19330,13 +19643,13 @@
   <p:clrMapOvr>
     <a:masterClrMapping/>
   </p:clrMapOvr>
-  <mc:AlternateContent xmlns:mc="http://schemas.openxmlformats.org/markup-compatibility/2006">
-    <mc:Choice xmlns:p14="http://schemas.microsoft.com/office/powerpoint/2010/main" Requires="p14">
+  <mc:AlternateContent xmlns:mc="http://schemas.openxmlformats.org/markup-compatibility/2006" xmlns:p14="http://schemas.microsoft.com/office/powerpoint/2010/main">
+    <mc:Choice Requires="p14">
       <p:transition spd="med" p14:dur="700">
         <p:fade/>
       </p:transition>
     </mc:Choice>
-    <mc:Fallback>
+    <mc:Fallback xmlns="">
       <p:transition spd="med">
         <p:fade/>
       </p:transition>
@@ -19559,13 +19872,13 @@
   <p:clrMapOvr>
     <a:masterClrMapping/>
   </p:clrMapOvr>
-  <mc:AlternateContent xmlns:mc="http://schemas.openxmlformats.org/markup-compatibility/2006">
-    <mc:Choice xmlns:p14="http://schemas.microsoft.com/office/powerpoint/2010/main" Requires="p14">
+  <mc:AlternateContent xmlns:mc="http://schemas.openxmlformats.org/markup-compatibility/2006" xmlns:p14="http://schemas.microsoft.com/office/powerpoint/2010/main">
+    <mc:Choice Requires="p14">
       <p:transition spd="med" p14:dur="700">
         <p:fade/>
       </p:transition>
     </mc:Choice>
-    <mc:Fallback>
+    <mc:Fallback xmlns="">
       <p:transition spd="med">
         <p:fade/>
       </p:transition>
@@ -19787,13 +20100,13 @@
   <p:clrMapOvr>
     <a:masterClrMapping/>
   </p:clrMapOvr>
-  <mc:AlternateContent xmlns:mc="http://schemas.openxmlformats.org/markup-compatibility/2006">
-    <mc:Choice xmlns:p14="http://schemas.microsoft.com/office/powerpoint/2010/main" Requires="p14">
+  <mc:AlternateContent xmlns:mc="http://schemas.openxmlformats.org/markup-compatibility/2006" xmlns:p14="http://schemas.microsoft.com/office/powerpoint/2010/main">
+    <mc:Choice Requires="p14">
       <p:transition spd="med" p14:dur="700">
         <p:fade/>
       </p:transition>
     </mc:Choice>
-    <mc:Fallback>
+    <mc:Fallback xmlns="">
       <p:transition spd="med">
         <p:fade/>
       </p:transition>
@@ -19888,13 +20201,13 @@
   <p:clrMapOvr>
     <a:masterClrMapping/>
   </p:clrMapOvr>
-  <mc:AlternateContent xmlns:mc="http://schemas.openxmlformats.org/markup-compatibility/2006">
-    <mc:Choice xmlns:p14="http://schemas.microsoft.com/office/powerpoint/2010/main" Requires="p14">
+  <mc:AlternateContent xmlns:mc="http://schemas.openxmlformats.org/markup-compatibility/2006" xmlns:p14="http://schemas.microsoft.com/office/powerpoint/2010/main">
+    <mc:Choice Requires="p14">
       <p:transition spd="med" p14:dur="700">
         <p:fade/>
       </p:transition>
     </mc:Choice>
-    <mc:Fallback>
+    <mc:Fallback xmlns="">
       <p:transition spd="med">
         <p:fade/>
       </p:transition>
@@ -20119,13 +20432,13 @@
   <p:clrMapOvr>
     <a:masterClrMapping/>
   </p:clrMapOvr>
-  <mc:AlternateContent xmlns:mc="http://schemas.openxmlformats.org/markup-compatibility/2006">
-    <mc:Choice xmlns:p14="http://schemas.microsoft.com/office/powerpoint/2010/main" Requires="p14">
+  <mc:AlternateContent xmlns:mc="http://schemas.openxmlformats.org/markup-compatibility/2006" xmlns:p14="http://schemas.microsoft.com/office/powerpoint/2010/main">
+    <mc:Choice Requires="p14">
       <p:transition spd="med" p14:dur="700">
         <p:fade/>
       </p:transition>
     </mc:Choice>
-    <mc:Fallback>
+    <mc:Fallback xmlns="">
       <p:transition spd="med">
         <p:fade/>
       </p:transition>
@@ -20478,13 +20791,13 @@
   <p:clrMapOvr>
     <a:masterClrMapping/>
   </p:clrMapOvr>
-  <mc:AlternateContent xmlns:mc="http://schemas.openxmlformats.org/markup-compatibility/2006">
-    <mc:Choice xmlns:p14="http://schemas.microsoft.com/office/powerpoint/2010/main" Requires="p14">
+  <mc:AlternateContent xmlns:mc="http://schemas.openxmlformats.org/markup-compatibility/2006" xmlns:p14="http://schemas.microsoft.com/office/powerpoint/2010/main">
+    <mc:Choice Requires="p14">
       <p:transition spd="med" p14:dur="700">
         <p:fade/>
       </p:transition>
     </mc:Choice>
-    <mc:Fallback>
+    <mc:Fallback xmlns="">
       <p:transition spd="med">
         <p:fade/>
       </p:transition>
@@ -20914,13 +21227,13 @@
   <p:clrMapOvr>
     <a:masterClrMapping/>
   </p:clrMapOvr>
-  <mc:AlternateContent xmlns:mc="http://schemas.openxmlformats.org/markup-compatibility/2006">
-    <mc:Choice xmlns:p14="http://schemas.microsoft.com/office/powerpoint/2010/main" Requires="p14">
+  <mc:AlternateContent xmlns:mc="http://schemas.openxmlformats.org/markup-compatibility/2006" xmlns:p14="http://schemas.microsoft.com/office/powerpoint/2010/main">
+    <mc:Choice Requires="p14">
       <p:transition spd="med" p14:dur="700">
         <p:fade/>
       </p:transition>
     </mc:Choice>
-    <mc:Fallback>
+    <mc:Fallback xmlns="">
       <p:transition spd="med">
         <p:fade/>
       </p:transition>
@@ -21334,13 +21647,13 @@
   <p:clrMapOvr>
     <a:masterClrMapping/>
   </p:clrMapOvr>
-  <mc:AlternateContent xmlns:mc="http://schemas.openxmlformats.org/markup-compatibility/2006">
-    <mc:Choice xmlns:p14="http://schemas.microsoft.com/office/powerpoint/2010/main" Requires="p14">
+  <mc:AlternateContent xmlns:mc="http://schemas.openxmlformats.org/markup-compatibility/2006" xmlns:p14="http://schemas.microsoft.com/office/powerpoint/2010/main">
+    <mc:Choice Requires="p14">
       <p:transition spd="med" p14:dur="700">
         <p:fade/>
       </p:transition>
     </mc:Choice>
-    <mc:Fallback>
+    <mc:Fallback xmlns="">
       <p:transition spd="med">
         <p:fade/>
       </p:transition>
@@ -22006,13 +22319,13 @@
   <p:clrMapOvr>
     <a:masterClrMapping/>
   </p:clrMapOvr>
-  <mc:AlternateContent xmlns:mc="http://schemas.openxmlformats.org/markup-compatibility/2006">
-    <mc:Choice xmlns:p14="http://schemas.microsoft.com/office/powerpoint/2010/main" Requires="p14">
+  <mc:AlternateContent xmlns:mc="http://schemas.openxmlformats.org/markup-compatibility/2006" xmlns:p14="http://schemas.microsoft.com/office/powerpoint/2010/main">
+    <mc:Choice Requires="p14">
       <p:transition spd="med" p14:dur="700">
         <p:fade/>
       </p:transition>
     </mc:Choice>
-    <mc:Fallback>
+    <mc:Fallback xmlns="">
       <p:transition spd="med">
         <p:fade/>
       </p:transition>
@@ -22376,13 +22689,13 @@
   <p:clrMapOvr>
     <a:masterClrMapping/>
   </p:clrMapOvr>
-  <mc:AlternateContent xmlns:mc="http://schemas.openxmlformats.org/markup-compatibility/2006">
-    <mc:Choice xmlns:p14="http://schemas.microsoft.com/office/powerpoint/2010/main" Requires="p14">
+  <mc:AlternateContent xmlns:mc="http://schemas.openxmlformats.org/markup-compatibility/2006" xmlns:p14="http://schemas.microsoft.com/office/powerpoint/2010/main">
+    <mc:Choice Requires="p14">
       <p:transition spd="med" p14:dur="700">
         <p:fade/>
       </p:transition>
     </mc:Choice>
-    <mc:Fallback>
+    <mc:Fallback xmlns="">
       <p:transition spd="med">
         <p:fade/>
       </p:transition>
@@ -22658,13 +22971,13 @@
   <p:clrMapOvr>
     <a:masterClrMapping/>
   </p:clrMapOvr>
-  <mc:AlternateContent xmlns:mc="http://schemas.openxmlformats.org/markup-compatibility/2006">
-    <mc:Choice xmlns:p14="http://schemas.microsoft.com/office/powerpoint/2010/main" Requires="p14">
+  <mc:AlternateContent xmlns:mc="http://schemas.openxmlformats.org/markup-compatibility/2006" xmlns:p14="http://schemas.microsoft.com/office/powerpoint/2010/main">
+    <mc:Choice Requires="p14">
       <p:transition spd="med" p14:dur="700">
         <p:fade/>
       </p:transition>
     </mc:Choice>
-    <mc:Fallback>
+    <mc:Fallback xmlns="">
       <p:transition spd="med">
         <p:fade/>
       </p:transition>
@@ -23112,13 +23425,13 @@
   <p:clrMapOvr>
     <a:masterClrMapping/>
   </p:clrMapOvr>
-  <mc:AlternateContent xmlns:mc="http://schemas.openxmlformats.org/markup-compatibility/2006">
-    <mc:Choice xmlns:p14="http://schemas.microsoft.com/office/powerpoint/2010/main" Requires="p14">
+  <mc:AlternateContent xmlns:mc="http://schemas.openxmlformats.org/markup-compatibility/2006" xmlns:p14="http://schemas.microsoft.com/office/powerpoint/2010/main">
+    <mc:Choice Requires="p14">
       <p:transition spd="med" p14:dur="700">
         <p:fade/>
       </p:transition>
     </mc:Choice>
-    <mc:Fallback>
+    <mc:Fallback xmlns="">
       <p:transition spd="med">
         <p:fade/>
       </p:transition>
@@ -23450,13 +23763,13 @@
   <p:clrMapOvr>
     <a:masterClrMapping/>
   </p:clrMapOvr>
-  <mc:AlternateContent xmlns:mc="http://schemas.openxmlformats.org/markup-compatibility/2006">
-    <mc:Choice xmlns:p14="http://schemas.microsoft.com/office/powerpoint/2010/main" Requires="p14">
+  <mc:AlternateContent xmlns:mc="http://schemas.openxmlformats.org/markup-compatibility/2006" xmlns:p14="http://schemas.microsoft.com/office/powerpoint/2010/main">
+    <mc:Choice Requires="p14">
       <p:transition spd="med" p14:dur="700">
         <p:fade/>
       </p:transition>
     </mc:Choice>
-    <mc:Fallback>
+    <mc:Fallback xmlns="">
       <p:transition spd="med">
         <p:fade/>
       </p:transition>
@@ -23920,13 +24233,13 @@
   <p:clrMapOvr>
     <a:masterClrMapping/>
   </p:clrMapOvr>
-  <mc:AlternateContent xmlns:mc="http://schemas.openxmlformats.org/markup-compatibility/2006">
-    <mc:Choice xmlns:p14="http://schemas.microsoft.com/office/powerpoint/2010/main" Requires="p14">
+  <mc:AlternateContent xmlns:mc="http://schemas.openxmlformats.org/markup-compatibility/2006" xmlns:p14="http://schemas.microsoft.com/office/powerpoint/2010/main">
+    <mc:Choice Requires="p14">
       <p:transition spd="med" p14:dur="700">
         <p:fade/>
       </p:transition>
     </mc:Choice>
-    <mc:Fallback>
+    <mc:Fallback xmlns="">
       <p:transition spd="med">
         <p:fade/>
       </p:transition>
@@ -23992,13 +24305,13 @@
   <p:clrMapOvr>
     <a:masterClrMapping/>
   </p:clrMapOvr>
-  <mc:AlternateContent xmlns:mc="http://schemas.openxmlformats.org/markup-compatibility/2006">
-    <mc:Choice xmlns:p14="http://schemas.microsoft.com/office/powerpoint/2010/main" Requires="p14">
+  <mc:AlternateContent xmlns:mc="http://schemas.openxmlformats.org/markup-compatibility/2006" xmlns:p14="http://schemas.microsoft.com/office/powerpoint/2010/main">
+    <mc:Choice Requires="p14">
       <p:transition spd="med" p14:dur="700">
         <p:fade/>
       </p:transition>
     </mc:Choice>
-    <mc:Fallback>
+    <mc:Fallback xmlns="">
       <p:transition spd="med">
         <p:fade/>
       </p:transition>
@@ -24500,13 +24813,13 @@
   <p:clrMapOvr>
     <a:masterClrMapping/>
   </p:clrMapOvr>
-  <mc:AlternateContent xmlns:mc="http://schemas.openxmlformats.org/markup-compatibility/2006">
-    <mc:Choice xmlns:p14="http://schemas.microsoft.com/office/powerpoint/2010/main" Requires="p14">
+  <mc:AlternateContent xmlns:mc="http://schemas.openxmlformats.org/markup-compatibility/2006" xmlns:p14="http://schemas.microsoft.com/office/powerpoint/2010/main">
+    <mc:Choice Requires="p14">
       <p:transition spd="med" p14:dur="700">
         <p:fade/>
       </p:transition>
     </mc:Choice>
-    <mc:Fallback>
+    <mc:Fallback xmlns="">
       <p:transition spd="med">
         <p:fade/>
       </p:transition>
@@ -24996,13 +25309,13 @@
   <p:clrMapOvr>
     <a:masterClrMapping/>
   </p:clrMapOvr>
-  <mc:AlternateContent xmlns:mc="http://schemas.openxmlformats.org/markup-compatibility/2006">
-    <mc:Choice xmlns:p14="http://schemas.microsoft.com/office/powerpoint/2010/main" Requires="p14">
+  <mc:AlternateContent xmlns:mc="http://schemas.openxmlformats.org/markup-compatibility/2006" xmlns:p14="http://schemas.microsoft.com/office/powerpoint/2010/main">
+    <mc:Choice Requires="p14">
       <p:transition spd="med" p14:dur="700">
         <p:fade/>
       </p:transition>
     </mc:Choice>
-    <mc:Fallback>
+    <mc:Fallback xmlns="">
       <p:transition spd="med">
         <p:fade/>
       </p:transition>
@@ -25496,13 +25809,13 @@
   <p:clrMapOvr>
     <a:masterClrMapping/>
   </p:clrMapOvr>
-  <mc:AlternateContent xmlns:mc="http://schemas.openxmlformats.org/markup-compatibility/2006">
-    <mc:Choice xmlns:p14="http://schemas.microsoft.com/office/powerpoint/2010/main" Requires="p14">
+  <mc:AlternateContent xmlns:mc="http://schemas.openxmlformats.org/markup-compatibility/2006" xmlns:p14="http://schemas.microsoft.com/office/powerpoint/2010/main">
+    <mc:Choice Requires="p14">
       <p:transition spd="med" p14:dur="700">
         <p:fade/>
       </p:transition>
     </mc:Choice>
-    <mc:Fallback>
+    <mc:Fallback xmlns="">
       <p:transition spd="med">
         <p:fade/>
       </p:transition>
@@ -26127,13 +26440,13 @@
   <p:clrMapOvr>
     <a:masterClrMapping/>
   </p:clrMapOvr>
-  <mc:AlternateContent xmlns:mc="http://schemas.openxmlformats.org/markup-compatibility/2006">
-    <mc:Choice xmlns:p14="http://schemas.microsoft.com/office/powerpoint/2010/main" Requires="p14">
+  <mc:AlternateContent xmlns:mc="http://schemas.openxmlformats.org/markup-compatibility/2006" xmlns:p14="http://schemas.microsoft.com/office/powerpoint/2010/main">
+    <mc:Choice Requires="p14">
       <p:transition spd="med" p14:dur="700">
         <p:fade/>
       </p:transition>
     </mc:Choice>
-    <mc:Fallback>
+    <mc:Fallback xmlns="">
       <p:transition spd="med">
         <p:fade/>
       </p:transition>
@@ -26768,13 +27081,13 @@
   <p:clrMapOvr>
     <a:masterClrMapping/>
   </p:clrMapOvr>
-  <mc:AlternateContent xmlns:mc="http://schemas.openxmlformats.org/markup-compatibility/2006">
-    <mc:Choice xmlns:p14="http://schemas.microsoft.com/office/powerpoint/2010/main" Requires="p14">
+  <mc:AlternateContent xmlns:mc="http://schemas.openxmlformats.org/markup-compatibility/2006" xmlns:p14="http://schemas.microsoft.com/office/powerpoint/2010/main">
+    <mc:Choice Requires="p14">
       <p:transition spd="med" p14:dur="700">
         <p:fade/>
       </p:transition>
     </mc:Choice>
-    <mc:Fallback>
+    <mc:Fallback xmlns="">
       <p:transition spd="med">
         <p:fade/>
       </p:transition>
@@ -26946,13 +27259,13 @@
   <p:clrMapOvr>
     <a:masterClrMapping/>
   </p:clrMapOvr>
-  <mc:AlternateContent xmlns:mc="http://schemas.openxmlformats.org/markup-compatibility/2006">
-    <mc:Choice xmlns:p14="http://schemas.microsoft.com/office/powerpoint/2010/main" Requires="p14">
+  <mc:AlternateContent xmlns:mc="http://schemas.openxmlformats.org/markup-compatibility/2006" xmlns:p14="http://schemas.microsoft.com/office/powerpoint/2010/main">
+    <mc:Choice Requires="p14">
       <p:transition spd="med" p14:dur="700">
         <p:fade/>
       </p:transition>
     </mc:Choice>
-    <mc:Fallback>
+    <mc:Fallback xmlns="">
       <p:transition spd="med">
         <p:fade/>
       </p:transition>
@@ -27154,13 +27467,13 @@
   <p:clrMapOvr>
     <a:masterClrMapping/>
   </p:clrMapOvr>
-  <mc:AlternateContent xmlns:mc="http://schemas.openxmlformats.org/markup-compatibility/2006">
-    <mc:Choice xmlns:p14="http://schemas.microsoft.com/office/powerpoint/2010/main" Requires="p14">
+  <mc:AlternateContent xmlns:mc="http://schemas.openxmlformats.org/markup-compatibility/2006" xmlns:p14="http://schemas.microsoft.com/office/powerpoint/2010/main">
+    <mc:Choice Requires="p14">
       <p:transition spd="med" p14:dur="700">
         <p:fade/>
       </p:transition>
     </mc:Choice>
-    <mc:Fallback>
+    <mc:Fallback xmlns="">
       <p:transition spd="med">
         <p:fade/>
       </p:transition>
@@ -27364,13 +27677,13 @@
   <p:clrMapOvr>
     <a:masterClrMapping/>
   </p:clrMapOvr>
-  <mc:AlternateContent xmlns:mc="http://schemas.openxmlformats.org/markup-compatibility/2006">
-    <mc:Choice xmlns:p14="http://schemas.microsoft.com/office/powerpoint/2010/main" Requires="p14">
+  <mc:AlternateContent xmlns:mc="http://schemas.openxmlformats.org/markup-compatibility/2006" xmlns:p14="http://schemas.microsoft.com/office/powerpoint/2010/main">
+    <mc:Choice Requires="p14">
       <p:transition spd="med" p14:dur="700">
         <p:fade/>
       </p:transition>
     </mc:Choice>
-    <mc:Fallback>
+    <mc:Fallback xmlns="">
       <p:transition spd="med">
         <p:fade/>
       </p:transition>
@@ -27643,13 +27956,13 @@
   <p:clrMapOvr>
     <a:masterClrMapping/>
   </p:clrMapOvr>
-  <mc:AlternateContent xmlns:mc="http://schemas.openxmlformats.org/markup-compatibility/2006">
-    <mc:Choice xmlns:p14="http://schemas.microsoft.com/office/powerpoint/2010/main" Requires="p14">
+  <mc:AlternateContent xmlns:mc="http://schemas.openxmlformats.org/markup-compatibility/2006" xmlns:p14="http://schemas.microsoft.com/office/powerpoint/2010/main">
+    <mc:Choice Requires="p14">
       <p:transition spd="med" p14:dur="700">
         <p:fade/>
       </p:transition>
     </mc:Choice>
-    <mc:Fallback>
+    <mc:Fallback xmlns="">
       <p:transition spd="med">
         <p:fade/>
       </p:transition>
@@ -27952,13 +28265,13 @@
   <p:clrMapOvr>
     <a:masterClrMapping/>
   </p:clrMapOvr>
-  <mc:AlternateContent xmlns:mc="http://schemas.openxmlformats.org/markup-compatibility/2006">
-    <mc:Choice xmlns:p14="http://schemas.microsoft.com/office/powerpoint/2010/main" Requires="p14">
+  <mc:AlternateContent xmlns:mc="http://schemas.openxmlformats.org/markup-compatibility/2006" xmlns:p14="http://schemas.microsoft.com/office/powerpoint/2010/main">
+    <mc:Choice Requires="p14">
       <p:transition spd="med" p14:dur="700">
         <p:fade/>
       </p:transition>
     </mc:Choice>
-    <mc:Fallback>
+    <mc:Fallback xmlns="">
       <p:transition spd="med">
         <p:fade/>
       </p:transition>
@@ -28350,13 +28663,13 @@
   <p:clrMapOvr>
     <a:masterClrMapping/>
   </p:clrMapOvr>
-  <mc:AlternateContent xmlns:mc="http://schemas.openxmlformats.org/markup-compatibility/2006">
-    <mc:Choice xmlns:p14="http://schemas.microsoft.com/office/powerpoint/2010/main" Requires="p14">
+  <mc:AlternateContent xmlns:mc="http://schemas.openxmlformats.org/markup-compatibility/2006" xmlns:p14="http://schemas.microsoft.com/office/powerpoint/2010/main">
+    <mc:Choice Requires="p14">
       <p:transition spd="med" p14:dur="700">
         <p:fade/>
       </p:transition>
     </mc:Choice>
-    <mc:Fallback>
+    <mc:Fallback xmlns="">
       <p:transition spd="med">
         <p:fade/>
       </p:transition>
@@ -28667,13 +28980,13 @@
   <p:clrMapOvr>
     <a:masterClrMapping/>
   </p:clrMapOvr>
-  <mc:AlternateContent xmlns:mc="http://schemas.openxmlformats.org/markup-compatibility/2006">
-    <mc:Choice xmlns:p14="http://schemas.microsoft.com/office/powerpoint/2010/main" Requires="p14">
+  <mc:AlternateContent xmlns:mc="http://schemas.openxmlformats.org/markup-compatibility/2006" xmlns:p14="http://schemas.microsoft.com/office/powerpoint/2010/main">
+    <mc:Choice Requires="p14">
       <p:transition spd="med" p14:dur="700">
         <p:fade/>
       </p:transition>
     </mc:Choice>
-    <mc:Fallback>
+    <mc:Fallback xmlns="">
       <p:transition spd="med">
         <p:fade/>
       </p:transition>
@@ -28983,13 +29296,13 @@
   <p:clrMapOvr>
     <a:masterClrMapping/>
   </p:clrMapOvr>
-  <mc:AlternateContent xmlns:mc="http://schemas.openxmlformats.org/markup-compatibility/2006">
-    <mc:Choice xmlns:p14="http://schemas.microsoft.com/office/powerpoint/2010/main" Requires="p14">
+  <mc:AlternateContent xmlns:mc="http://schemas.openxmlformats.org/markup-compatibility/2006" xmlns:p14="http://schemas.microsoft.com/office/powerpoint/2010/main">
+    <mc:Choice Requires="p14">
       <p:transition spd="med" p14:dur="700">
         <p:fade/>
       </p:transition>
     </mc:Choice>
-    <mc:Fallback>
+    <mc:Fallback xmlns="">
       <p:transition spd="med">
         <p:fade/>
       </p:transition>
@@ -29517,13 +29830,13 @@
   <p:clrMapOvr>
     <a:masterClrMapping/>
   </p:clrMapOvr>
-  <mc:AlternateContent xmlns:mc="http://schemas.openxmlformats.org/markup-compatibility/2006">
-    <mc:Choice xmlns:p14="http://schemas.microsoft.com/office/powerpoint/2010/main" Requires="p14">
+  <mc:AlternateContent xmlns:mc="http://schemas.openxmlformats.org/markup-compatibility/2006" xmlns:p14="http://schemas.microsoft.com/office/powerpoint/2010/main">
+    <mc:Choice Requires="p14">
       <p:transition spd="med" p14:dur="700">
         <p:fade/>
       </p:transition>
     </mc:Choice>
-    <mc:Fallback>
+    <mc:Fallback xmlns="">
       <p:transition spd="med">
         <p:fade/>
       </p:transition>
@@ -29668,13 +29981,13 @@
   <p:clrMapOvr>
     <a:masterClrMapping/>
   </p:clrMapOvr>
-  <mc:AlternateContent xmlns:mc="http://schemas.openxmlformats.org/markup-compatibility/2006">
-    <mc:Choice xmlns:p14="http://schemas.microsoft.com/office/powerpoint/2010/main" Requires="p14">
+  <mc:AlternateContent xmlns:mc="http://schemas.openxmlformats.org/markup-compatibility/2006" xmlns:p14="http://schemas.microsoft.com/office/powerpoint/2010/main">
+    <mc:Choice Requires="p14">
       <p:transition spd="med" p14:dur="700">
         <p:fade/>
       </p:transition>
     </mc:Choice>
-    <mc:Fallback>
+    <mc:Fallback xmlns="">
       <p:transition spd="med">
         <p:fade/>
       </p:transition>
@@ -29798,13 +30111,13 @@
   <p:clrMapOvr>
     <a:masterClrMapping/>
   </p:clrMapOvr>
-  <mc:AlternateContent xmlns:mc="http://schemas.openxmlformats.org/markup-compatibility/2006">
-    <mc:Choice xmlns:p14="http://schemas.microsoft.com/office/powerpoint/2010/main" Requires="p14">
+  <mc:AlternateContent xmlns:mc="http://schemas.openxmlformats.org/markup-compatibility/2006" xmlns:p14="http://schemas.microsoft.com/office/powerpoint/2010/main">
+    <mc:Choice Requires="p14">
       <p:transition spd="med" p14:dur="700">
         <p:fade/>
       </p:transition>
     </mc:Choice>
-    <mc:Fallback>
+    <mc:Fallback xmlns="">
       <p:transition spd="med">
         <p:fade/>
       </p:transition>
@@ -30465,13 +30778,13 @@
   <p:clrMapOvr>
     <a:masterClrMapping/>
   </p:clrMapOvr>
-  <mc:AlternateContent xmlns:mc="http://schemas.openxmlformats.org/markup-compatibility/2006">
-    <mc:Choice xmlns:p14="http://schemas.microsoft.com/office/powerpoint/2010/main" Requires="p14">
+  <mc:AlternateContent xmlns:mc="http://schemas.openxmlformats.org/markup-compatibility/2006" xmlns:p14="http://schemas.microsoft.com/office/powerpoint/2010/main">
+    <mc:Choice Requires="p14">
       <p:transition spd="med" p14:dur="700">
         <p:fade/>
       </p:transition>
     </mc:Choice>
-    <mc:Fallback>
+    <mc:Fallback xmlns="">
       <p:transition spd="med">
         <p:fade/>
       </p:transition>
@@ -30994,13 +31307,13 @@
   <p:clrMapOvr>
     <a:masterClrMapping/>
   </p:clrMapOvr>
-  <mc:AlternateContent xmlns:mc="http://schemas.openxmlformats.org/markup-compatibility/2006">
-    <mc:Choice xmlns:p14="http://schemas.microsoft.com/office/powerpoint/2010/main" Requires="p14">
+  <mc:AlternateContent xmlns:mc="http://schemas.openxmlformats.org/markup-compatibility/2006" xmlns:p14="http://schemas.microsoft.com/office/powerpoint/2010/main">
+    <mc:Choice Requires="p14">
       <p:transition spd="med" p14:dur="700">
         <p:fade/>
       </p:transition>
     </mc:Choice>
-    <mc:Fallback>
+    <mc:Fallback xmlns="">
       <p:transition spd="med">
         <p:fade/>
       </p:transition>
@@ -35555,13 +35868,13 @@
     <p:sldLayoutId id="2147484391" r:id="rId28"/>
     <p:sldLayoutId id="2147484389" r:id="rId29"/>
   </p:sldLayoutIdLst>
-  <mc:AlternateContent xmlns:mc="http://schemas.openxmlformats.org/markup-compatibility/2006">
-    <mc:Choice xmlns:p14="http://schemas.microsoft.com/office/powerpoint/2010/main" Requires="p14">
+  <mc:AlternateContent xmlns:mc="http://schemas.openxmlformats.org/markup-compatibility/2006" xmlns:p14="http://schemas.microsoft.com/office/powerpoint/2010/main">
+    <mc:Choice Requires="p14">
       <p:transition spd="med" p14:dur="700">
         <p:fade/>
       </p:transition>
     </mc:Choice>
-    <mc:Fallback>
+    <mc:Fallback xmlns="">
       <p:transition spd="med">
         <p:fade/>
       </p:transition>
@@ -40842,13 +41155,13 @@
     <p:sldLayoutId id="2147484460" r:id="rId27"/>
     <p:sldLayoutId id="2147484461" r:id="rId28"/>
   </p:sldLayoutIdLst>
-  <mc:AlternateContent xmlns:mc="http://schemas.openxmlformats.org/markup-compatibility/2006">
-    <mc:Choice xmlns:p14="http://schemas.microsoft.com/office/powerpoint/2010/main" Requires="p14">
+  <mc:AlternateContent xmlns:mc="http://schemas.openxmlformats.org/markup-compatibility/2006" xmlns:p14="http://schemas.microsoft.com/office/powerpoint/2010/main">
+    <mc:Choice Requires="p14">
       <p:transition spd="med" p14:dur="700">
         <p:fade/>
       </p:transition>
     </mc:Choice>
-    <mc:Fallback>
+    <mc:Fallback xmlns="">
       <p:transition spd="med">
         <p:fade/>
       </p:transition>
@@ -41508,13 +41821,13 @@
     <p:sldLayoutId id="2147484519" r:id="rId16"/>
     <p:sldLayoutId id="2147484520" r:id="rId17"/>
   </p:sldLayoutIdLst>
-  <mc:AlternateContent xmlns:mc="http://schemas.openxmlformats.org/markup-compatibility/2006">
-    <mc:Choice xmlns:p14="http://schemas.microsoft.com/office/powerpoint/2010/main" Requires="p14">
+  <mc:AlternateContent xmlns:mc="http://schemas.openxmlformats.org/markup-compatibility/2006" xmlns:p14="http://schemas.microsoft.com/office/powerpoint/2010/main">
+    <mc:Choice Requires="p14">
       <p:transition spd="med" p14:dur="700">
         <p:fade/>
       </p:transition>
     </mc:Choice>
-    <mc:Fallback>
+    <mc:Fallback xmlns="">
       <p:transition spd="med">
         <p:fade/>
       </p:transition>
@@ -42233,13 +42546,13 @@
   <p:clrMapOvr>
     <a:masterClrMapping/>
   </p:clrMapOvr>
-  <mc:AlternateContent xmlns:mc="http://schemas.openxmlformats.org/markup-compatibility/2006">
-    <mc:Choice xmlns:p14="http://schemas.microsoft.com/office/powerpoint/2010/main" Requires="p14">
+  <mc:AlternateContent xmlns:mc="http://schemas.openxmlformats.org/markup-compatibility/2006" xmlns:p14="http://schemas.microsoft.com/office/powerpoint/2010/main">
+    <mc:Choice Requires="p14">
       <p:transition spd="med" p14:dur="700">
         <p:fade/>
       </p:transition>
     </mc:Choice>
-    <mc:Fallback>
+    <mc:Fallback xmlns="">
       <p:transition spd="med">
         <p:fade/>
       </p:transition>
@@ -42290,7 +42603,7 @@
           <a:p>
             <a:r>
               <a:rPr lang="en-US" dirty="0"/>
-              <a:t>Durable Functions - Events</a:t>
+              <a:t>Durable Functions 2.0 PREVIEW</a:t>
             </a:r>
           </a:p>
         </p:txBody>
@@ -42311,12 +42624,20 @@
             <p:ph type="subTitle" idx="27"/>
           </p:nvPr>
         </p:nvSpPr>
-        <p:spPr/>
+        <p:spPr>
+          <a:xfrm>
+            <a:off x="457200" y="1051560"/>
+            <a:ext cx="6766559" cy="685800"/>
+          </a:xfrm>
+        </p:spPr>
         <p:txBody>
           <a:bodyPr/>
           <a:lstStyle/>
           <a:p>
-            <a:endParaRPr lang="en-US"/>
+            <a:r>
+              <a:rPr lang="en-US" dirty="0"/>
+              <a:t>Alpha-builds; not suitable for production &amp; may change in significant ways</a:t>
+            </a:r>
           </a:p>
         </p:txBody>
       </p:sp>
@@ -42336,12 +42657,742 @@
             <p:ph idx="32"/>
           </p:nvPr>
         </p:nvSpPr>
-        <p:spPr/>
+        <p:spPr>
+          <a:xfrm>
+            <a:off x="457199" y="2104162"/>
+            <a:ext cx="6766560" cy="4514047"/>
+          </a:xfrm>
+        </p:spPr>
         <p:txBody>
           <a:bodyPr/>
           <a:lstStyle/>
           <a:p>
-            <a:endParaRPr lang="en-US"/>
+            <a:r>
+              <a:rPr lang="en-US" dirty="0"/>
+              <a:t>Breaking Changes</a:t>
+            </a:r>
+          </a:p>
+          <a:p>
+            <a:pPr lvl="1"/>
+            <a:r>
+              <a:rPr lang="en-US" dirty="0"/>
+              <a:t>Dropping .NET Framework support</a:t>
+            </a:r>
+          </a:p>
+          <a:p>
+            <a:pPr lvl="1"/>
+            <a:r>
+              <a:rPr lang="en-US" dirty="0"/>
+              <a:t>Abstract base classes replaced with interfaces.</a:t>
+            </a:r>
+          </a:p>
+          <a:p>
+            <a:pPr lvl="1"/>
+            <a:r>
+              <a:rPr lang="en-US" dirty="0" err="1"/>
+              <a:t>host.json</a:t>
+            </a:r>
+            <a:r>
+              <a:rPr lang="en-US" dirty="0"/>
+              <a:t> schema</a:t>
+            </a:r>
+          </a:p>
+          <a:p>
+            <a:r>
+              <a:rPr lang="en-US" dirty="0"/>
+              <a:t>Alternate storage providers</a:t>
+            </a:r>
+          </a:p>
+          <a:p>
+            <a:pPr lvl="1"/>
+            <a:r>
+              <a:rPr lang="en-US" dirty="0"/>
+              <a:t>Azure Storage, Azure Service Bus, in-memory emulator, </a:t>
+            </a:r>
+            <a:r>
+              <a:rPr lang="en-US" u="sng" dirty="0"/>
+              <a:t>Redis</a:t>
+            </a:r>
+          </a:p>
+          <a:p>
+            <a:r>
+              <a:rPr lang="en-US" dirty="0"/>
+              <a:t>Entity functions</a:t>
+            </a:r>
+          </a:p>
+        </p:txBody>
+      </p:sp>
+      <p:sp>
+        <p:nvSpPr>
+          <p:cNvPr id="3" name="TextBox 2">
+            <a:extLst>
+              <a:ext uri="{FF2B5EF4-FFF2-40B4-BE49-F238E27FC236}">
+                <a16:creationId xmlns:a16="http://schemas.microsoft.com/office/drawing/2014/main" id="{B5DE458C-1EE7-4BD0-B0BC-E573C6388A36}"/>
+              </a:ext>
+            </a:extLst>
+          </p:cNvPr>
+          <p:cNvSpPr txBox="1"/>
+          <p:nvPr/>
+        </p:nvSpPr>
+        <p:spPr>
+          <a:xfrm>
+            <a:off x="7223760" y="948690"/>
+            <a:ext cx="4842672" cy="5909310"/>
+          </a:xfrm>
+          <a:prstGeom prst="rect">
+            <a:avLst/>
+          </a:prstGeom>
+          <a:solidFill>
+            <a:schemeClr val="bg1">
+              <a:lumMod val="90000"/>
+            </a:schemeClr>
+          </a:solidFill>
+        </p:spPr>
+        <p:txBody>
+          <a:bodyPr wrap="none" lIns="0" tIns="0" rIns="0" bIns="0" rtlCol="0" anchor="t" anchorCtr="0">
+            <a:spAutoFit/>
+          </a:bodyPr>
+          <a:lstStyle/>
+          <a:p>
+            <a:r>
+              <a:rPr lang="en-US" sz="1200" dirty="0">
+                <a:latin typeface="Consolas" panose="020B0609020204030204" pitchFamily="49" charset="0"/>
+              </a:rPr>
+              <a:t>{</a:t>
+            </a:r>
+          </a:p>
+          <a:p>
+            <a:r>
+              <a:rPr lang="en-US" sz="1200" dirty="0">
+                <a:latin typeface="Consolas" panose="020B0609020204030204" pitchFamily="49" charset="0"/>
+              </a:rPr>
+              <a:t>  "version": "2.0",</a:t>
+            </a:r>
+          </a:p>
+          <a:p>
+            <a:r>
+              <a:rPr lang="en-US" sz="1200" dirty="0">
+                <a:latin typeface="Consolas" panose="020B0609020204030204" pitchFamily="49" charset="0"/>
+              </a:rPr>
+              <a:t>  "extensions": {</a:t>
+            </a:r>
+          </a:p>
+          <a:p>
+            <a:r>
+              <a:rPr lang="en-US" sz="1200" dirty="0">
+                <a:latin typeface="Consolas" panose="020B0609020204030204" pitchFamily="49" charset="0"/>
+              </a:rPr>
+              <a:t>    "</a:t>
+            </a:r>
+            <a:r>
+              <a:rPr lang="en-US" sz="1200" dirty="0" err="1">
+                <a:latin typeface="Consolas" panose="020B0609020204030204" pitchFamily="49" charset="0"/>
+              </a:rPr>
+              <a:t>durableTask</a:t>
+            </a:r>
+            <a:r>
+              <a:rPr lang="en-US" sz="1200" dirty="0">
+                <a:latin typeface="Consolas" panose="020B0609020204030204" pitchFamily="49" charset="0"/>
+              </a:rPr>
+              <a:t>": {</a:t>
+            </a:r>
+          </a:p>
+          <a:p>
+            <a:r>
+              <a:rPr lang="en-US" sz="1200" dirty="0">
+                <a:latin typeface="Consolas" panose="020B0609020204030204" pitchFamily="49" charset="0"/>
+              </a:rPr>
+              <a:t>      "</a:t>
+            </a:r>
+            <a:r>
+              <a:rPr lang="en-US" sz="1200" dirty="0" err="1">
+                <a:latin typeface="Consolas" panose="020B0609020204030204" pitchFamily="49" charset="0"/>
+              </a:rPr>
+              <a:t>hubName</a:t>
+            </a:r>
+            <a:r>
+              <a:rPr lang="en-US" sz="1200" dirty="0">
+                <a:latin typeface="Consolas" panose="020B0609020204030204" pitchFamily="49" charset="0"/>
+              </a:rPr>
+              <a:t>": &lt;string&gt;,</a:t>
+            </a:r>
+          </a:p>
+          <a:p>
+            <a:r>
+              <a:rPr lang="en-US" sz="1200" dirty="0">
+                <a:latin typeface="Consolas" panose="020B0609020204030204" pitchFamily="49" charset="0"/>
+              </a:rPr>
+              <a:t>      "</a:t>
+            </a:r>
+            <a:r>
+              <a:rPr lang="en-US" sz="1200" dirty="0" err="1">
+                <a:latin typeface="Consolas" panose="020B0609020204030204" pitchFamily="49" charset="0"/>
+              </a:rPr>
+              <a:t>storageProvider</a:t>
+            </a:r>
+            <a:r>
+              <a:rPr lang="en-US" sz="1200" dirty="0">
+                <a:latin typeface="Consolas" panose="020B0609020204030204" pitchFamily="49" charset="0"/>
+              </a:rPr>
+              <a:t>": {</a:t>
+            </a:r>
+          </a:p>
+          <a:p>
+            <a:r>
+              <a:rPr lang="en-US" sz="1200" dirty="0">
+                <a:latin typeface="Consolas" panose="020B0609020204030204" pitchFamily="49" charset="0"/>
+              </a:rPr>
+              <a:t>        "</a:t>
+            </a:r>
+            <a:r>
+              <a:rPr lang="en-US" sz="1200" dirty="0" err="1">
+                <a:latin typeface="Consolas" panose="020B0609020204030204" pitchFamily="49" charset="0"/>
+              </a:rPr>
+              <a:t>azureStorage</a:t>
+            </a:r>
+            <a:r>
+              <a:rPr lang="en-US" sz="1200" dirty="0">
+                <a:latin typeface="Consolas" panose="020B0609020204030204" pitchFamily="49" charset="0"/>
+              </a:rPr>
+              <a:t>": {</a:t>
+            </a:r>
+          </a:p>
+          <a:p>
+            <a:r>
+              <a:rPr lang="en-US" sz="1200" dirty="0">
+                <a:latin typeface="Consolas" panose="020B0609020204030204" pitchFamily="49" charset="0"/>
+              </a:rPr>
+              <a:t>          "</a:t>
+            </a:r>
+            <a:r>
+              <a:rPr lang="en-US" sz="1200" dirty="0" err="1">
+                <a:latin typeface="Consolas" panose="020B0609020204030204" pitchFamily="49" charset="0"/>
+              </a:rPr>
+              <a:t>connectionStringName</a:t>
+            </a:r>
+            <a:r>
+              <a:rPr lang="en-US" sz="1200" dirty="0">
+                <a:latin typeface="Consolas" panose="020B0609020204030204" pitchFamily="49" charset="0"/>
+              </a:rPr>
+              <a:t>": &lt;string&gt;,</a:t>
+            </a:r>
+          </a:p>
+          <a:p>
+            <a:r>
+              <a:rPr lang="en-US" sz="1200" dirty="0">
+                <a:latin typeface="Consolas" panose="020B0609020204030204" pitchFamily="49" charset="0"/>
+              </a:rPr>
+              <a:t>          "</a:t>
+            </a:r>
+            <a:r>
+              <a:rPr lang="en-US" sz="1200" dirty="0" err="1">
+                <a:latin typeface="Consolas" panose="020B0609020204030204" pitchFamily="49" charset="0"/>
+              </a:rPr>
+              <a:t>controlQueueBatchSize</a:t>
+            </a:r>
+            <a:r>
+              <a:rPr lang="en-US" sz="1200" dirty="0">
+                <a:latin typeface="Consolas" panose="020B0609020204030204" pitchFamily="49" charset="0"/>
+              </a:rPr>
+              <a:t>": &lt;int?&gt;,</a:t>
+            </a:r>
+          </a:p>
+          <a:p>
+            <a:r>
+              <a:rPr lang="en-US" sz="1200" dirty="0">
+                <a:latin typeface="Consolas" panose="020B0609020204030204" pitchFamily="49" charset="0"/>
+              </a:rPr>
+              <a:t>          "</a:t>
+            </a:r>
+            <a:r>
+              <a:rPr lang="en-US" sz="1200" dirty="0" err="1">
+                <a:latin typeface="Consolas" panose="020B0609020204030204" pitchFamily="49" charset="0"/>
+              </a:rPr>
+              <a:t>partitionCount</a:t>
+            </a:r>
+            <a:r>
+              <a:rPr lang="en-US" sz="1200" dirty="0">
+                <a:latin typeface="Consolas" panose="020B0609020204030204" pitchFamily="49" charset="0"/>
+              </a:rPr>
+              <a:t>": &lt;int?&gt;,</a:t>
+            </a:r>
+          </a:p>
+          <a:p>
+            <a:r>
+              <a:rPr lang="en-US" sz="1200" dirty="0">
+                <a:latin typeface="Consolas" panose="020B0609020204030204" pitchFamily="49" charset="0"/>
+              </a:rPr>
+              <a:t>          "</a:t>
+            </a:r>
+            <a:r>
+              <a:rPr lang="en-US" sz="1200" dirty="0" err="1">
+                <a:latin typeface="Consolas" panose="020B0609020204030204" pitchFamily="49" charset="0"/>
+              </a:rPr>
+              <a:t>controlQueueVisibilityTimeout</a:t>
+            </a:r>
+            <a:r>
+              <a:rPr lang="en-US" sz="1200" dirty="0">
+                <a:latin typeface="Consolas" panose="020B0609020204030204" pitchFamily="49" charset="0"/>
+              </a:rPr>
+              <a:t>": &lt;</a:t>
+            </a:r>
+            <a:r>
+              <a:rPr lang="en-US" sz="1200" dirty="0" err="1">
+                <a:latin typeface="Consolas" panose="020B0609020204030204" pitchFamily="49" charset="0"/>
+              </a:rPr>
+              <a:t>hh:mm:ss</a:t>
+            </a:r>
+            <a:r>
+              <a:rPr lang="en-US" sz="1200" dirty="0">
+                <a:latin typeface="Consolas" panose="020B0609020204030204" pitchFamily="49" charset="0"/>
+              </a:rPr>
+              <a:t>?&gt;,</a:t>
+            </a:r>
+          </a:p>
+          <a:p>
+            <a:r>
+              <a:rPr lang="en-US" sz="1200" dirty="0">
+                <a:latin typeface="Consolas" panose="020B0609020204030204" pitchFamily="49" charset="0"/>
+              </a:rPr>
+              <a:t>          "</a:t>
+            </a:r>
+            <a:r>
+              <a:rPr lang="en-US" sz="1200" dirty="0" err="1">
+                <a:latin typeface="Consolas" panose="020B0609020204030204" pitchFamily="49" charset="0"/>
+              </a:rPr>
+              <a:t>workItemQueueVisibilityTimeout</a:t>
+            </a:r>
+            <a:r>
+              <a:rPr lang="en-US" sz="1200" dirty="0">
+                <a:latin typeface="Consolas" panose="020B0609020204030204" pitchFamily="49" charset="0"/>
+              </a:rPr>
+              <a:t>": &lt;</a:t>
+            </a:r>
+            <a:r>
+              <a:rPr lang="en-US" sz="1200" dirty="0" err="1">
+                <a:latin typeface="Consolas" panose="020B0609020204030204" pitchFamily="49" charset="0"/>
+              </a:rPr>
+              <a:t>hh:mm:ss</a:t>
+            </a:r>
+            <a:r>
+              <a:rPr lang="en-US" sz="1200" dirty="0">
+                <a:latin typeface="Consolas" panose="020B0609020204030204" pitchFamily="49" charset="0"/>
+              </a:rPr>
+              <a:t>?&gt;,</a:t>
+            </a:r>
+          </a:p>
+          <a:p>
+            <a:r>
+              <a:rPr lang="en-US" sz="1200" dirty="0">
+                <a:latin typeface="Consolas" panose="020B0609020204030204" pitchFamily="49" charset="0"/>
+              </a:rPr>
+              <a:t>          "</a:t>
+            </a:r>
+            <a:r>
+              <a:rPr lang="en-US" sz="1200" dirty="0" err="1">
+                <a:latin typeface="Consolas" panose="020B0609020204030204" pitchFamily="49" charset="0"/>
+              </a:rPr>
+              <a:t>trackingStoreConnectionStringName</a:t>
+            </a:r>
+            <a:r>
+              <a:rPr lang="en-US" sz="1200" dirty="0">
+                <a:latin typeface="Consolas" panose="020B0609020204030204" pitchFamily="49" charset="0"/>
+              </a:rPr>
+              <a:t>": &lt;string?&gt;,</a:t>
+            </a:r>
+          </a:p>
+          <a:p>
+            <a:r>
+              <a:rPr lang="en-US" sz="1200" dirty="0">
+                <a:latin typeface="Consolas" panose="020B0609020204030204" pitchFamily="49" charset="0"/>
+              </a:rPr>
+              <a:t>          "</a:t>
+            </a:r>
+            <a:r>
+              <a:rPr lang="en-US" sz="1200" dirty="0" err="1">
+                <a:latin typeface="Consolas" panose="020B0609020204030204" pitchFamily="49" charset="0"/>
+              </a:rPr>
+              <a:t>trackingStoreNamePrefix</a:t>
+            </a:r>
+            <a:r>
+              <a:rPr lang="en-US" sz="1200" dirty="0">
+                <a:latin typeface="Consolas" panose="020B0609020204030204" pitchFamily="49" charset="0"/>
+              </a:rPr>
+              <a:t>": &lt;string?&gt;,</a:t>
+            </a:r>
+          </a:p>
+          <a:p>
+            <a:r>
+              <a:rPr lang="en-US" sz="1200" dirty="0">
+                <a:latin typeface="Consolas" panose="020B0609020204030204" pitchFamily="49" charset="0"/>
+              </a:rPr>
+              <a:t>          "</a:t>
+            </a:r>
+            <a:r>
+              <a:rPr lang="en-US" sz="1200" dirty="0" err="1">
+                <a:latin typeface="Consolas" panose="020B0609020204030204" pitchFamily="49" charset="0"/>
+              </a:rPr>
+              <a:t>maxQueuePollingInterval</a:t>
+            </a:r>
+            <a:r>
+              <a:rPr lang="en-US" sz="1200" dirty="0">
+                <a:latin typeface="Consolas" panose="020B0609020204030204" pitchFamily="49" charset="0"/>
+              </a:rPr>
+              <a:t>": &lt;</a:t>
+            </a:r>
+            <a:r>
+              <a:rPr lang="en-US" sz="1200" dirty="0" err="1">
+                <a:latin typeface="Consolas" panose="020B0609020204030204" pitchFamily="49" charset="0"/>
+              </a:rPr>
+              <a:t>hh:mm:ss</a:t>
+            </a:r>
+            <a:r>
+              <a:rPr lang="en-US" sz="1200" dirty="0">
+                <a:latin typeface="Consolas" panose="020B0609020204030204" pitchFamily="49" charset="0"/>
+              </a:rPr>
+              <a:t>?&gt;</a:t>
+            </a:r>
+          </a:p>
+          <a:p>
+            <a:r>
+              <a:rPr lang="en-US" sz="1200" dirty="0">
+                <a:latin typeface="Consolas" panose="020B0609020204030204" pitchFamily="49" charset="0"/>
+              </a:rPr>
+              <a:t>        }</a:t>
+            </a:r>
+          </a:p>
+          <a:p>
+            <a:r>
+              <a:rPr lang="en-US" sz="1200" dirty="0">
+                <a:latin typeface="Consolas" panose="020B0609020204030204" pitchFamily="49" charset="0"/>
+              </a:rPr>
+              <a:t>      },</a:t>
+            </a:r>
+          </a:p>
+          <a:p>
+            <a:r>
+              <a:rPr lang="en-US" sz="1200" dirty="0">
+                <a:latin typeface="Consolas" panose="020B0609020204030204" pitchFamily="49" charset="0"/>
+              </a:rPr>
+              <a:t>      "</a:t>
+            </a:r>
+            <a:r>
+              <a:rPr lang="en-US" sz="1200" dirty="0" err="1">
+                <a:latin typeface="Consolas" panose="020B0609020204030204" pitchFamily="49" charset="0"/>
+              </a:rPr>
+              <a:t>maxConcurrentActivityFunctions</a:t>
+            </a:r>
+            <a:r>
+              <a:rPr lang="en-US" sz="1200" dirty="0">
+                <a:latin typeface="Consolas" panose="020B0609020204030204" pitchFamily="49" charset="0"/>
+              </a:rPr>
+              <a:t>": &lt;int?&gt;,</a:t>
+            </a:r>
+          </a:p>
+          <a:p>
+            <a:r>
+              <a:rPr lang="en-US" sz="1200" dirty="0">
+                <a:latin typeface="Consolas" panose="020B0609020204030204" pitchFamily="49" charset="0"/>
+              </a:rPr>
+              <a:t>      "</a:t>
+            </a:r>
+            <a:r>
+              <a:rPr lang="en-US" sz="1200" dirty="0" err="1">
+                <a:latin typeface="Consolas" panose="020B0609020204030204" pitchFamily="49" charset="0"/>
+              </a:rPr>
+              <a:t>maxConcurrentOrchestratorFunctions</a:t>
+            </a:r>
+            <a:r>
+              <a:rPr lang="en-US" sz="1200" dirty="0">
+                <a:latin typeface="Consolas" panose="020B0609020204030204" pitchFamily="49" charset="0"/>
+              </a:rPr>
+              <a:t>": &lt;int?&gt;,</a:t>
+            </a:r>
+          </a:p>
+          <a:p>
+            <a:r>
+              <a:rPr lang="en-US" sz="1200" dirty="0">
+                <a:latin typeface="Consolas" panose="020B0609020204030204" pitchFamily="49" charset="0"/>
+              </a:rPr>
+              <a:t>      "</a:t>
+            </a:r>
+            <a:r>
+              <a:rPr lang="en-US" sz="1200" dirty="0" err="1">
+                <a:latin typeface="Consolas" panose="020B0609020204030204" pitchFamily="49" charset="0"/>
+              </a:rPr>
+              <a:t>traceInputAndOutputs</a:t>
+            </a:r>
+            <a:r>
+              <a:rPr lang="en-US" sz="1200" dirty="0">
+                <a:latin typeface="Consolas" panose="020B0609020204030204" pitchFamily="49" charset="0"/>
+              </a:rPr>
+              <a:t>": &lt;bool?&gt;,</a:t>
+            </a:r>
+          </a:p>
+          <a:p>
+            <a:r>
+              <a:rPr lang="en-US" sz="1200" dirty="0">
+                <a:latin typeface="Consolas" panose="020B0609020204030204" pitchFamily="49" charset="0"/>
+              </a:rPr>
+              <a:t>      "</a:t>
+            </a:r>
+            <a:r>
+              <a:rPr lang="en-US" sz="1200" dirty="0" err="1">
+                <a:latin typeface="Consolas" panose="020B0609020204030204" pitchFamily="49" charset="0"/>
+              </a:rPr>
+              <a:t>eventGridTopicEndpoint</a:t>
+            </a:r>
+            <a:r>
+              <a:rPr lang="en-US" sz="1200" dirty="0">
+                <a:latin typeface="Consolas" panose="020B0609020204030204" pitchFamily="49" charset="0"/>
+              </a:rPr>
+              <a:t>": &lt;string?&gt;,</a:t>
+            </a:r>
+          </a:p>
+          <a:p>
+            <a:r>
+              <a:rPr lang="en-US" sz="1200" dirty="0">
+                <a:latin typeface="Consolas" panose="020B0609020204030204" pitchFamily="49" charset="0"/>
+              </a:rPr>
+              <a:t>      "</a:t>
+            </a:r>
+            <a:r>
+              <a:rPr lang="en-US" sz="1200" dirty="0" err="1">
+                <a:latin typeface="Consolas" panose="020B0609020204030204" pitchFamily="49" charset="0"/>
+              </a:rPr>
+              <a:t>eventGridKeySettingName</a:t>
+            </a:r>
+            <a:r>
+              <a:rPr lang="en-US" sz="1200" dirty="0">
+                <a:latin typeface="Consolas" panose="020B0609020204030204" pitchFamily="49" charset="0"/>
+              </a:rPr>
+              <a:t>": &lt;string?&gt;,</a:t>
+            </a:r>
+          </a:p>
+          <a:p>
+            <a:r>
+              <a:rPr lang="en-US" sz="1200" dirty="0">
+                <a:latin typeface="Consolas" panose="020B0609020204030204" pitchFamily="49" charset="0"/>
+              </a:rPr>
+              <a:t>      "</a:t>
+            </a:r>
+            <a:r>
+              <a:rPr lang="en-US" sz="1200" dirty="0" err="1">
+                <a:latin typeface="Consolas" panose="020B0609020204030204" pitchFamily="49" charset="0"/>
+              </a:rPr>
+              <a:t>eventGridPublishRetryCount</a:t>
+            </a:r>
+            <a:r>
+              <a:rPr lang="en-US" sz="1200" dirty="0">
+                <a:latin typeface="Consolas" panose="020B0609020204030204" pitchFamily="49" charset="0"/>
+              </a:rPr>
+              <a:t>": &lt;string?&gt;,</a:t>
+            </a:r>
+          </a:p>
+          <a:p>
+            <a:r>
+              <a:rPr lang="en-US" sz="1200" dirty="0">
+                <a:latin typeface="Consolas" panose="020B0609020204030204" pitchFamily="49" charset="0"/>
+              </a:rPr>
+              <a:t>      "</a:t>
+            </a:r>
+            <a:r>
+              <a:rPr lang="en-US" sz="1200" dirty="0" err="1">
+                <a:latin typeface="Consolas" panose="020B0609020204030204" pitchFamily="49" charset="0"/>
+              </a:rPr>
+              <a:t>eventGridPublishRetryInterval</a:t>
+            </a:r>
+            <a:r>
+              <a:rPr lang="en-US" sz="1200" dirty="0">
+                <a:latin typeface="Consolas" panose="020B0609020204030204" pitchFamily="49" charset="0"/>
+              </a:rPr>
+              <a:t>": &lt;</a:t>
+            </a:r>
+            <a:r>
+              <a:rPr lang="en-US" sz="1200" dirty="0" err="1">
+                <a:latin typeface="Consolas" panose="020B0609020204030204" pitchFamily="49" charset="0"/>
+              </a:rPr>
+              <a:t>hh:mm:ss</a:t>
+            </a:r>
+            <a:r>
+              <a:rPr lang="en-US" sz="1200" dirty="0">
+                <a:latin typeface="Consolas" panose="020B0609020204030204" pitchFamily="49" charset="0"/>
+              </a:rPr>
+              <a:t>?&gt;,</a:t>
+            </a:r>
+          </a:p>
+          <a:p>
+            <a:r>
+              <a:rPr lang="en-US" sz="1200" dirty="0">
+                <a:latin typeface="Consolas" panose="020B0609020204030204" pitchFamily="49" charset="0"/>
+              </a:rPr>
+              <a:t>      "</a:t>
+            </a:r>
+            <a:r>
+              <a:rPr lang="en-US" sz="1200" dirty="0" err="1">
+                <a:latin typeface="Consolas" panose="020B0609020204030204" pitchFamily="49" charset="0"/>
+              </a:rPr>
+              <a:t>eventGridPublishRetryHttpStatus</a:t>
+            </a:r>
+            <a:r>
+              <a:rPr lang="en-US" sz="1200" dirty="0">
+                <a:latin typeface="Consolas" panose="020B0609020204030204" pitchFamily="49" charset="0"/>
+              </a:rPr>
+              <a:t>": &lt;int[]?&gt;,</a:t>
+            </a:r>
+          </a:p>
+          <a:p>
+            <a:r>
+              <a:rPr lang="en-US" sz="1200" dirty="0">
+                <a:latin typeface="Consolas" panose="020B0609020204030204" pitchFamily="49" charset="0"/>
+              </a:rPr>
+              <a:t>      "</a:t>
+            </a:r>
+            <a:r>
+              <a:rPr lang="en-US" sz="1200" dirty="0" err="1">
+                <a:latin typeface="Consolas" panose="020B0609020204030204" pitchFamily="49" charset="0"/>
+              </a:rPr>
+              <a:t>eventgridPublishEventTypes</a:t>
+            </a:r>
+            <a:r>
+              <a:rPr lang="en-US" sz="1200" dirty="0">
+                <a:latin typeface="Consolas" panose="020B0609020204030204" pitchFamily="49" charset="0"/>
+              </a:rPr>
+              <a:t>": &lt;string[]?&gt;,</a:t>
+            </a:r>
+          </a:p>
+          <a:p>
+            <a:r>
+              <a:rPr lang="en-US" sz="1200" dirty="0">
+                <a:latin typeface="Consolas" panose="020B0609020204030204" pitchFamily="49" charset="0"/>
+              </a:rPr>
+              <a:t>      "</a:t>
+            </a:r>
+            <a:r>
+              <a:rPr lang="en-US" sz="1200" dirty="0" err="1">
+                <a:latin typeface="Consolas" panose="020B0609020204030204" pitchFamily="49" charset="0"/>
+              </a:rPr>
+              <a:t>customLifeCycleNotificationHelperType</a:t>
+            </a:r>
+            <a:r>
+              <a:rPr lang="en-US" sz="1200" dirty="0">
+                <a:latin typeface="Consolas" panose="020B0609020204030204" pitchFamily="49" charset="0"/>
+              </a:rPr>
+              <a:t>"</a:t>
+            </a:r>
+          </a:p>
+          <a:p>
+            <a:r>
+              <a:rPr lang="en-US" sz="1200" dirty="0">
+                <a:latin typeface="Consolas" panose="020B0609020204030204" pitchFamily="49" charset="0"/>
+              </a:rPr>
+              <a:t>      "</a:t>
+            </a:r>
+            <a:r>
+              <a:rPr lang="en-US" sz="1200" dirty="0" err="1">
+                <a:latin typeface="Consolas" panose="020B0609020204030204" pitchFamily="49" charset="0"/>
+              </a:rPr>
+              <a:t>extendedSessionsEnabled</a:t>
+            </a:r>
+            <a:r>
+              <a:rPr lang="en-US" sz="1200" dirty="0">
+                <a:latin typeface="Consolas" panose="020B0609020204030204" pitchFamily="49" charset="0"/>
+              </a:rPr>
+              <a:t>": &lt;bool?&gt;,</a:t>
+            </a:r>
+          </a:p>
+          <a:p>
+            <a:r>
+              <a:rPr lang="en-US" sz="1200" dirty="0">
+                <a:latin typeface="Consolas" panose="020B0609020204030204" pitchFamily="49" charset="0"/>
+              </a:rPr>
+              <a:t>      "</a:t>
+            </a:r>
+            <a:r>
+              <a:rPr lang="en-US" sz="1200" dirty="0" err="1">
+                <a:latin typeface="Consolas" panose="020B0609020204030204" pitchFamily="49" charset="0"/>
+              </a:rPr>
+              <a:t>extendedSessionIdleTimeoutInSeconds</a:t>
+            </a:r>
+            <a:r>
+              <a:rPr lang="en-US" sz="1200" dirty="0">
+                <a:latin typeface="Consolas" panose="020B0609020204030204" pitchFamily="49" charset="0"/>
+              </a:rPr>
+              <a:t>": &lt;int?&gt;,</a:t>
+            </a:r>
+          </a:p>
+          <a:p>
+            <a:r>
+              <a:rPr lang="en-US" sz="1200" dirty="0">
+                <a:latin typeface="Consolas" panose="020B0609020204030204" pitchFamily="49" charset="0"/>
+              </a:rPr>
+              <a:t>      "</a:t>
+            </a:r>
+            <a:r>
+              <a:rPr lang="en-US" sz="1200" dirty="0" err="1">
+                <a:latin typeface="Consolas" panose="020B0609020204030204" pitchFamily="49" charset="0"/>
+              </a:rPr>
+              <a:t>logReplayEvents</a:t>
+            </a:r>
+            <a:r>
+              <a:rPr lang="en-US" sz="1200" dirty="0">
+                <a:latin typeface="Consolas" panose="020B0609020204030204" pitchFamily="49" charset="0"/>
+              </a:rPr>
+              <a:t>": &lt;bool?&gt;</a:t>
+            </a:r>
+          </a:p>
+          <a:p>
+            <a:r>
+              <a:rPr lang="en-US" sz="1200" dirty="0">
+                <a:latin typeface="Consolas" panose="020B0609020204030204" pitchFamily="49" charset="0"/>
+              </a:rPr>
+              <a:t>  }</a:t>
+            </a:r>
+          </a:p>
+          <a:p>
+            <a:r>
+              <a:rPr lang="en-US" sz="1200" dirty="0">
+                <a:latin typeface="Consolas" panose="020B0609020204030204" pitchFamily="49" charset="0"/>
+              </a:rPr>
+              <a:t>}</a:t>
+            </a:r>
+          </a:p>
+        </p:txBody>
+      </p:sp>
+      <p:sp>
+        <p:nvSpPr>
+          <p:cNvPr id="4" name="TextBox 3">
+            <a:extLst>
+              <a:ext uri="{FF2B5EF4-FFF2-40B4-BE49-F238E27FC236}">
+                <a16:creationId xmlns:a16="http://schemas.microsoft.com/office/drawing/2014/main" id="{85D5DCB8-8302-44F8-BB01-4956A1C150FB}"/>
+              </a:ext>
+            </a:extLst>
+          </p:cNvPr>
+          <p:cNvSpPr txBox="1"/>
+          <p:nvPr/>
+        </p:nvSpPr>
+        <p:spPr>
+          <a:xfrm>
+            <a:off x="0" y="6510487"/>
+            <a:ext cx="7223759" cy="215444"/>
+          </a:xfrm>
+          <a:prstGeom prst="rect">
+            <a:avLst/>
+          </a:prstGeom>
+        </p:spPr>
+        <p:txBody>
+          <a:bodyPr wrap="square" lIns="0" tIns="0" rIns="0" bIns="0" rtlCol="0" anchor="t" anchorCtr="0">
+            <a:spAutoFit/>
+          </a:bodyPr>
+          <a:lstStyle/>
+          <a:p>
+            <a:r>
+              <a:rPr lang="en-US" sz="1400" dirty="0">
+                <a:hlinkClick r:id="rId3"/>
+              </a:rPr>
+              <a:t>https://docs.microsoft.com/en-us/azure/azure-functions/durable/durable-functions-preview</a:t>
+            </a:r>
+            <a:endParaRPr lang="en-US" sz="1400" dirty="0"/>
           </a:p>
         </p:txBody>
       </p:sp>
@@ -42355,13 +43406,13 @@
   <p:clrMapOvr>
     <a:masterClrMapping/>
   </p:clrMapOvr>
-  <mc:AlternateContent xmlns:mc="http://schemas.openxmlformats.org/markup-compatibility/2006">
-    <mc:Choice xmlns:p14="http://schemas.microsoft.com/office/powerpoint/2010/main" Requires="p14">
+  <mc:AlternateContent xmlns:mc="http://schemas.openxmlformats.org/markup-compatibility/2006" xmlns:p14="http://schemas.microsoft.com/office/powerpoint/2010/main">
+    <mc:Choice Requires="p14">
       <p:transition spd="med" p14:dur="700">
         <p:fade/>
       </p:transition>
     </mc:Choice>
-    <mc:Fallback>
+    <mc:Fallback xmlns="">
       <p:transition spd="med">
         <p:fade/>
       </p:transition>
@@ -42389,10 +43440,10 @@
       </p:grpSpPr>
       <p:sp>
         <p:nvSpPr>
-          <p:cNvPr id="2" name="Title 1">
+          <p:cNvPr id="7" name="Text Placeholder 6">
             <a:extLst>
               <a:ext uri="{FF2B5EF4-FFF2-40B4-BE49-F238E27FC236}">
-                <a16:creationId xmlns:a16="http://schemas.microsoft.com/office/drawing/2014/main" id="{C4AC9D29-BCC5-496D-9503-FE625B83BF1B}"/>
+                <a16:creationId xmlns:a16="http://schemas.microsoft.com/office/drawing/2014/main" id="{1C5120F6-273B-4FD6-8713-39893AB40FB3}"/>
               </a:ext>
             </a:extLst>
           </p:cNvPr>
@@ -42400,6 +43451,792 @@
             <a:spLocks noGrp="1"/>
           </p:cNvSpPr>
           <p:nvPr>
+            <p:ph type="body" sz="quarter" idx="29"/>
+          </p:nvPr>
+        </p:nvSpPr>
+        <p:spPr>
+          <a:xfrm>
+            <a:off x="457200" y="1181100"/>
+            <a:ext cx="11277599" cy="5676900"/>
+          </a:xfrm>
+        </p:spPr>
+        <p:txBody>
+          <a:bodyPr/>
+          <a:lstStyle/>
+          <a:p>
+            <a:pPr>
+              <a:spcAft>
+                <a:spcPts val="0"/>
+              </a:spcAft>
+            </a:pPr>
+            <a:r>
+              <a:rPr lang="en-US" sz="1000" dirty="0"/>
+              <a:t>[</a:t>
+            </a:r>
+            <a:r>
+              <a:rPr lang="en-US" sz="1000" dirty="0" err="1">
+                <a:solidFill>
+                  <a:srgbClr val="008080"/>
+                </a:solidFill>
+              </a:rPr>
+              <a:t>FunctionName</a:t>
+            </a:r>
+            <a:r>
+              <a:rPr lang="en-US" sz="1000" dirty="0"/>
+              <a:t>(</a:t>
+            </a:r>
+            <a:r>
+              <a:rPr lang="en-US" sz="1000" dirty="0">
+                <a:solidFill>
+                  <a:srgbClr val="C00000"/>
+                </a:solidFill>
+              </a:rPr>
+              <a:t>"Counter"</a:t>
+            </a:r>
+            <a:r>
+              <a:rPr lang="en-US" sz="1000" dirty="0"/>
+              <a:t>)]</a:t>
+            </a:r>
+          </a:p>
+          <a:p>
+            <a:pPr>
+              <a:spcAft>
+                <a:spcPts val="0"/>
+              </a:spcAft>
+            </a:pPr>
+            <a:r>
+              <a:rPr lang="en-US" sz="1000" dirty="0">
+                <a:solidFill>
+                  <a:schemeClr val="accent2"/>
+                </a:solidFill>
+              </a:rPr>
+              <a:t>public static async</a:t>
+            </a:r>
+            <a:r>
+              <a:rPr lang="en-US" sz="1000" dirty="0"/>
+              <a:t> Task </a:t>
+            </a:r>
+            <a:r>
+              <a:rPr lang="en-US" sz="1000" dirty="0">
+                <a:solidFill>
+                  <a:srgbClr val="008080"/>
+                </a:solidFill>
+              </a:rPr>
+              <a:t>Counter</a:t>
+            </a:r>
+            <a:r>
+              <a:rPr lang="en-US" sz="1000" dirty="0"/>
+              <a:t>(</a:t>
+            </a:r>
+          </a:p>
+          <a:p>
+            <a:pPr>
+              <a:spcAft>
+                <a:spcPts val="0"/>
+              </a:spcAft>
+            </a:pPr>
+            <a:r>
+              <a:rPr lang="en-US" sz="1000" dirty="0"/>
+              <a:t>    [</a:t>
+            </a:r>
+            <a:r>
+              <a:rPr lang="en-US" sz="1000" dirty="0" err="1"/>
+              <a:t>EntityTrigger</a:t>
+            </a:r>
+            <a:r>
+              <a:rPr lang="en-US" sz="1000" dirty="0"/>
+              <a:t>] </a:t>
+            </a:r>
+            <a:r>
+              <a:rPr lang="en-US" sz="1000" dirty="0" err="1"/>
+              <a:t>IDurableEntityContext</a:t>
+            </a:r>
+            <a:r>
+              <a:rPr lang="en-US" sz="1000" dirty="0"/>
+              <a:t> </a:t>
+            </a:r>
+            <a:r>
+              <a:rPr lang="en-US" sz="1000" dirty="0" err="1"/>
+              <a:t>ctx</a:t>
+            </a:r>
+            <a:r>
+              <a:rPr lang="en-US" sz="1000" dirty="0"/>
+              <a:t>)</a:t>
+            </a:r>
+          </a:p>
+          <a:p>
+            <a:pPr>
+              <a:spcAft>
+                <a:spcPts val="0"/>
+              </a:spcAft>
+            </a:pPr>
+            <a:r>
+              <a:rPr lang="en-US" sz="1000" dirty="0"/>
+              <a:t>{</a:t>
+            </a:r>
+          </a:p>
+          <a:p>
+            <a:pPr>
+              <a:spcAft>
+                <a:spcPts val="0"/>
+              </a:spcAft>
+            </a:pPr>
+            <a:r>
+              <a:rPr lang="en-US" sz="1000" dirty="0"/>
+              <a:t>    </a:t>
+            </a:r>
+            <a:r>
+              <a:rPr lang="en-US" sz="1000" dirty="0">
+                <a:solidFill>
+                  <a:schemeClr val="accent2"/>
+                </a:solidFill>
+              </a:rPr>
+              <a:t>int</a:t>
+            </a:r>
+            <a:r>
+              <a:rPr lang="en-US" sz="1000" dirty="0"/>
+              <a:t> </a:t>
+            </a:r>
+            <a:r>
+              <a:rPr lang="en-US" sz="1000" dirty="0" err="1"/>
+              <a:t>currentValue</a:t>
+            </a:r>
+            <a:r>
+              <a:rPr lang="en-US" sz="1000" dirty="0"/>
+              <a:t> = </a:t>
+            </a:r>
+            <a:r>
+              <a:rPr lang="en-US" sz="1000" dirty="0" err="1"/>
+              <a:t>ctx.GetState</a:t>
+            </a:r>
+            <a:r>
+              <a:rPr lang="en-US" sz="1000" dirty="0"/>
+              <a:t>&lt;</a:t>
+            </a:r>
+            <a:r>
+              <a:rPr lang="en-US" sz="1000" dirty="0">
+                <a:solidFill>
+                  <a:schemeClr val="accent2"/>
+                </a:solidFill>
+              </a:rPr>
+              <a:t>int</a:t>
+            </a:r>
+            <a:r>
+              <a:rPr lang="en-US" sz="1000" dirty="0"/>
+              <a:t>&gt;();</a:t>
+            </a:r>
+          </a:p>
+          <a:p>
+            <a:pPr>
+              <a:spcAft>
+                <a:spcPts val="0"/>
+              </a:spcAft>
+            </a:pPr>
+            <a:r>
+              <a:rPr lang="en-US" sz="1000" dirty="0"/>
+              <a:t>    </a:t>
+            </a:r>
+            <a:r>
+              <a:rPr lang="en-US" sz="1000" dirty="0">
+                <a:solidFill>
+                  <a:schemeClr val="accent2"/>
+                </a:solidFill>
+              </a:rPr>
+              <a:t>int</a:t>
+            </a:r>
+            <a:r>
+              <a:rPr lang="en-US" sz="1000" dirty="0"/>
+              <a:t> operand = </a:t>
+            </a:r>
+            <a:r>
+              <a:rPr lang="en-US" sz="1000" dirty="0" err="1"/>
+              <a:t>ctx.GetInput</a:t>
+            </a:r>
+            <a:r>
+              <a:rPr lang="en-US" sz="1000" dirty="0"/>
+              <a:t>&lt;</a:t>
+            </a:r>
+            <a:r>
+              <a:rPr lang="en-US" sz="1000" dirty="0">
+                <a:solidFill>
+                  <a:schemeClr val="accent2"/>
+                </a:solidFill>
+              </a:rPr>
+              <a:t>int</a:t>
+            </a:r>
+            <a:r>
+              <a:rPr lang="en-US" sz="1000" dirty="0"/>
+              <a:t>&gt;();</a:t>
+            </a:r>
+          </a:p>
+          <a:p>
+            <a:pPr>
+              <a:spcAft>
+                <a:spcPts val="0"/>
+              </a:spcAft>
+            </a:pPr>
+            <a:endParaRPr lang="en-US" sz="1000" dirty="0"/>
+          </a:p>
+          <a:p>
+            <a:pPr>
+              <a:spcAft>
+                <a:spcPts val="0"/>
+              </a:spcAft>
+            </a:pPr>
+            <a:r>
+              <a:rPr lang="en-US" sz="1000" dirty="0"/>
+              <a:t>    </a:t>
+            </a:r>
+            <a:r>
+              <a:rPr lang="en-US" sz="1000" dirty="0">
+                <a:solidFill>
+                  <a:schemeClr val="accent2"/>
+                </a:solidFill>
+              </a:rPr>
+              <a:t>switch</a:t>
+            </a:r>
+            <a:r>
+              <a:rPr lang="en-US" sz="1000" dirty="0"/>
+              <a:t> (</a:t>
+            </a:r>
+            <a:r>
+              <a:rPr lang="en-US" sz="1000" dirty="0" err="1"/>
+              <a:t>ctx.OperationName</a:t>
+            </a:r>
+            <a:r>
+              <a:rPr lang="en-US" sz="1000" dirty="0"/>
+              <a:t>)</a:t>
+            </a:r>
+          </a:p>
+          <a:p>
+            <a:pPr>
+              <a:spcAft>
+                <a:spcPts val="0"/>
+              </a:spcAft>
+            </a:pPr>
+            <a:r>
+              <a:rPr lang="en-US" sz="1000" dirty="0"/>
+              <a:t>    {</a:t>
+            </a:r>
+          </a:p>
+          <a:p>
+            <a:pPr>
+              <a:spcAft>
+                <a:spcPts val="0"/>
+              </a:spcAft>
+            </a:pPr>
+            <a:r>
+              <a:rPr lang="en-US" sz="1000" dirty="0"/>
+              <a:t>        </a:t>
+            </a:r>
+            <a:r>
+              <a:rPr lang="en-US" sz="1000" dirty="0">
+                <a:solidFill>
+                  <a:schemeClr val="accent2"/>
+                </a:solidFill>
+              </a:rPr>
+              <a:t>case</a:t>
+            </a:r>
+            <a:r>
+              <a:rPr lang="en-US" sz="1000" dirty="0"/>
+              <a:t> </a:t>
+            </a:r>
+            <a:r>
+              <a:rPr lang="en-US" sz="1000" dirty="0">
+                <a:solidFill>
+                  <a:srgbClr val="C00000"/>
+                </a:solidFill>
+              </a:rPr>
+              <a:t>"add"</a:t>
+            </a:r>
+            <a:r>
+              <a:rPr lang="en-US" sz="1000" dirty="0"/>
+              <a:t>:</a:t>
+            </a:r>
+          </a:p>
+          <a:p>
+            <a:pPr>
+              <a:spcAft>
+                <a:spcPts val="0"/>
+              </a:spcAft>
+            </a:pPr>
+            <a:r>
+              <a:rPr lang="en-US" sz="1000" dirty="0"/>
+              <a:t>            </a:t>
+            </a:r>
+            <a:r>
+              <a:rPr lang="en-US" sz="1000" dirty="0" err="1"/>
+              <a:t>currentValue</a:t>
+            </a:r>
+            <a:r>
+              <a:rPr lang="en-US" sz="1000" dirty="0"/>
+              <a:t> += operand;</a:t>
+            </a:r>
+          </a:p>
+          <a:p>
+            <a:pPr>
+              <a:spcAft>
+                <a:spcPts val="0"/>
+              </a:spcAft>
+            </a:pPr>
+            <a:r>
+              <a:rPr lang="en-US" sz="1000" dirty="0"/>
+              <a:t>            </a:t>
+            </a:r>
+            <a:r>
+              <a:rPr lang="en-US" sz="1000" dirty="0">
+                <a:solidFill>
+                  <a:schemeClr val="accent2"/>
+                </a:solidFill>
+              </a:rPr>
+              <a:t>break</a:t>
+            </a:r>
+            <a:r>
+              <a:rPr lang="en-US" sz="1000" dirty="0"/>
+              <a:t>;</a:t>
+            </a:r>
+          </a:p>
+          <a:p>
+            <a:pPr>
+              <a:spcAft>
+                <a:spcPts val="0"/>
+              </a:spcAft>
+            </a:pPr>
+            <a:r>
+              <a:rPr lang="en-US" sz="1000" dirty="0"/>
+              <a:t>        </a:t>
+            </a:r>
+            <a:r>
+              <a:rPr lang="en-US" sz="1000" dirty="0">
+                <a:solidFill>
+                  <a:schemeClr val="accent2"/>
+                </a:solidFill>
+              </a:rPr>
+              <a:t>case</a:t>
+            </a:r>
+            <a:r>
+              <a:rPr lang="en-US" sz="1000" dirty="0"/>
+              <a:t> </a:t>
+            </a:r>
+            <a:r>
+              <a:rPr lang="en-US" sz="1000" dirty="0">
+                <a:solidFill>
+                  <a:srgbClr val="C00000"/>
+                </a:solidFill>
+              </a:rPr>
+              <a:t>"subtract"</a:t>
+            </a:r>
+            <a:r>
+              <a:rPr lang="en-US" sz="1000" dirty="0"/>
+              <a:t>:</a:t>
+            </a:r>
+          </a:p>
+          <a:p>
+            <a:pPr>
+              <a:spcAft>
+                <a:spcPts val="0"/>
+              </a:spcAft>
+            </a:pPr>
+            <a:r>
+              <a:rPr lang="en-US" sz="1000" dirty="0"/>
+              <a:t>            </a:t>
+            </a:r>
+            <a:r>
+              <a:rPr lang="en-US" sz="1000" dirty="0" err="1"/>
+              <a:t>currentValue</a:t>
+            </a:r>
+            <a:r>
+              <a:rPr lang="en-US" sz="1000" dirty="0"/>
+              <a:t> -= operand;</a:t>
+            </a:r>
+          </a:p>
+          <a:p>
+            <a:pPr>
+              <a:spcAft>
+                <a:spcPts val="0"/>
+              </a:spcAft>
+            </a:pPr>
+            <a:r>
+              <a:rPr lang="en-US" sz="1000" dirty="0"/>
+              <a:t>            </a:t>
+            </a:r>
+            <a:r>
+              <a:rPr lang="en-US" sz="1000" dirty="0">
+                <a:solidFill>
+                  <a:schemeClr val="accent2"/>
+                </a:solidFill>
+              </a:rPr>
+              <a:t>break</a:t>
+            </a:r>
+            <a:r>
+              <a:rPr lang="en-US" sz="1000" dirty="0"/>
+              <a:t>;</a:t>
+            </a:r>
+          </a:p>
+          <a:p>
+            <a:pPr>
+              <a:spcAft>
+                <a:spcPts val="0"/>
+              </a:spcAft>
+            </a:pPr>
+            <a:r>
+              <a:rPr lang="en-US" sz="1000" dirty="0"/>
+              <a:t>        </a:t>
+            </a:r>
+            <a:r>
+              <a:rPr lang="en-US" sz="1000" dirty="0">
+                <a:solidFill>
+                  <a:schemeClr val="accent2"/>
+                </a:solidFill>
+              </a:rPr>
+              <a:t>case</a:t>
+            </a:r>
+            <a:r>
+              <a:rPr lang="en-US" sz="1000" dirty="0"/>
+              <a:t> </a:t>
+            </a:r>
+            <a:r>
+              <a:rPr lang="en-US" sz="1000" dirty="0">
+                <a:solidFill>
+                  <a:srgbClr val="C00000"/>
+                </a:solidFill>
+              </a:rPr>
+              <a:t>"reset"</a:t>
+            </a:r>
+            <a:r>
+              <a:rPr lang="en-US" sz="1000" dirty="0"/>
+              <a:t>:</a:t>
+            </a:r>
+          </a:p>
+          <a:p>
+            <a:pPr>
+              <a:spcAft>
+                <a:spcPts val="0"/>
+              </a:spcAft>
+            </a:pPr>
+            <a:r>
+              <a:rPr lang="en-US" sz="1000" dirty="0"/>
+              <a:t>            </a:t>
+            </a:r>
+            <a:r>
+              <a:rPr lang="en-US" sz="1000" dirty="0">
+                <a:solidFill>
+                  <a:schemeClr val="accent2"/>
+                </a:solidFill>
+              </a:rPr>
+              <a:t>await</a:t>
+            </a:r>
+            <a:r>
+              <a:rPr lang="en-US" sz="1000" dirty="0"/>
+              <a:t> </a:t>
+            </a:r>
+            <a:r>
+              <a:rPr lang="en-US" sz="1000" dirty="0" err="1"/>
+              <a:t>SendResetNotificationAsync</a:t>
+            </a:r>
+            <a:r>
+              <a:rPr lang="en-US" sz="1000" dirty="0"/>
+              <a:t>();</a:t>
+            </a:r>
+          </a:p>
+          <a:p>
+            <a:pPr>
+              <a:spcAft>
+                <a:spcPts val="0"/>
+              </a:spcAft>
+            </a:pPr>
+            <a:r>
+              <a:rPr lang="en-US" sz="1000" dirty="0"/>
+              <a:t>            </a:t>
+            </a:r>
+            <a:r>
+              <a:rPr lang="en-US" sz="1000" dirty="0" err="1"/>
+              <a:t>currentValue</a:t>
+            </a:r>
+            <a:r>
+              <a:rPr lang="en-US" sz="1000" dirty="0"/>
+              <a:t> = 0;</a:t>
+            </a:r>
+          </a:p>
+          <a:p>
+            <a:pPr>
+              <a:spcAft>
+                <a:spcPts val="0"/>
+              </a:spcAft>
+            </a:pPr>
+            <a:r>
+              <a:rPr lang="en-US" sz="1000" dirty="0"/>
+              <a:t>            </a:t>
+            </a:r>
+            <a:r>
+              <a:rPr lang="en-US" sz="1000" dirty="0">
+                <a:solidFill>
+                  <a:schemeClr val="accent2"/>
+                </a:solidFill>
+              </a:rPr>
+              <a:t>break</a:t>
+            </a:r>
+            <a:r>
+              <a:rPr lang="en-US" sz="1000" dirty="0"/>
+              <a:t>;</a:t>
+            </a:r>
+          </a:p>
+          <a:p>
+            <a:pPr>
+              <a:spcAft>
+                <a:spcPts val="0"/>
+              </a:spcAft>
+            </a:pPr>
+            <a:r>
+              <a:rPr lang="en-US" sz="1000" dirty="0"/>
+              <a:t>    }</a:t>
+            </a:r>
+          </a:p>
+          <a:p>
+            <a:pPr>
+              <a:spcAft>
+                <a:spcPts val="0"/>
+              </a:spcAft>
+            </a:pPr>
+            <a:endParaRPr lang="en-US" sz="1000" dirty="0"/>
+          </a:p>
+          <a:p>
+            <a:pPr>
+              <a:spcAft>
+                <a:spcPts val="0"/>
+              </a:spcAft>
+            </a:pPr>
+            <a:r>
+              <a:rPr lang="en-US" sz="1000" dirty="0"/>
+              <a:t>    </a:t>
+            </a:r>
+            <a:r>
+              <a:rPr lang="en-US" sz="1000" dirty="0" err="1"/>
+              <a:t>ctx.SetState</a:t>
+            </a:r>
+            <a:r>
+              <a:rPr lang="en-US" sz="1000" dirty="0"/>
+              <a:t>(</a:t>
+            </a:r>
+            <a:r>
+              <a:rPr lang="en-US" sz="1000" dirty="0" err="1"/>
+              <a:t>currentValue</a:t>
+            </a:r>
+            <a:r>
+              <a:rPr lang="en-US" sz="1000" dirty="0"/>
+              <a:t>);</a:t>
+            </a:r>
+          </a:p>
+          <a:p>
+            <a:pPr>
+              <a:spcAft>
+                <a:spcPts val="0"/>
+              </a:spcAft>
+            </a:pPr>
+            <a:r>
+              <a:rPr lang="en-US" sz="1000" dirty="0"/>
+              <a:t>}</a:t>
+            </a:r>
+          </a:p>
+        </p:txBody>
+      </p:sp>
+      <p:sp>
+        <p:nvSpPr>
+          <p:cNvPr id="6" name="Title 5">
+            <a:extLst>
+              <a:ext uri="{FF2B5EF4-FFF2-40B4-BE49-F238E27FC236}">
+                <a16:creationId xmlns:a16="http://schemas.microsoft.com/office/drawing/2014/main" id="{D92FD9B0-63B7-4AA9-9D67-725CF14CDE2F}"/>
+              </a:ext>
+            </a:extLst>
+          </p:cNvPr>
+          <p:cNvSpPr>
+            <a:spLocks noGrp="1"/>
+          </p:cNvSpPr>
+          <p:nvPr>
+            <p:ph type="title"/>
+          </p:nvPr>
+        </p:nvSpPr>
+        <p:spPr/>
+        <p:txBody>
+          <a:bodyPr/>
+          <a:lstStyle/>
+          <a:p>
+            <a:r>
+              <a:rPr lang="en-US" dirty="0"/>
+              <a:t>Durable Functions – Entity Functions</a:t>
+            </a:r>
+          </a:p>
+        </p:txBody>
+      </p:sp>
+      <p:sp>
+        <p:nvSpPr>
+          <p:cNvPr id="9" name="Speech Bubble: Rectangle with Corners Rounded 8">
+            <a:extLst>
+              <a:ext uri="{FF2B5EF4-FFF2-40B4-BE49-F238E27FC236}">
+                <a16:creationId xmlns:a16="http://schemas.microsoft.com/office/drawing/2014/main" id="{92F0F37A-05CC-4131-BF5D-799B72027F9D}"/>
+              </a:ext>
+            </a:extLst>
+          </p:cNvPr>
+          <p:cNvSpPr/>
+          <p:nvPr/>
+        </p:nvSpPr>
+        <p:spPr>
+          <a:xfrm>
+            <a:off x="3972107" y="2283088"/>
+            <a:ext cx="1421106" cy="401870"/>
+          </a:xfrm>
+          <a:prstGeom prst="wedgeRoundRectCallout">
+            <a:avLst>
+              <a:gd name="adj1" fmla="val -65915"/>
+              <a:gd name="adj2" fmla="val -21558"/>
+              <a:gd name="adj3" fmla="val 16667"/>
+            </a:avLst>
+          </a:prstGeom>
+          <a:solidFill>
+            <a:schemeClr val="accent2"/>
+          </a:solidFill>
+          <a:ln>
+            <a:noFill/>
+          </a:ln>
+        </p:spPr>
+        <p:style>
+          <a:lnRef idx="0">
+            <a:scrgbClr r="0" g="0" b="0"/>
+          </a:lnRef>
+          <a:fillRef idx="0">
+            <a:scrgbClr r="0" g="0" b="0"/>
+          </a:fillRef>
+          <a:effectRef idx="0">
+            <a:scrgbClr r="0" g="0" b="0"/>
+          </a:effectRef>
+          <a:fontRef idx="minor">
+            <a:schemeClr val="lt1"/>
+          </a:fontRef>
+        </p:style>
+        <p:txBody>
+          <a:bodyPr rtlCol="0" anchor="ctr"/>
+          <a:lstStyle/>
+          <a:p>
+            <a:pPr algn="ctr"/>
+            <a:r>
+              <a:rPr lang="en-US" dirty="0"/>
+              <a:t>Get State</a:t>
+            </a:r>
+          </a:p>
+        </p:txBody>
+      </p:sp>
+      <p:sp>
+        <p:nvSpPr>
+          <p:cNvPr id="10" name="Speech Bubble: Rectangle with Corners Rounded 9">
+            <a:extLst>
+              <a:ext uri="{FF2B5EF4-FFF2-40B4-BE49-F238E27FC236}">
+                <a16:creationId xmlns:a16="http://schemas.microsoft.com/office/drawing/2014/main" id="{85CCE910-8AAE-4FC0-8771-96B393320228}"/>
+              </a:ext>
+            </a:extLst>
+          </p:cNvPr>
+          <p:cNvSpPr/>
+          <p:nvPr/>
+        </p:nvSpPr>
+        <p:spPr>
+          <a:xfrm>
+            <a:off x="3344063" y="6157154"/>
+            <a:ext cx="1775411" cy="401870"/>
+          </a:xfrm>
+          <a:prstGeom prst="wedgeRoundRectCallout">
+            <a:avLst>
+              <a:gd name="adj1" fmla="val -83128"/>
+              <a:gd name="adj2" fmla="val -18659"/>
+              <a:gd name="adj3" fmla="val 16667"/>
+            </a:avLst>
+          </a:prstGeom>
+          <a:solidFill>
+            <a:schemeClr val="accent2"/>
+          </a:solidFill>
+          <a:ln>
+            <a:noFill/>
+          </a:ln>
+        </p:spPr>
+        <p:style>
+          <a:lnRef idx="0">
+            <a:scrgbClr r="0" g="0" b="0"/>
+          </a:lnRef>
+          <a:fillRef idx="0">
+            <a:scrgbClr r="0" g="0" b="0"/>
+          </a:fillRef>
+          <a:effectRef idx="0">
+            <a:scrgbClr r="0" g="0" b="0"/>
+          </a:effectRef>
+          <a:fontRef idx="minor">
+            <a:schemeClr val="lt1"/>
+          </a:fontRef>
+        </p:style>
+        <p:txBody>
+          <a:bodyPr rtlCol="0" anchor="ctr"/>
+          <a:lstStyle/>
+          <a:p>
+            <a:pPr algn="ctr"/>
+            <a:r>
+              <a:rPr lang="en-US" dirty="0"/>
+              <a:t>Mutate State</a:t>
+            </a:r>
+          </a:p>
+        </p:txBody>
+      </p:sp>
+    </p:spTree>
+    <p:extLst>
+      <p:ext uri="{BB962C8B-B14F-4D97-AF65-F5344CB8AC3E}">
+        <p14:creationId xmlns:p14="http://schemas.microsoft.com/office/powerpoint/2010/main" val="1917434832"/>
+      </p:ext>
+    </p:extLst>
+  </p:cSld>
+  <p:clrMapOvr>
+    <a:masterClrMapping/>
+  </p:clrMapOvr>
+  <mc:AlternateContent xmlns:mc="http://schemas.openxmlformats.org/markup-compatibility/2006" xmlns:p14="http://schemas.microsoft.com/office/powerpoint/2010/main">
+    <mc:Choice Requires="p14">
+      <p:transition spd="med" p14:dur="700">
+        <p:fade/>
+      </p:transition>
+    </mc:Choice>
+    <mc:Fallback xmlns="">
+      <p:transition spd="med">
+        <p:fade/>
+      </p:transition>
+    </mc:Fallback>
+  </mc:AlternateContent>
+</p:sld>
+</file>
+
+<file path=ppt/slides/slide12.xml><?xml version="1.0" encoding="utf-8"?>
+<p:sld xmlns:a="http://schemas.openxmlformats.org/drawingml/2006/main" xmlns:r="http://schemas.openxmlformats.org/officeDocument/2006/relationships" xmlns:p="http://schemas.openxmlformats.org/presentationml/2006/main">
+  <p:cSld>
+    <p:spTree>
+      <p:nvGrpSpPr>
+        <p:cNvPr id="1" name=""/>
+        <p:cNvGrpSpPr/>
+        <p:nvPr/>
+      </p:nvGrpSpPr>
+      <p:grpSpPr>
+        <a:xfrm>
+          <a:off x="0" y="0"/>
+          <a:ext cx="0" cy="0"/>
+          <a:chOff x="0" y="0"/>
+          <a:chExt cx="0" cy="0"/>
+        </a:xfrm>
+      </p:grpSpPr>
+      <p:sp>
+        <p:nvSpPr>
+          <p:cNvPr id="2" name="Title 1">
+            <a:extLst>
+              <a:ext uri="{FF2B5EF4-FFF2-40B4-BE49-F238E27FC236}">
+                <a16:creationId xmlns:a16="http://schemas.microsoft.com/office/drawing/2014/main" id="{AA35F23A-5467-4467-8CFD-7857230458FE}"/>
+              </a:ext>
+            </a:extLst>
+          </p:cNvPr>
+          <p:cNvSpPr>
+            <a:spLocks noGrp="1"/>
+          </p:cNvSpPr>
+          <p:nvPr>
             <p:ph type="title"/>
           </p:nvPr>
         </p:nvSpPr>
@@ -42412,7 +44249,7 @@
           <a:p>
             <a:r>
               <a:rPr lang="en-US" dirty="0"/>
-              <a:t>KEDA</a:t>
+              <a:t>Durable Functions – Entity Functions</a:t>
             </a:r>
           </a:p>
         </p:txBody>
@@ -42422,7 +44259,7 @@
           <p:cNvPr id="6" name="Subtitle 5">
             <a:extLst>
               <a:ext uri="{FF2B5EF4-FFF2-40B4-BE49-F238E27FC236}">
-                <a16:creationId xmlns:a16="http://schemas.microsoft.com/office/drawing/2014/main" id="{B482FF06-0554-49FE-A836-BB0ABF43210F}"/>
+                <a16:creationId xmlns:a16="http://schemas.microsoft.com/office/drawing/2014/main" id="{AADAB951-8CB6-4E9B-87DB-EEC1B0DE2228}"/>
               </a:ext>
             </a:extLst>
           </p:cNvPr>
@@ -42438,7 +44275,10 @@
           <a:bodyPr/>
           <a:lstStyle/>
           <a:p>
-            <a:endParaRPr lang="en-US"/>
+            <a:r>
+              <a:rPr lang="en-US" dirty="0"/>
+              <a:t>Developing Entity Functions</a:t>
+            </a:r>
           </a:p>
         </p:txBody>
       </p:sp>
@@ -42447,7 +44287,7 @@
           <p:cNvPr id="7" name="Content Placeholder 6">
             <a:extLst>
               <a:ext uri="{FF2B5EF4-FFF2-40B4-BE49-F238E27FC236}">
-                <a16:creationId xmlns:a16="http://schemas.microsoft.com/office/drawing/2014/main" id="{915FFBB1-5C66-4F42-8153-DCE75B83CD3D}"/>
+                <a16:creationId xmlns:a16="http://schemas.microsoft.com/office/drawing/2014/main" id="{144E9E35-6D77-45E9-A42B-10FED1A42B4B}"/>
               </a:ext>
             </a:extLst>
           </p:cNvPr>
@@ -42463,14 +44303,211 @@
           <a:bodyPr/>
           <a:lstStyle/>
           <a:p>
-            <a:endParaRPr lang="en-US"/>
+            <a:r>
+              <a:rPr lang="en-US" dirty="0"/>
+              <a:t>Entities process one operation at a time.</a:t>
+            </a:r>
+          </a:p>
+          <a:p>
+            <a:r>
+              <a:rPr lang="en-US" dirty="0"/>
+              <a:t>An entity will be automatically created if it does not yet exist.</a:t>
+            </a:r>
+          </a:p>
+          <a:p>
+            <a:r>
+              <a:rPr lang="en-US" dirty="0"/>
+              <a:t>Operations can be non-deterministic.</a:t>
+            </a:r>
+          </a:p>
+          <a:p>
+            <a:r>
+              <a:rPr lang="en-US" dirty="0"/>
+              <a:t>Entity functions can perform external calls (preferably w/ async APIs).</a:t>
+            </a:r>
+          </a:p>
+          <a:p>
+            <a:r>
+              <a:rPr lang="en-US" dirty="0"/>
+              <a:t>Entities can invoke other entities, but only one-way communication.</a:t>
+            </a:r>
           </a:p>
         </p:txBody>
       </p:sp>
     </p:spTree>
     <p:extLst>
       <p:ext uri="{BB962C8B-B14F-4D97-AF65-F5344CB8AC3E}">
-        <p14:creationId xmlns:p14="http://schemas.microsoft.com/office/powerpoint/2010/main" val="3879791255"/>
+        <p14:creationId xmlns:p14="http://schemas.microsoft.com/office/powerpoint/2010/main" val="104778828"/>
+      </p:ext>
+    </p:extLst>
+  </p:cSld>
+  <p:clrMapOvr>
+    <a:masterClrMapping/>
+  </p:clrMapOvr>
+  <mc:AlternateContent xmlns:mc="http://schemas.openxmlformats.org/markup-compatibility/2006" xmlns:p14="http://schemas.microsoft.com/office/powerpoint/2010/main">
+    <mc:Choice Requires="p14">
+      <p:transition spd="med" p14:dur="700">
+        <p:fade/>
+      </p:transition>
+    </mc:Choice>
+    <mc:Fallback xmlns="">
+      <p:transition spd="med">
+        <p:fade/>
+      </p:transition>
+    </mc:Fallback>
+  </mc:AlternateContent>
+</p:sld>
+</file>
+
+<file path=ppt/slides/slide13.xml><?xml version="1.0" encoding="utf-8"?>
+<p:sld xmlns:a="http://schemas.openxmlformats.org/drawingml/2006/main" xmlns:r="http://schemas.openxmlformats.org/officeDocument/2006/relationships" xmlns:p="http://schemas.openxmlformats.org/presentationml/2006/main">
+  <p:cSld>
+    <p:spTree>
+      <p:nvGrpSpPr>
+        <p:cNvPr id="1" name=""/>
+        <p:cNvGrpSpPr/>
+        <p:nvPr/>
+      </p:nvGrpSpPr>
+      <p:grpSpPr>
+        <a:xfrm>
+          <a:off x="0" y="0"/>
+          <a:ext cx="0" cy="0"/>
+          <a:chOff x="0" y="0"/>
+          <a:chExt cx="0" cy="0"/>
+        </a:xfrm>
+      </p:grpSpPr>
+      <p:sp>
+        <p:nvSpPr>
+          <p:cNvPr id="2" name="Title 1">
+            <a:extLst>
+              <a:ext uri="{FF2B5EF4-FFF2-40B4-BE49-F238E27FC236}">
+                <a16:creationId xmlns:a16="http://schemas.microsoft.com/office/drawing/2014/main" id="{AA35F23A-5467-4467-8CFD-7857230458FE}"/>
+              </a:ext>
+            </a:extLst>
+          </p:cNvPr>
+          <p:cNvSpPr>
+            <a:spLocks noGrp="1"/>
+          </p:cNvSpPr>
+          <p:nvPr>
+            <p:ph type="title"/>
+          </p:nvPr>
+        </p:nvSpPr>
+        <p:spPr/>
+        <p:txBody>
+          <a:bodyPr>
+            <a:normAutofit/>
+          </a:bodyPr>
+          <a:lstStyle/>
+          <a:p>
+            <a:r>
+              <a:rPr lang="en-US" dirty="0"/>
+              <a:t>Durable Functions – Entity Functions</a:t>
+            </a:r>
+          </a:p>
+        </p:txBody>
+      </p:sp>
+      <p:sp>
+        <p:nvSpPr>
+          <p:cNvPr id="6" name="Subtitle 5">
+            <a:extLst>
+              <a:ext uri="{FF2B5EF4-FFF2-40B4-BE49-F238E27FC236}">
+                <a16:creationId xmlns:a16="http://schemas.microsoft.com/office/drawing/2014/main" id="{AADAB951-8CB6-4E9B-87DB-EEC1B0DE2228}"/>
+              </a:ext>
+            </a:extLst>
+          </p:cNvPr>
+          <p:cNvSpPr>
+            <a:spLocks noGrp="1"/>
+          </p:cNvSpPr>
+          <p:nvPr>
+            <p:ph type="subTitle" idx="27"/>
+          </p:nvPr>
+        </p:nvSpPr>
+        <p:spPr/>
+        <p:txBody>
+          <a:bodyPr/>
+          <a:lstStyle/>
+          <a:p>
+            <a:endParaRPr lang="en-US"/>
+          </a:p>
+        </p:txBody>
+      </p:sp>
+      <p:sp>
+        <p:nvSpPr>
+          <p:cNvPr id="7" name="Content Placeholder 6">
+            <a:extLst>
+              <a:ext uri="{FF2B5EF4-FFF2-40B4-BE49-F238E27FC236}">
+                <a16:creationId xmlns:a16="http://schemas.microsoft.com/office/drawing/2014/main" id="{144E9E35-6D77-45E9-A42B-10FED1A42B4B}"/>
+              </a:ext>
+            </a:extLst>
+          </p:cNvPr>
+          <p:cNvSpPr>
+            <a:spLocks noGrp="1"/>
+          </p:cNvSpPr>
+          <p:nvPr>
+            <p:ph idx="32"/>
+          </p:nvPr>
+        </p:nvSpPr>
+        <p:spPr/>
+        <p:txBody>
+          <a:bodyPr/>
+          <a:lstStyle/>
+          <a:p>
+            <a:r>
+              <a:rPr lang="en-US" dirty="0"/>
+              <a:t>locking</a:t>
+            </a:r>
+          </a:p>
+        </p:txBody>
+      </p:sp>
+      <p:pic>
+        <p:nvPicPr>
+          <p:cNvPr id="1026" name="Picture 2" descr="https://pbs.twimg.com/media/D5_PeJ9UEAAQ1RN.png:large">
+            <a:extLst>
+              <a:ext uri="{FF2B5EF4-FFF2-40B4-BE49-F238E27FC236}">
+                <a16:creationId xmlns:a16="http://schemas.microsoft.com/office/drawing/2014/main" id="{4289AEF1-F374-4385-BF9E-3FB93429C92B}"/>
+              </a:ext>
+            </a:extLst>
+          </p:cNvPr>
+          <p:cNvPicPr>
+            <a:picLocks noChangeAspect="1" noChangeArrowheads="1"/>
+          </p:cNvPicPr>
+          <p:nvPr/>
+        </p:nvPicPr>
+        <p:blipFill rotWithShape="1">
+          <a:blip r:embed="rId3">
+            <a:extLst>
+              <a:ext uri="{28A0092B-C50C-407E-A947-70E740481C1C}">
+                <a14:useLocalDpi xmlns:a14="http://schemas.microsoft.com/office/drawing/2010/main" val="0"/>
+              </a:ext>
+            </a:extLst>
+          </a:blip>
+          <a:srcRect t="9348"/>
+          <a:stretch/>
+        </p:blipFill>
+        <p:spPr bwMode="auto">
+          <a:xfrm>
+            <a:off x="4114799" y="1051560"/>
+            <a:ext cx="7620000" cy="3885565"/>
+          </a:xfrm>
+          <a:prstGeom prst="rect">
+            <a:avLst/>
+          </a:prstGeom>
+          <a:noFill/>
+          <a:extLst>
+            <a:ext uri="{909E8E84-426E-40DD-AFC4-6F175D3DCCD1}">
+              <a14:hiddenFill xmlns:a14="http://schemas.microsoft.com/office/drawing/2010/main">
+                <a:solidFill>
+                  <a:srgbClr val="FFFFFF"/>
+                </a:solidFill>
+              </a14:hiddenFill>
+            </a:ext>
+          </a:extLst>
+        </p:spPr>
+      </p:pic>
+    </p:spTree>
+    <p:extLst>
+      <p:ext uri="{BB962C8B-B14F-4D97-AF65-F5344CB8AC3E}">
+        <p14:creationId xmlns:p14="http://schemas.microsoft.com/office/powerpoint/2010/main" val="991961305"/>
       </p:ext>
     </p:extLst>
   </p:cSld>
@@ -42492,7 +44529,129 @@
 </p:sld>
 </file>
 
-<file path=ppt/slides/slide12.xml><?xml version="1.0" encoding="utf-8"?>
+<file path=ppt/slides/slide14.xml><?xml version="1.0" encoding="utf-8"?>
+<p:sld xmlns:a="http://schemas.openxmlformats.org/drawingml/2006/main" xmlns:r="http://schemas.openxmlformats.org/officeDocument/2006/relationships" xmlns:p="http://schemas.openxmlformats.org/presentationml/2006/main">
+  <p:cSld>
+    <p:spTree>
+      <p:nvGrpSpPr>
+        <p:cNvPr id="1" name=""/>
+        <p:cNvGrpSpPr/>
+        <p:nvPr/>
+      </p:nvGrpSpPr>
+      <p:grpSpPr>
+        <a:xfrm>
+          <a:off x="0" y="0"/>
+          <a:ext cx="0" cy="0"/>
+          <a:chOff x="0" y="0"/>
+          <a:chExt cx="0" cy="0"/>
+        </a:xfrm>
+      </p:grpSpPr>
+      <p:sp>
+        <p:nvSpPr>
+          <p:cNvPr id="2" name="Title 1">
+            <a:extLst>
+              <a:ext uri="{FF2B5EF4-FFF2-40B4-BE49-F238E27FC236}">
+                <a16:creationId xmlns:a16="http://schemas.microsoft.com/office/drawing/2014/main" id="{C4AC9D29-BCC5-496D-9503-FE625B83BF1B}"/>
+              </a:ext>
+            </a:extLst>
+          </p:cNvPr>
+          <p:cNvSpPr>
+            <a:spLocks noGrp="1"/>
+          </p:cNvSpPr>
+          <p:nvPr>
+            <p:ph type="title"/>
+          </p:nvPr>
+        </p:nvSpPr>
+        <p:spPr/>
+        <p:txBody>
+          <a:bodyPr>
+            <a:normAutofit/>
+          </a:bodyPr>
+          <a:lstStyle/>
+          <a:p>
+            <a:r>
+              <a:rPr lang="en-US" dirty="0"/>
+              <a:t>KEDA</a:t>
+            </a:r>
+          </a:p>
+        </p:txBody>
+      </p:sp>
+      <p:sp>
+        <p:nvSpPr>
+          <p:cNvPr id="6" name="Subtitle 5">
+            <a:extLst>
+              <a:ext uri="{FF2B5EF4-FFF2-40B4-BE49-F238E27FC236}">
+                <a16:creationId xmlns:a16="http://schemas.microsoft.com/office/drawing/2014/main" id="{B482FF06-0554-49FE-A836-BB0ABF43210F}"/>
+              </a:ext>
+            </a:extLst>
+          </p:cNvPr>
+          <p:cNvSpPr>
+            <a:spLocks noGrp="1"/>
+          </p:cNvSpPr>
+          <p:nvPr>
+            <p:ph type="subTitle" idx="27"/>
+          </p:nvPr>
+        </p:nvSpPr>
+        <p:spPr/>
+        <p:txBody>
+          <a:bodyPr/>
+          <a:lstStyle/>
+          <a:p>
+            <a:endParaRPr lang="en-US"/>
+          </a:p>
+        </p:txBody>
+      </p:sp>
+      <p:sp>
+        <p:nvSpPr>
+          <p:cNvPr id="7" name="Content Placeholder 6">
+            <a:extLst>
+              <a:ext uri="{FF2B5EF4-FFF2-40B4-BE49-F238E27FC236}">
+                <a16:creationId xmlns:a16="http://schemas.microsoft.com/office/drawing/2014/main" id="{915FFBB1-5C66-4F42-8153-DCE75B83CD3D}"/>
+              </a:ext>
+            </a:extLst>
+          </p:cNvPr>
+          <p:cNvSpPr>
+            <a:spLocks noGrp="1"/>
+          </p:cNvSpPr>
+          <p:nvPr>
+            <p:ph idx="32"/>
+          </p:nvPr>
+        </p:nvSpPr>
+        <p:spPr/>
+        <p:txBody>
+          <a:bodyPr/>
+          <a:lstStyle/>
+          <a:p>
+            <a:endParaRPr lang="en-US"/>
+          </a:p>
+        </p:txBody>
+      </p:sp>
+    </p:spTree>
+    <p:extLst>
+      <p:ext uri="{BB962C8B-B14F-4D97-AF65-F5344CB8AC3E}">
+        <p14:creationId xmlns:p14="http://schemas.microsoft.com/office/powerpoint/2010/main" val="3879791255"/>
+      </p:ext>
+    </p:extLst>
+  </p:cSld>
+  <p:clrMapOvr>
+    <a:masterClrMapping/>
+  </p:clrMapOvr>
+  <mc:AlternateContent xmlns:mc="http://schemas.openxmlformats.org/markup-compatibility/2006" xmlns:p14="http://schemas.microsoft.com/office/powerpoint/2010/main">
+    <mc:Choice Requires="p14">
+      <p:transition spd="med" p14:dur="700">
+        <p:fade/>
+      </p:transition>
+    </mc:Choice>
+    <mc:Fallback xmlns="">
+      <p:transition spd="med">
+        <p:fade/>
+      </p:transition>
+    </mc:Fallback>
+  </mc:AlternateContent>
+</p:sld>
+</file>
+
+<file path=ppt/slides/slide15.xml><?xml version="1.0" encoding="utf-8"?>
 <p:sld xmlns:a="http://schemas.openxmlformats.org/drawingml/2006/main" xmlns:r="http://schemas.openxmlformats.org/officeDocument/2006/relationships" xmlns:p="http://schemas.openxmlformats.org/presentationml/2006/main">
   <p:cSld>
     <p:spTree>
@@ -43276,13 +45435,13 @@
   <p:clrMapOvr>
     <a:masterClrMapping/>
   </p:clrMapOvr>
-  <mc:AlternateContent xmlns:mc="http://schemas.openxmlformats.org/markup-compatibility/2006">
-    <mc:Choice xmlns:p14="http://schemas.microsoft.com/office/powerpoint/2010/main" Requires="p14">
+  <mc:AlternateContent xmlns:mc="http://schemas.openxmlformats.org/markup-compatibility/2006" xmlns:p14="http://schemas.microsoft.com/office/powerpoint/2010/main">
+    <mc:Choice Requires="p14">
       <p:transition spd="med" p14:dur="700">
         <p:fade/>
       </p:transition>
     </mc:Choice>
-    <mc:Fallback>
+    <mc:Fallback xmlns="">
       <p:transition spd="med">
         <p:fade/>
       </p:transition>
@@ -43291,7 +45450,7 @@
 </p:sld>
 </file>
 
-<file path=ppt/slides/slide13.xml><?xml version="1.0" encoding="utf-8"?>
+<file path=ppt/slides/slide16.xml><?xml version="1.0" encoding="utf-8"?>
 <p:sld xmlns:a="http://schemas.openxmlformats.org/drawingml/2006/main" xmlns:r="http://schemas.openxmlformats.org/officeDocument/2006/relationships" xmlns:p="http://schemas.openxmlformats.org/presentationml/2006/main">
   <p:cSld>
     <p:spTree>
@@ -43408,13 +45567,13 @@
   <p:clrMapOvr>
     <a:masterClrMapping/>
   </p:clrMapOvr>
-  <mc:AlternateContent xmlns:mc="http://schemas.openxmlformats.org/markup-compatibility/2006">
-    <mc:Choice xmlns:p14="http://schemas.microsoft.com/office/powerpoint/2010/main" Requires="p14">
+  <mc:AlternateContent xmlns:mc="http://schemas.openxmlformats.org/markup-compatibility/2006" xmlns:p14="http://schemas.microsoft.com/office/powerpoint/2010/main">
+    <mc:Choice Requires="p14">
       <p:transition spd="med" p14:dur="700">
         <p:fade/>
       </p:transition>
     </mc:Choice>
-    <mc:Fallback>
+    <mc:Fallback xmlns="">
       <p:transition spd="med">
         <p:fade/>
       </p:transition>
@@ -43423,7 +45582,7 @@
 </p:sld>
 </file>
 
-<file path=ppt/slides/slide14.xml><?xml version="1.0" encoding="utf-8"?>
+<file path=ppt/slides/slide17.xml><?xml version="1.0" encoding="utf-8"?>
 <p:sld xmlns:a="http://schemas.openxmlformats.org/drawingml/2006/main" xmlns:r="http://schemas.openxmlformats.org/officeDocument/2006/relationships" xmlns:p="http://schemas.openxmlformats.org/presentationml/2006/main">
   <p:cSld>
     <p:spTree>
@@ -43518,7 +45677,17 @@
             </a:pPr>
             <a:r>
               <a:rPr lang="en-US" dirty="0"/>
-              <a:t>New build system</a:t>
+              <a:t>New build system (</a:t>
+            </a:r>
+            <a:r>
+              <a:rPr lang="en-US" dirty="0">
+                <a:hlinkClick r:id="rId3"/>
+              </a:rPr>
+              <a:t>Oryx</a:t>
+            </a:r>
+            <a:r>
+              <a:rPr lang="en-US" dirty="0"/>
+              <a:t>)</a:t>
             </a:r>
           </a:p>
           <a:p>
@@ -43528,18 +45697,19 @@
             </a:pPr>
             <a:r>
               <a:rPr lang="en-US" dirty="0"/>
-              <a:t>Virtual </a:t>
-            </a:r>
-            <a:r>
-              <a:rPr lang="en-US"/>
-              <a:t>network integration</a:t>
-            </a:r>
-            <a:endParaRPr lang="en-US" dirty="0"/>
+              <a:t>Virtual network integration</a:t>
+            </a:r>
           </a:p>
           <a:p>
             <a:r>
               <a:rPr lang="en-US" dirty="0"/>
               <a:t>Java 11 for both Linux and Windows App Service</a:t>
+            </a:r>
+          </a:p>
+          <a:p>
+            <a:r>
+              <a:rPr lang="en-US" dirty="0"/>
+              <a:t>UX updates for application creation (full screen)</a:t>
             </a:r>
           </a:p>
           <a:p>
@@ -43561,13 +45731,13 @@
   <p:clrMapOvr>
     <a:masterClrMapping/>
   </p:clrMapOvr>
-  <mc:AlternateContent xmlns:mc="http://schemas.openxmlformats.org/markup-compatibility/2006">
-    <mc:Choice xmlns:p14="http://schemas.microsoft.com/office/powerpoint/2010/main" Requires="p14">
+  <mc:AlternateContent xmlns:mc="http://schemas.openxmlformats.org/markup-compatibility/2006" xmlns:p14="http://schemas.microsoft.com/office/powerpoint/2010/main">
+    <mc:Choice Requires="p14">
       <p:transition spd="med" p14:dur="700">
         <p:fade/>
       </p:transition>
     </mc:Choice>
-    <mc:Fallback>
+    <mc:Fallback xmlns="">
       <p:transition spd="med">
         <p:fade/>
       </p:transition>
@@ -43576,7 +45746,1001 @@
 </p:sld>
 </file>
 
-<file path=ppt/slides/slide15.xml><?xml version="1.0" encoding="utf-8"?>
+<file path=ppt/slides/slide18.xml><?xml version="1.0" encoding="utf-8"?>
+<p:sld xmlns:a="http://schemas.openxmlformats.org/drawingml/2006/main" xmlns:r="http://schemas.openxmlformats.org/officeDocument/2006/relationships" xmlns:p="http://schemas.openxmlformats.org/presentationml/2006/main">
+  <p:cSld>
+    <p:spTree>
+      <p:nvGrpSpPr>
+        <p:cNvPr id="1" name=""/>
+        <p:cNvGrpSpPr/>
+        <p:nvPr/>
+      </p:nvGrpSpPr>
+      <p:grpSpPr>
+        <a:xfrm>
+          <a:off x="0" y="0"/>
+          <a:ext cx="0" cy="0"/>
+          <a:chOff x="0" y="0"/>
+          <a:chExt cx="0" cy="0"/>
+        </a:xfrm>
+      </p:grpSpPr>
+      <p:sp>
+        <p:nvSpPr>
+          <p:cNvPr id="2" name="Title 1">
+            <a:extLst>
+              <a:ext uri="{FF2B5EF4-FFF2-40B4-BE49-F238E27FC236}">
+                <a16:creationId xmlns:a16="http://schemas.microsoft.com/office/drawing/2014/main" id="{2DF7345E-7B56-4DEF-B40B-4B64DB61BE5E}"/>
+              </a:ext>
+            </a:extLst>
+          </p:cNvPr>
+          <p:cNvSpPr>
+            <a:spLocks noGrp="1"/>
+          </p:cNvSpPr>
+          <p:nvPr>
+            <p:ph type="title"/>
+          </p:nvPr>
+        </p:nvSpPr>
+        <p:spPr/>
+        <p:txBody>
+          <a:bodyPr>
+            <a:normAutofit fontScale="90000"/>
+          </a:bodyPr>
+          <a:lstStyle/>
+          <a:p>
+            <a:endParaRPr lang="en-US"/>
+          </a:p>
+        </p:txBody>
+      </p:sp>
+      <p:sp>
+        <p:nvSpPr>
+          <p:cNvPr id="3" name="Subtitle 2">
+            <a:extLst>
+              <a:ext uri="{FF2B5EF4-FFF2-40B4-BE49-F238E27FC236}">
+                <a16:creationId xmlns:a16="http://schemas.microsoft.com/office/drawing/2014/main" id="{0F421CD9-896E-4361-9D57-1B7B5821FB45}"/>
+              </a:ext>
+            </a:extLst>
+          </p:cNvPr>
+          <p:cNvSpPr>
+            <a:spLocks noGrp="1"/>
+          </p:cNvSpPr>
+          <p:nvPr>
+            <p:ph type="subTitle" idx="27"/>
+          </p:nvPr>
+        </p:nvSpPr>
+        <p:spPr/>
+        <p:txBody>
+          <a:bodyPr/>
+          <a:lstStyle/>
+          <a:p>
+            <a:endParaRPr lang="en-US"/>
+          </a:p>
+        </p:txBody>
+      </p:sp>
+      <p:pic>
+        <p:nvPicPr>
+          <p:cNvPr id="4" name="Picture 3">
+            <a:extLst>
+              <a:ext uri="{FF2B5EF4-FFF2-40B4-BE49-F238E27FC236}">
+                <a16:creationId xmlns:a16="http://schemas.microsoft.com/office/drawing/2014/main" id="{908F4D5D-EF2C-4DE4-8520-2845D07D86D0}"/>
+              </a:ext>
+            </a:extLst>
+          </p:cNvPr>
+          <p:cNvPicPr>
+            <a:picLocks noChangeAspect="1"/>
+          </p:cNvPicPr>
+          <p:nvPr/>
+        </p:nvPicPr>
+        <p:blipFill rotWithShape="1">
+          <a:blip r:embed="rId2"/>
+          <a:srcRect b="2300"/>
+          <a:stretch/>
+        </p:blipFill>
+        <p:spPr>
+          <a:xfrm>
+            <a:off x="65314" y="339043"/>
+            <a:ext cx="4772953" cy="6341676"/>
+          </a:xfrm>
+          <a:prstGeom prst="rect">
+            <a:avLst/>
+          </a:prstGeom>
+          <a:ln>
+            <a:noFill/>
+          </a:ln>
+          <a:effectLst>
+            <a:outerShdw blurRad="190500" algn="tl" rotWithShape="0">
+              <a:srgbClr val="000000">
+                <a:alpha val="70000"/>
+              </a:srgbClr>
+            </a:outerShdw>
+          </a:effectLst>
+        </p:spPr>
+      </p:pic>
+      <p:pic>
+        <p:nvPicPr>
+          <p:cNvPr id="5" name="Picture 4">
+            <a:extLst>
+              <a:ext uri="{FF2B5EF4-FFF2-40B4-BE49-F238E27FC236}">
+                <a16:creationId xmlns:a16="http://schemas.microsoft.com/office/drawing/2014/main" id="{EE44321B-F919-4A00-8F50-49A6DD9AD1AB}"/>
+              </a:ext>
+            </a:extLst>
+          </p:cNvPr>
+          <p:cNvPicPr>
+            <a:picLocks noChangeAspect="1"/>
+          </p:cNvPicPr>
+          <p:nvPr/>
+        </p:nvPicPr>
+        <p:blipFill>
+          <a:blip r:embed="rId3"/>
+          <a:stretch>
+            <a:fillRect/>
+          </a:stretch>
+        </p:blipFill>
+        <p:spPr>
+          <a:xfrm>
+            <a:off x="1104601" y="339042"/>
+            <a:ext cx="4620095" cy="6341675"/>
+          </a:xfrm>
+          <a:prstGeom prst="rect">
+            <a:avLst/>
+          </a:prstGeom>
+          <a:ln>
+            <a:noFill/>
+          </a:ln>
+          <a:effectLst>
+            <a:outerShdw blurRad="190500" algn="tl" rotWithShape="0">
+              <a:srgbClr val="000000">
+                <a:alpha val="70000"/>
+              </a:srgbClr>
+            </a:outerShdw>
+          </a:effectLst>
+        </p:spPr>
+      </p:pic>
+      <p:pic>
+        <p:nvPicPr>
+          <p:cNvPr id="6" name="Picture 5">
+            <a:extLst>
+              <a:ext uri="{FF2B5EF4-FFF2-40B4-BE49-F238E27FC236}">
+                <a16:creationId xmlns:a16="http://schemas.microsoft.com/office/drawing/2014/main" id="{F03771D0-55DF-496D-9279-0D6A2928A8C5}"/>
+              </a:ext>
+            </a:extLst>
+          </p:cNvPr>
+          <p:cNvPicPr>
+            <a:picLocks noChangeAspect="1"/>
+          </p:cNvPicPr>
+          <p:nvPr/>
+        </p:nvPicPr>
+        <p:blipFill>
+          <a:blip r:embed="rId4"/>
+          <a:stretch>
+            <a:fillRect/>
+          </a:stretch>
+        </p:blipFill>
+        <p:spPr>
+          <a:xfrm>
+            <a:off x="2553858" y="339044"/>
+            <a:ext cx="3170838" cy="6341675"/>
+          </a:xfrm>
+          <a:prstGeom prst="rect">
+            <a:avLst/>
+          </a:prstGeom>
+          <a:ln>
+            <a:noFill/>
+          </a:ln>
+          <a:effectLst>
+            <a:outerShdw blurRad="190500" algn="tl" rotWithShape="0">
+              <a:srgbClr val="000000">
+                <a:alpha val="70000"/>
+              </a:srgbClr>
+            </a:outerShdw>
+          </a:effectLst>
+        </p:spPr>
+      </p:pic>
+      <p:pic>
+        <p:nvPicPr>
+          <p:cNvPr id="7" name="Picture 6">
+            <a:extLst>
+              <a:ext uri="{FF2B5EF4-FFF2-40B4-BE49-F238E27FC236}">
+                <a16:creationId xmlns:a16="http://schemas.microsoft.com/office/drawing/2014/main" id="{518FD0E4-96C3-4F25-B1D0-FC25C70D34E3}"/>
+              </a:ext>
+            </a:extLst>
+          </p:cNvPr>
+          <p:cNvPicPr>
+            <a:picLocks noChangeAspect="1"/>
+          </p:cNvPicPr>
+          <p:nvPr/>
+        </p:nvPicPr>
+        <p:blipFill>
+          <a:blip r:embed="rId5"/>
+          <a:stretch>
+            <a:fillRect/>
+          </a:stretch>
+        </p:blipFill>
+        <p:spPr>
+          <a:xfrm>
+            <a:off x="3911613" y="1542691"/>
+            <a:ext cx="8252775" cy="3169268"/>
+          </a:xfrm>
+          <a:prstGeom prst="rect">
+            <a:avLst/>
+          </a:prstGeom>
+          <a:ln>
+            <a:noFill/>
+          </a:ln>
+          <a:effectLst>
+            <a:outerShdw blurRad="190500" algn="tl" rotWithShape="0">
+              <a:srgbClr val="000000">
+                <a:alpha val="70000"/>
+              </a:srgbClr>
+            </a:outerShdw>
+          </a:effectLst>
+        </p:spPr>
+      </p:pic>
+      <p:sp>
+        <p:nvSpPr>
+          <p:cNvPr id="8" name="TextBox 7">
+            <a:extLst>
+              <a:ext uri="{FF2B5EF4-FFF2-40B4-BE49-F238E27FC236}">
+                <a16:creationId xmlns:a16="http://schemas.microsoft.com/office/drawing/2014/main" id="{E026BD22-DCE8-4A7D-B2F9-B19B757C5CE2}"/>
+              </a:ext>
+            </a:extLst>
+          </p:cNvPr>
+          <p:cNvSpPr txBox="1"/>
+          <p:nvPr/>
+        </p:nvSpPr>
+        <p:spPr>
+          <a:xfrm>
+            <a:off x="5952744" y="5193792"/>
+            <a:ext cx="6211644" cy="553998"/>
+          </a:xfrm>
+          <a:prstGeom prst="rect">
+            <a:avLst/>
+          </a:prstGeom>
+        </p:spPr>
+        <p:txBody>
+          <a:bodyPr wrap="square" lIns="0" tIns="0" rIns="0" bIns="0" rtlCol="0" anchor="t" anchorCtr="0">
+            <a:spAutoFit/>
+          </a:bodyPr>
+          <a:lstStyle/>
+          <a:p>
+            <a:r>
+              <a:rPr lang="en-US" dirty="0">
+                <a:hlinkClick r:id="rId6"/>
+              </a:rPr>
+              <a:t>https://channel9.msdn.com/Shows/Azure-Friday/Azure-Friday-Live-Azure-App-Service-full-screen-create-experience</a:t>
+            </a:r>
+            <a:endParaRPr lang="en-US" dirty="0"/>
+          </a:p>
+        </p:txBody>
+      </p:sp>
+    </p:spTree>
+    <p:extLst>
+      <p:ext uri="{BB962C8B-B14F-4D97-AF65-F5344CB8AC3E}">
+        <p14:creationId xmlns:p14="http://schemas.microsoft.com/office/powerpoint/2010/main" val="1642580700"/>
+      </p:ext>
+    </p:extLst>
+  </p:cSld>
+  <p:clrMapOvr>
+    <a:masterClrMapping/>
+  </p:clrMapOvr>
+  <mc:AlternateContent xmlns:mc="http://schemas.openxmlformats.org/markup-compatibility/2006" xmlns:p14="http://schemas.microsoft.com/office/powerpoint/2010/main">
+    <mc:Choice Requires="p14">
+      <p:transition spd="med" p14:dur="700">
+        <p:fade/>
+      </p:transition>
+    </mc:Choice>
+    <mc:Fallback xmlns="">
+      <p:transition spd="med">
+        <p:fade/>
+      </p:transition>
+    </mc:Fallback>
+  </mc:AlternateContent>
+  <p:timing>
+    <p:tnLst>
+      <p:par>
+        <p:cTn id="1" dur="indefinite" restart="never" nodeType="tmRoot">
+          <p:childTnLst>
+            <p:seq concurrent="1" nextAc="seek">
+              <p:cTn id="2" dur="indefinite" nodeType="mainSeq">
+                <p:childTnLst>
+                  <p:par>
+                    <p:cTn id="3" fill="hold">
+                      <p:stCondLst>
+                        <p:cond delay="indefinite"/>
+                      </p:stCondLst>
+                      <p:childTnLst>
+                        <p:par>
+                          <p:cTn id="4" fill="hold">
+                            <p:stCondLst>
+                              <p:cond delay="0"/>
+                            </p:stCondLst>
+                            <p:childTnLst>
+                              <p:par>
+                                <p:cTn id="5" presetID="22" presetClass="entr" presetSubtype="8" fill="hold" nodeType="clickEffect">
+                                  <p:stCondLst>
+                                    <p:cond delay="0"/>
+                                  </p:stCondLst>
+                                  <p:childTnLst>
+                                    <p:set>
+                                      <p:cBhvr>
+                                        <p:cTn id="6" dur="1" fill="hold">
+                                          <p:stCondLst>
+                                            <p:cond delay="0"/>
+                                          </p:stCondLst>
+                                        </p:cTn>
+                                        <p:tgtEl>
+                                          <p:spTgt spid="5"/>
+                                        </p:tgtEl>
+                                        <p:attrNameLst>
+                                          <p:attrName>style.visibility</p:attrName>
+                                        </p:attrNameLst>
+                                      </p:cBhvr>
+                                      <p:to>
+                                        <p:strVal val="visible"/>
+                                      </p:to>
+                                    </p:set>
+                                    <p:animEffect transition="in" filter="wipe(left)">
+                                      <p:cBhvr>
+                                        <p:cTn id="7" dur="500"/>
+                                        <p:tgtEl>
+                                          <p:spTgt spid="5"/>
+                                        </p:tgtEl>
+                                      </p:cBhvr>
+                                    </p:animEffect>
+                                  </p:childTnLst>
+                                </p:cTn>
+                              </p:par>
+                            </p:childTnLst>
+                          </p:cTn>
+                        </p:par>
+                      </p:childTnLst>
+                    </p:cTn>
+                  </p:par>
+                  <p:par>
+                    <p:cTn id="8" fill="hold">
+                      <p:stCondLst>
+                        <p:cond delay="indefinite"/>
+                      </p:stCondLst>
+                      <p:childTnLst>
+                        <p:par>
+                          <p:cTn id="9" fill="hold">
+                            <p:stCondLst>
+                              <p:cond delay="0"/>
+                            </p:stCondLst>
+                            <p:childTnLst>
+                              <p:par>
+                                <p:cTn id="10" presetID="22" presetClass="entr" presetSubtype="8" fill="hold" nodeType="clickEffect">
+                                  <p:stCondLst>
+                                    <p:cond delay="0"/>
+                                  </p:stCondLst>
+                                  <p:childTnLst>
+                                    <p:set>
+                                      <p:cBhvr>
+                                        <p:cTn id="11" dur="1" fill="hold">
+                                          <p:stCondLst>
+                                            <p:cond delay="0"/>
+                                          </p:stCondLst>
+                                        </p:cTn>
+                                        <p:tgtEl>
+                                          <p:spTgt spid="6"/>
+                                        </p:tgtEl>
+                                        <p:attrNameLst>
+                                          <p:attrName>style.visibility</p:attrName>
+                                        </p:attrNameLst>
+                                      </p:cBhvr>
+                                      <p:to>
+                                        <p:strVal val="visible"/>
+                                      </p:to>
+                                    </p:set>
+                                    <p:animEffect transition="in" filter="wipe(left)">
+                                      <p:cBhvr>
+                                        <p:cTn id="12" dur="500"/>
+                                        <p:tgtEl>
+                                          <p:spTgt spid="6"/>
+                                        </p:tgtEl>
+                                      </p:cBhvr>
+                                    </p:animEffect>
+                                  </p:childTnLst>
+                                </p:cTn>
+                              </p:par>
+                            </p:childTnLst>
+                          </p:cTn>
+                        </p:par>
+                      </p:childTnLst>
+                    </p:cTn>
+                  </p:par>
+                  <p:par>
+                    <p:cTn id="13" fill="hold">
+                      <p:stCondLst>
+                        <p:cond delay="indefinite"/>
+                      </p:stCondLst>
+                      <p:childTnLst>
+                        <p:par>
+                          <p:cTn id="14" fill="hold">
+                            <p:stCondLst>
+                              <p:cond delay="0"/>
+                            </p:stCondLst>
+                            <p:childTnLst>
+                              <p:par>
+                                <p:cTn id="15" presetID="22" presetClass="entr" presetSubtype="8" fill="hold" nodeType="clickEffect">
+                                  <p:stCondLst>
+                                    <p:cond delay="0"/>
+                                  </p:stCondLst>
+                                  <p:childTnLst>
+                                    <p:set>
+                                      <p:cBhvr>
+                                        <p:cTn id="16" dur="1" fill="hold">
+                                          <p:stCondLst>
+                                            <p:cond delay="0"/>
+                                          </p:stCondLst>
+                                        </p:cTn>
+                                        <p:tgtEl>
+                                          <p:spTgt spid="7"/>
+                                        </p:tgtEl>
+                                        <p:attrNameLst>
+                                          <p:attrName>style.visibility</p:attrName>
+                                        </p:attrNameLst>
+                                      </p:cBhvr>
+                                      <p:to>
+                                        <p:strVal val="visible"/>
+                                      </p:to>
+                                    </p:set>
+                                    <p:animEffect transition="in" filter="wipe(left)">
+                                      <p:cBhvr>
+                                        <p:cTn id="17" dur="500"/>
+                                        <p:tgtEl>
+                                          <p:spTgt spid="7"/>
+                                        </p:tgtEl>
+                                      </p:cBhvr>
+                                    </p:animEffect>
+                                  </p:childTnLst>
+                                </p:cTn>
+                              </p:par>
+                            </p:childTnLst>
+                          </p:cTn>
+                        </p:par>
+                      </p:childTnLst>
+                    </p:cTn>
+                  </p:par>
+                  <p:par>
+                    <p:cTn id="18" fill="hold">
+                      <p:stCondLst>
+                        <p:cond delay="indefinite"/>
+                      </p:stCondLst>
+                      <p:childTnLst>
+                        <p:par>
+                          <p:cTn id="19" fill="hold">
+                            <p:stCondLst>
+                              <p:cond delay="0"/>
+                            </p:stCondLst>
+                            <p:childTnLst>
+                              <p:par>
+                                <p:cTn id="20" presetID="14" presetClass="entr" presetSubtype="10" fill="hold" grpId="0" nodeType="clickEffect">
+                                  <p:stCondLst>
+                                    <p:cond delay="0"/>
+                                  </p:stCondLst>
+                                  <p:childTnLst>
+                                    <p:set>
+                                      <p:cBhvr>
+                                        <p:cTn id="21" dur="1" fill="hold">
+                                          <p:stCondLst>
+                                            <p:cond delay="0"/>
+                                          </p:stCondLst>
+                                        </p:cTn>
+                                        <p:tgtEl>
+                                          <p:spTgt spid="8"/>
+                                        </p:tgtEl>
+                                        <p:attrNameLst>
+                                          <p:attrName>style.visibility</p:attrName>
+                                        </p:attrNameLst>
+                                      </p:cBhvr>
+                                      <p:to>
+                                        <p:strVal val="visible"/>
+                                      </p:to>
+                                    </p:set>
+                                    <p:animEffect transition="in" filter="randombar(horizontal)">
+                                      <p:cBhvr>
+                                        <p:cTn id="22" dur="500"/>
+                                        <p:tgtEl>
+                                          <p:spTgt spid="8"/>
+                                        </p:tgtEl>
+                                      </p:cBhvr>
+                                    </p:animEffect>
+                                  </p:childTnLst>
+                                </p:cTn>
+                              </p:par>
+                            </p:childTnLst>
+                          </p:cTn>
+                        </p:par>
+                      </p:childTnLst>
+                    </p:cTn>
+                  </p:par>
+                </p:childTnLst>
+              </p:cTn>
+              <p:prevCondLst>
+                <p:cond evt="onPrev" delay="0">
+                  <p:tgtEl>
+                    <p:sldTgt/>
+                  </p:tgtEl>
+                </p:cond>
+              </p:prevCondLst>
+              <p:nextCondLst>
+                <p:cond evt="onNext" delay="0">
+                  <p:tgtEl>
+                    <p:sldTgt/>
+                  </p:tgtEl>
+                </p:cond>
+              </p:nextCondLst>
+            </p:seq>
+          </p:childTnLst>
+        </p:cTn>
+      </p:par>
+    </p:tnLst>
+    <p:bldLst>
+      <p:bldP spid="8" grpId="0"/>
+    </p:bldLst>
+  </p:timing>
+</p:sld>
+</file>
+
+<file path=ppt/slides/slide19.xml><?xml version="1.0" encoding="utf-8"?>
+<p:sld xmlns:a="http://schemas.openxmlformats.org/drawingml/2006/main" xmlns:r="http://schemas.openxmlformats.org/officeDocument/2006/relationships" xmlns:p="http://schemas.openxmlformats.org/presentationml/2006/main">
+  <p:cSld>
+    <p:spTree>
+      <p:nvGrpSpPr>
+        <p:cNvPr id="1" name=""/>
+        <p:cNvGrpSpPr/>
+        <p:nvPr/>
+      </p:nvGrpSpPr>
+      <p:grpSpPr>
+        <a:xfrm>
+          <a:off x="0" y="0"/>
+          <a:ext cx="0" cy="0"/>
+          <a:chOff x="0" y="0"/>
+          <a:chExt cx="0" cy="0"/>
+        </a:xfrm>
+      </p:grpSpPr>
+      <p:sp>
+        <p:nvSpPr>
+          <p:cNvPr id="2" name="Title 1">
+            <a:extLst>
+              <a:ext uri="{FF2B5EF4-FFF2-40B4-BE49-F238E27FC236}">
+                <a16:creationId xmlns:a16="http://schemas.microsoft.com/office/drawing/2014/main" id="{7F724DE9-C770-49BE-A855-58B7DD8A7676}"/>
+              </a:ext>
+            </a:extLst>
+          </p:cNvPr>
+          <p:cNvSpPr>
+            <a:spLocks noGrp="1"/>
+          </p:cNvSpPr>
+          <p:nvPr>
+            <p:ph type="title"/>
+          </p:nvPr>
+        </p:nvSpPr>
+        <p:spPr/>
+        <p:txBody>
+          <a:bodyPr>
+            <a:normAutofit fontScale="90000"/>
+          </a:bodyPr>
+          <a:lstStyle/>
+          <a:p>
+            <a:endParaRPr lang="en-US"/>
+          </a:p>
+        </p:txBody>
+      </p:sp>
+      <p:sp>
+        <p:nvSpPr>
+          <p:cNvPr id="3" name="Subtitle 2">
+            <a:extLst>
+              <a:ext uri="{FF2B5EF4-FFF2-40B4-BE49-F238E27FC236}">
+                <a16:creationId xmlns:a16="http://schemas.microsoft.com/office/drawing/2014/main" id="{D85E6C6C-46EE-40C4-9AD3-0AF0B4395679}"/>
+              </a:ext>
+            </a:extLst>
+          </p:cNvPr>
+          <p:cNvSpPr>
+            <a:spLocks noGrp="1"/>
+          </p:cNvSpPr>
+          <p:nvPr>
+            <p:ph type="subTitle" idx="27"/>
+          </p:nvPr>
+        </p:nvSpPr>
+        <p:spPr/>
+        <p:txBody>
+          <a:bodyPr/>
+          <a:lstStyle/>
+          <a:p>
+            <a:endParaRPr lang="en-US"/>
+          </a:p>
+        </p:txBody>
+      </p:sp>
+      <p:pic>
+        <p:nvPicPr>
+          <p:cNvPr id="4" name="Picture 3">
+            <a:extLst>
+              <a:ext uri="{FF2B5EF4-FFF2-40B4-BE49-F238E27FC236}">
+                <a16:creationId xmlns:a16="http://schemas.microsoft.com/office/drawing/2014/main" id="{AB50561A-DE9E-4BB0-B6C7-7EA5ECF39970}"/>
+              </a:ext>
+            </a:extLst>
+          </p:cNvPr>
+          <p:cNvPicPr>
+            <a:picLocks noChangeAspect="1"/>
+          </p:cNvPicPr>
+          <p:nvPr/>
+        </p:nvPicPr>
+        <p:blipFill>
+          <a:blip r:embed="rId2"/>
+          <a:stretch>
+            <a:fillRect/>
+          </a:stretch>
+        </p:blipFill>
+        <p:spPr>
+          <a:xfrm>
+            <a:off x="82933" y="457200"/>
+            <a:ext cx="12059611" cy="5504687"/>
+          </a:xfrm>
+          <a:prstGeom prst="rect">
+            <a:avLst/>
+          </a:prstGeom>
+        </p:spPr>
+      </p:pic>
+      <p:cxnSp>
+        <p:nvCxnSpPr>
+          <p:cNvPr id="7" name="Straight Arrow Connector 6">
+            <a:extLst>
+              <a:ext uri="{FF2B5EF4-FFF2-40B4-BE49-F238E27FC236}">
+                <a16:creationId xmlns:a16="http://schemas.microsoft.com/office/drawing/2014/main" id="{62CE172C-9A36-43AA-B2BB-36C822D3C43C}"/>
+              </a:ext>
+            </a:extLst>
+          </p:cNvPr>
+          <p:cNvCxnSpPr/>
+          <p:nvPr/>
+        </p:nvCxnSpPr>
+        <p:spPr>
+          <a:xfrm flipH="1">
+            <a:off x="2843784" y="932688"/>
+            <a:ext cx="128016" cy="740664"/>
+          </a:xfrm>
+          <a:prstGeom prst="straightConnector1">
+            <a:avLst/>
+          </a:prstGeom>
+          <a:ln w="76200">
+            <a:solidFill>
+              <a:srgbClr val="FF0000"/>
+            </a:solidFill>
+            <a:tailEnd type="triangle"/>
+          </a:ln>
+        </p:spPr>
+        <p:style>
+          <a:lnRef idx="1">
+            <a:schemeClr val="accent1"/>
+          </a:lnRef>
+          <a:fillRef idx="0">
+            <a:schemeClr val="accent1"/>
+          </a:fillRef>
+          <a:effectRef idx="0">
+            <a:schemeClr val="accent1"/>
+          </a:effectRef>
+          <a:fontRef idx="minor">
+            <a:schemeClr val="tx1"/>
+          </a:fontRef>
+        </p:style>
+      </p:cxnSp>
+    </p:spTree>
+    <p:extLst>
+      <p:ext uri="{BB962C8B-B14F-4D97-AF65-F5344CB8AC3E}">
+        <p14:creationId xmlns:p14="http://schemas.microsoft.com/office/powerpoint/2010/main" val="644871021"/>
+      </p:ext>
+    </p:extLst>
+  </p:cSld>
+  <p:clrMapOvr>
+    <a:masterClrMapping/>
+  </p:clrMapOvr>
+  <mc:AlternateContent xmlns:mc="http://schemas.openxmlformats.org/markup-compatibility/2006" xmlns:p14="http://schemas.microsoft.com/office/powerpoint/2010/main">
+    <mc:Choice Requires="p14">
+      <p:transition spd="med" p14:dur="700">
+        <p:fade/>
+      </p:transition>
+    </mc:Choice>
+    <mc:Fallback xmlns="">
+      <p:transition spd="med">
+        <p:fade/>
+      </p:transition>
+    </mc:Fallback>
+  </mc:AlternateContent>
+</p:sld>
+</file>
+
+<file path=ppt/slides/slide2.xml><?xml version="1.0" encoding="utf-8"?>
+<p:sld xmlns:a="http://schemas.openxmlformats.org/drawingml/2006/main" xmlns:r="http://schemas.openxmlformats.org/officeDocument/2006/relationships" xmlns:p="http://schemas.openxmlformats.org/presentationml/2006/main">
+  <p:cSld>
+    <p:spTree>
+      <p:nvGrpSpPr>
+        <p:cNvPr id="1" name=""/>
+        <p:cNvGrpSpPr/>
+        <p:nvPr/>
+      </p:nvGrpSpPr>
+      <p:grpSpPr>
+        <a:xfrm>
+          <a:off x="0" y="0"/>
+          <a:ext cx="0" cy="0"/>
+          <a:chOff x="0" y="0"/>
+          <a:chExt cx="0" cy="0"/>
+        </a:xfrm>
+      </p:grpSpPr>
+      <p:sp>
+        <p:nvSpPr>
+          <p:cNvPr id="9" name="Title 8">
+            <a:extLst>
+              <a:ext uri="{FF2B5EF4-FFF2-40B4-BE49-F238E27FC236}">
+                <a16:creationId xmlns:a16="http://schemas.microsoft.com/office/drawing/2014/main" id="{A6A31F29-B3C2-43ED-947A-FFF2927819ED}"/>
+              </a:ext>
+            </a:extLst>
+          </p:cNvPr>
+          <p:cNvSpPr>
+            <a:spLocks noGrp="1"/>
+          </p:cNvSpPr>
+          <p:nvPr>
+            <p:ph type="title"/>
+          </p:nvPr>
+        </p:nvSpPr>
+        <p:spPr/>
+        <p:txBody>
+          <a:bodyPr>
+            <a:normAutofit fontScale="90000"/>
+          </a:bodyPr>
+          <a:lstStyle/>
+          <a:p>
+            <a:r>
+              <a:rPr lang="en-US" dirty="0"/>
+              <a:t>ServerlessLibrary.net</a:t>
+            </a:r>
+          </a:p>
+        </p:txBody>
+      </p:sp>
+      <p:sp>
+        <p:nvSpPr>
+          <p:cNvPr id="4" name="Subtitle 3">
+            <a:extLst>
+              <a:ext uri="{FF2B5EF4-FFF2-40B4-BE49-F238E27FC236}">
+                <a16:creationId xmlns:a16="http://schemas.microsoft.com/office/drawing/2014/main" id="{65BC5B41-BEDF-4F7F-B007-A8AA9C490A4F}"/>
+              </a:ext>
+            </a:extLst>
+          </p:cNvPr>
+          <p:cNvSpPr>
+            <a:spLocks noGrp="1"/>
+          </p:cNvSpPr>
+          <p:nvPr>
+            <p:ph type="subTitle" idx="27"/>
+          </p:nvPr>
+        </p:nvSpPr>
+        <p:spPr/>
+        <p:txBody>
+          <a:bodyPr/>
+          <a:lstStyle/>
+          <a:p>
+            <a:endParaRPr lang="en-US"/>
+          </a:p>
+        </p:txBody>
+      </p:sp>
+      <p:pic>
+        <p:nvPicPr>
+          <p:cNvPr id="14" name="Picture 13">
+            <a:extLst>
+              <a:ext uri="{FF2B5EF4-FFF2-40B4-BE49-F238E27FC236}">
+                <a16:creationId xmlns:a16="http://schemas.microsoft.com/office/drawing/2014/main" id="{F4BE17FA-E15B-40D2-88AB-84B88D61E696}"/>
+              </a:ext>
+            </a:extLst>
+          </p:cNvPr>
+          <p:cNvPicPr>
+            <a:picLocks noChangeAspect="1"/>
+          </p:cNvPicPr>
+          <p:nvPr/>
+        </p:nvPicPr>
+        <p:blipFill>
+          <a:blip r:embed="rId3"/>
+          <a:stretch>
+            <a:fillRect/>
+          </a:stretch>
+        </p:blipFill>
+        <p:spPr>
+          <a:xfrm>
+            <a:off x="1551903" y="1092200"/>
+            <a:ext cx="9378763" cy="5624132"/>
+          </a:xfrm>
+          <a:prstGeom prst="rect">
+            <a:avLst/>
+          </a:prstGeom>
+        </p:spPr>
+      </p:pic>
+    </p:spTree>
+    <p:extLst>
+      <p:ext uri="{BB962C8B-B14F-4D97-AF65-F5344CB8AC3E}">
+        <p14:creationId xmlns:p14="http://schemas.microsoft.com/office/powerpoint/2010/main" val="115156621"/>
+      </p:ext>
+    </p:extLst>
+  </p:cSld>
+  <p:clrMapOvr>
+    <a:masterClrMapping/>
+  </p:clrMapOvr>
+  <mc:AlternateContent xmlns:mc="http://schemas.openxmlformats.org/markup-compatibility/2006" xmlns:p14="http://schemas.microsoft.com/office/powerpoint/2010/main">
+    <mc:Choice Requires="p14">
+      <p:transition spd="med" p14:dur="700">
+        <p:fade/>
+      </p:transition>
+    </mc:Choice>
+    <mc:Fallback xmlns="">
+      <p:transition spd="med">
+        <p:fade/>
+      </p:transition>
+    </mc:Fallback>
+  </mc:AlternateContent>
+</p:sld>
+</file>
+
+<file path=ppt/slides/slide20.xml><?xml version="1.0" encoding="utf-8"?>
+<p:sld xmlns:a="http://schemas.openxmlformats.org/drawingml/2006/main" xmlns:r="http://schemas.openxmlformats.org/officeDocument/2006/relationships" xmlns:p="http://schemas.openxmlformats.org/presentationml/2006/main">
+  <p:cSld>
+    <p:spTree>
+      <p:nvGrpSpPr>
+        <p:cNvPr id="1" name=""/>
+        <p:cNvGrpSpPr/>
+        <p:nvPr/>
+      </p:nvGrpSpPr>
+      <p:grpSpPr>
+        <a:xfrm>
+          <a:off x="0" y="0"/>
+          <a:ext cx="0" cy="0"/>
+          <a:chOff x="0" y="0"/>
+          <a:chExt cx="0" cy="0"/>
+        </a:xfrm>
+      </p:grpSpPr>
+      <p:sp>
+        <p:nvSpPr>
+          <p:cNvPr id="2" name="Title 1">
+            <a:extLst>
+              <a:ext uri="{FF2B5EF4-FFF2-40B4-BE49-F238E27FC236}">
+                <a16:creationId xmlns:a16="http://schemas.microsoft.com/office/drawing/2014/main" id="{7F724DE9-C770-49BE-A855-58B7DD8A7676}"/>
+              </a:ext>
+            </a:extLst>
+          </p:cNvPr>
+          <p:cNvSpPr>
+            <a:spLocks noGrp="1"/>
+          </p:cNvSpPr>
+          <p:nvPr>
+            <p:ph type="title"/>
+          </p:nvPr>
+        </p:nvSpPr>
+        <p:spPr/>
+        <p:txBody>
+          <a:bodyPr>
+            <a:normAutofit fontScale="90000"/>
+          </a:bodyPr>
+          <a:lstStyle/>
+          <a:p>
+            <a:endParaRPr lang="en-US"/>
+          </a:p>
+        </p:txBody>
+      </p:sp>
+      <p:sp>
+        <p:nvSpPr>
+          <p:cNvPr id="3" name="Subtitle 2">
+            <a:extLst>
+              <a:ext uri="{FF2B5EF4-FFF2-40B4-BE49-F238E27FC236}">
+                <a16:creationId xmlns:a16="http://schemas.microsoft.com/office/drawing/2014/main" id="{D85E6C6C-46EE-40C4-9AD3-0AF0B4395679}"/>
+              </a:ext>
+            </a:extLst>
+          </p:cNvPr>
+          <p:cNvSpPr>
+            <a:spLocks noGrp="1"/>
+          </p:cNvSpPr>
+          <p:nvPr>
+            <p:ph type="subTitle" idx="27"/>
+          </p:nvPr>
+        </p:nvSpPr>
+        <p:spPr/>
+        <p:txBody>
+          <a:bodyPr/>
+          <a:lstStyle/>
+          <a:p>
+            <a:endParaRPr lang="en-US"/>
+          </a:p>
+        </p:txBody>
+      </p:sp>
+      <p:cxnSp>
+        <p:nvCxnSpPr>
+          <p:cNvPr id="7" name="Straight Arrow Connector 6">
+            <a:extLst>
+              <a:ext uri="{FF2B5EF4-FFF2-40B4-BE49-F238E27FC236}">
+                <a16:creationId xmlns:a16="http://schemas.microsoft.com/office/drawing/2014/main" id="{62CE172C-9A36-43AA-B2BB-36C822D3C43C}"/>
+              </a:ext>
+            </a:extLst>
+          </p:cNvPr>
+          <p:cNvCxnSpPr/>
+          <p:nvPr/>
+        </p:nvCxnSpPr>
+        <p:spPr>
+          <a:xfrm flipH="1">
+            <a:off x="2843784" y="932688"/>
+            <a:ext cx="128016" cy="740664"/>
+          </a:xfrm>
+          <a:prstGeom prst="straightConnector1">
+            <a:avLst/>
+          </a:prstGeom>
+          <a:ln w="76200">
+            <a:solidFill>
+              <a:srgbClr val="FF0000"/>
+            </a:solidFill>
+            <a:tailEnd type="triangle"/>
+          </a:ln>
+        </p:spPr>
+        <p:style>
+          <a:lnRef idx="1">
+            <a:schemeClr val="accent1"/>
+          </a:lnRef>
+          <a:fillRef idx="0">
+            <a:schemeClr val="accent1"/>
+          </a:fillRef>
+          <a:effectRef idx="0">
+            <a:schemeClr val="accent1"/>
+          </a:effectRef>
+          <a:fontRef idx="minor">
+            <a:schemeClr val="tx1"/>
+          </a:fontRef>
+        </p:style>
+      </p:cxnSp>
+      <p:pic>
+        <p:nvPicPr>
+          <p:cNvPr id="8" name="Picture 7">
+            <a:extLst>
+              <a:ext uri="{FF2B5EF4-FFF2-40B4-BE49-F238E27FC236}">
+                <a16:creationId xmlns:a16="http://schemas.microsoft.com/office/drawing/2014/main" id="{F83BF452-844A-403F-A40E-9A2C631E5737}"/>
+              </a:ext>
+            </a:extLst>
+          </p:cNvPr>
+          <p:cNvPicPr>
+            <a:picLocks noChangeAspect="1"/>
+          </p:cNvPicPr>
+          <p:nvPr/>
+        </p:nvPicPr>
+        <p:blipFill>
+          <a:blip r:embed="rId2"/>
+          <a:stretch>
+            <a:fillRect/>
+          </a:stretch>
+        </p:blipFill>
+        <p:spPr>
+          <a:xfrm>
+            <a:off x="797593" y="457199"/>
+            <a:ext cx="10596812" cy="6400801"/>
+          </a:xfrm>
+          <a:prstGeom prst="rect">
+            <a:avLst/>
+          </a:prstGeom>
+        </p:spPr>
+      </p:pic>
+    </p:spTree>
+    <p:extLst>
+      <p:ext uri="{BB962C8B-B14F-4D97-AF65-F5344CB8AC3E}">
+        <p14:creationId xmlns:p14="http://schemas.microsoft.com/office/powerpoint/2010/main" val="458424083"/>
+      </p:ext>
+    </p:extLst>
+  </p:cSld>
+  <p:clrMapOvr>
+    <a:masterClrMapping/>
+  </p:clrMapOvr>
+  <mc:AlternateContent xmlns:mc="http://schemas.openxmlformats.org/markup-compatibility/2006" xmlns:p14="http://schemas.microsoft.com/office/powerpoint/2010/main">
+    <mc:Choice Requires="p14">
+      <p:transition spd="med" p14:dur="700">
+        <p:fade/>
+      </p:transition>
+    </mc:Choice>
+    <mc:Fallback xmlns="">
+      <p:transition spd="med">
+        <p:fade/>
+      </p:transition>
+    </mc:Fallback>
+  </mc:AlternateContent>
+</p:sld>
+</file>
+
+<file path=ppt/slides/slide21.xml><?xml version="1.0" encoding="utf-8"?>
 <p:sld xmlns:a="http://schemas.openxmlformats.org/drawingml/2006/main" xmlns:r="http://schemas.openxmlformats.org/officeDocument/2006/relationships" xmlns:p="http://schemas.openxmlformats.org/presentationml/2006/main">
   <p:cSld>
     <p:spTree>
@@ -43788,13 +46952,13 @@
   <p:clrMapOvr>
     <a:masterClrMapping/>
   </p:clrMapOvr>
-  <mc:AlternateContent xmlns:mc="http://schemas.openxmlformats.org/markup-compatibility/2006">
-    <mc:Choice xmlns:p14="http://schemas.microsoft.com/office/powerpoint/2010/main" Requires="p14">
+  <mc:AlternateContent xmlns:mc="http://schemas.openxmlformats.org/markup-compatibility/2006" xmlns:p14="http://schemas.microsoft.com/office/powerpoint/2010/main">
+    <mc:Choice Requires="p14">
       <p:transition spd="med" p14:dur="700">
         <p:fade/>
       </p:transition>
     </mc:Choice>
-    <mc:Fallback>
+    <mc:Fallback xmlns="">
       <p:transition spd="med">
         <p:fade/>
       </p:transition>
@@ -43803,7 +46967,7 @@
 </p:sld>
 </file>
 
-<file path=ppt/slides/slide2.xml><?xml version="1.0" encoding="utf-8"?>
+<file path=ppt/slides/slide22.xml><?xml version="1.0" encoding="utf-8"?>
 <p:sld xmlns:a="http://schemas.openxmlformats.org/drawingml/2006/main" xmlns:r="http://schemas.openxmlformats.org/officeDocument/2006/relationships" xmlns:p="http://schemas.openxmlformats.org/presentationml/2006/main">
   <p:cSld>
     <p:spTree>
@@ -43822,10 +46986,10 @@
       </p:grpSpPr>
       <p:sp>
         <p:nvSpPr>
-          <p:cNvPr id="9" name="Title 8">
+          <p:cNvPr id="6" name="Title 5">
             <a:extLst>
               <a:ext uri="{FF2B5EF4-FFF2-40B4-BE49-F238E27FC236}">
-                <a16:creationId xmlns:a16="http://schemas.microsoft.com/office/drawing/2014/main" id="{A6A31F29-B3C2-43ED-947A-FFF2927819ED}"/>
+                <a16:creationId xmlns:a16="http://schemas.microsoft.com/office/drawing/2014/main" id="{AEC38CA0-02C7-43F1-AF0E-3A0D0D370565}"/>
               </a:ext>
             </a:extLst>
           </p:cNvPr>
@@ -43838,24 +47002,22 @@
         </p:nvSpPr>
         <p:spPr/>
         <p:txBody>
-          <a:bodyPr>
-            <a:normAutofit/>
-          </a:bodyPr>
+          <a:bodyPr/>
           <a:lstStyle/>
           <a:p>
             <a:r>
               <a:rPr lang="en-US" dirty="0"/>
-              <a:t>ServerlessLibrary.net</a:t>
-            </a:r>
-          </a:p>
-        </p:txBody>
-      </p:sp>
-      <p:sp>
-        <p:nvSpPr>
-          <p:cNvPr id="2" name="Subtitle 1">
+              <a:t>Resources</a:t>
+            </a:r>
+          </a:p>
+        </p:txBody>
+      </p:sp>
+      <p:sp>
+        <p:nvSpPr>
+          <p:cNvPr id="7" name="Subtitle 6">
             <a:extLst>
               <a:ext uri="{FF2B5EF4-FFF2-40B4-BE49-F238E27FC236}">
-                <a16:creationId xmlns:a16="http://schemas.microsoft.com/office/drawing/2014/main" id="{83534CD6-6A14-4404-B0CF-17F915C39B2C}"/>
+                <a16:creationId xmlns:a16="http://schemas.microsoft.com/office/drawing/2014/main" id="{D5DDF01A-961A-4FFA-9882-12E3F0820E1A}"/>
               </a:ext>
             </a:extLst>
           </p:cNvPr>
@@ -43871,16 +47033,19 @@
           <a:bodyPr/>
           <a:lstStyle/>
           <a:p>
-            <a:endParaRPr lang="en-US"/>
-          </a:p>
-        </p:txBody>
-      </p:sp>
-      <p:sp>
-        <p:nvSpPr>
-          <p:cNvPr id="3" name="Content Placeholder 2">
+            <a:r>
+              <a:rPr lang="en-US" dirty="0"/>
+              <a:t>Follow these links to learn more!</a:t>
+            </a:r>
+          </a:p>
+        </p:txBody>
+      </p:sp>
+      <p:sp>
+        <p:nvSpPr>
+          <p:cNvPr id="8" name="Content Placeholder 7">
             <a:extLst>
               <a:ext uri="{FF2B5EF4-FFF2-40B4-BE49-F238E27FC236}">
-                <a16:creationId xmlns:a16="http://schemas.microsoft.com/office/drawing/2014/main" id="{0F61268C-3323-4950-8303-5823D42DDB88}"/>
+                <a16:creationId xmlns:a16="http://schemas.microsoft.com/office/drawing/2014/main" id="{16B95FC9-12D5-486D-98F5-C45D805916FB}"/>
               </a:ext>
             </a:extLst>
           </p:cNvPr>
@@ -43896,57 +47061,59 @@
           <a:bodyPr/>
           <a:lstStyle/>
           <a:p>
-            <a:endParaRPr lang="en-US"/>
-          </a:p>
-        </p:txBody>
-      </p:sp>
-      <p:pic>
-        <p:nvPicPr>
-          <p:cNvPr id="14" name="Picture 13">
-            <a:extLst>
-              <a:ext uri="{FF2B5EF4-FFF2-40B4-BE49-F238E27FC236}">
-                <a16:creationId xmlns:a16="http://schemas.microsoft.com/office/drawing/2014/main" id="{F4BE17FA-E15B-40D2-88AB-84B88D61E696}"/>
-              </a:ext>
-            </a:extLst>
-          </p:cNvPr>
-          <p:cNvPicPr>
-            <a:picLocks noChangeAspect="1"/>
-          </p:cNvPicPr>
-          <p:nvPr/>
-        </p:nvPicPr>
-        <p:blipFill>
-          <a:blip r:embed="rId3"/>
-          <a:stretch>
-            <a:fillRect/>
-          </a:stretch>
-        </p:blipFill>
-        <p:spPr>
-          <a:xfrm>
-            <a:off x="1551903" y="1092200"/>
-            <a:ext cx="9378763" cy="5624132"/>
-          </a:xfrm>
-          <a:prstGeom prst="rect">
-            <a:avLst/>
-          </a:prstGeom>
-        </p:spPr>
-      </p:pic>
+            <a:r>
+              <a:rPr lang="en-US" dirty="0"/>
+              <a:t>Azure Functions BUILD 2019</a:t>
+            </a:r>
+          </a:p>
+          <a:p>
+            <a:pPr lvl="1"/>
+            <a:r>
+              <a:rPr lang="en-US" dirty="0">
+                <a:hlinkClick r:id="rId2"/>
+              </a:rPr>
+              <a:t>https://hackmd.io/s/Bk5gtA-nN</a:t>
+            </a:r>
+            <a:r>
+              <a:rPr lang="en-US" dirty="0"/>
+              <a:t> (sessions)</a:t>
+            </a:r>
+          </a:p>
+          <a:p>
+            <a:pPr lvl="1"/>
+            <a:r>
+              <a:rPr lang="en-US" dirty="0">
+                <a:hlinkClick r:id="rId3"/>
+              </a:rPr>
+              <a:t>http://aka.ms/FunctionsBuild2019</a:t>
+            </a:r>
+            <a:r>
+              <a:rPr lang="en-US" dirty="0"/>
+              <a:t> (blog post)</a:t>
+            </a:r>
+          </a:p>
+          <a:p>
+            <a:endParaRPr lang="en-US" dirty="0"/>
+          </a:p>
+        </p:txBody>
+      </p:sp>
     </p:spTree>
     <p:extLst>
       <p:ext uri="{BB962C8B-B14F-4D97-AF65-F5344CB8AC3E}">
-        <p14:creationId xmlns:p14="http://schemas.microsoft.com/office/powerpoint/2010/main" val="115156621"/>
+        <p14:creationId xmlns:p14="http://schemas.microsoft.com/office/powerpoint/2010/main" val="2492628832"/>
       </p:ext>
     </p:extLst>
   </p:cSld>
   <p:clrMapOvr>
     <a:masterClrMapping/>
   </p:clrMapOvr>
-  <mc:AlternateContent xmlns:mc="http://schemas.openxmlformats.org/markup-compatibility/2006">
-    <mc:Choice xmlns:p14="http://schemas.microsoft.com/office/powerpoint/2010/main" Requires="p14">
+  <mc:AlternateContent xmlns:mc="http://schemas.openxmlformats.org/markup-compatibility/2006" xmlns:p14="http://schemas.microsoft.com/office/powerpoint/2010/main">
+    <mc:Choice Requires="p14">
       <p:transition spd="med" p14:dur="700">
         <p:fade/>
       </p:transition>
     </mc:Choice>
-    <mc:Fallback>
+    <mc:Fallback xmlns="">
       <p:transition spd="med">
         <p:fade/>
       </p:transition>
@@ -44153,13 +47320,13 @@
   <p:clrMapOvr>
     <a:masterClrMapping/>
   </p:clrMapOvr>
-  <mc:AlternateContent xmlns:mc="http://schemas.openxmlformats.org/markup-compatibility/2006">
-    <mc:Choice xmlns:p14="http://schemas.microsoft.com/office/powerpoint/2010/main" Requires="p14">
+  <mc:AlternateContent xmlns:mc="http://schemas.openxmlformats.org/markup-compatibility/2006" xmlns:p14="http://schemas.microsoft.com/office/powerpoint/2010/main">
+    <mc:Choice Requires="p14">
       <p:transition spd="med" p14:dur="700">
         <p:fade/>
       </p:transition>
     </mc:Choice>
-    <mc:Fallback>
+    <mc:Fallback xmlns="">
       <p:transition spd="med">
         <p:fade/>
       </p:transition>
@@ -44308,13 +47475,13 @@
   <p:clrMapOvr>
     <a:masterClrMapping/>
   </p:clrMapOvr>
-  <mc:AlternateContent xmlns:mc="http://schemas.openxmlformats.org/markup-compatibility/2006">
-    <mc:Choice xmlns:p14="http://schemas.microsoft.com/office/powerpoint/2010/main" Requires="p14">
+  <mc:AlternateContent xmlns:mc="http://schemas.openxmlformats.org/markup-compatibility/2006" xmlns:p14="http://schemas.microsoft.com/office/powerpoint/2010/main">
+    <mc:Choice Requires="p14">
       <p:transition spd="med" p14:dur="700">
         <p:fade/>
       </p:transition>
     </mc:Choice>
-    <mc:Fallback>
+    <mc:Fallback xmlns="">
       <p:transition spd="med">
         <p:fade/>
       </p:transition>
@@ -44463,13 +47630,13 @@
   <p:clrMapOvr>
     <a:masterClrMapping/>
   </p:clrMapOvr>
-  <mc:AlternateContent xmlns:mc="http://schemas.openxmlformats.org/markup-compatibility/2006">
-    <mc:Choice xmlns:p14="http://schemas.microsoft.com/office/powerpoint/2010/main" Requires="p14">
+  <mc:AlternateContent xmlns:mc="http://schemas.openxmlformats.org/markup-compatibility/2006" xmlns:p14="http://schemas.microsoft.com/office/powerpoint/2010/main">
+    <mc:Choice Requires="p14">
       <p:transition spd="med" p14:dur="700">
         <p:fade/>
       </p:transition>
     </mc:Choice>
-    <mc:Fallback>
+    <mc:Fallback xmlns="">
       <p:transition spd="med">
         <p:fade/>
       </p:transition>
@@ -44618,13 +47785,13 @@
   <p:clrMapOvr>
     <a:masterClrMapping/>
   </p:clrMapOvr>
-  <mc:AlternateContent xmlns:mc="http://schemas.openxmlformats.org/markup-compatibility/2006">
-    <mc:Choice xmlns:p14="http://schemas.microsoft.com/office/powerpoint/2010/main" Requires="p14">
+  <mc:AlternateContent xmlns:mc="http://schemas.openxmlformats.org/markup-compatibility/2006" xmlns:p14="http://schemas.microsoft.com/office/powerpoint/2010/main">
+    <mc:Choice Requires="p14">
       <p:transition spd="med" p14:dur="700">
         <p:fade/>
       </p:transition>
     </mc:Choice>
-    <mc:Fallback>
+    <mc:Fallback xmlns="">
       <p:transition spd="med">
         <p:fade/>
       </p:transition>
@@ -44773,13 +47940,13 @@
   <p:clrMapOvr>
     <a:masterClrMapping/>
   </p:clrMapOvr>
-  <mc:AlternateContent xmlns:mc="http://schemas.openxmlformats.org/markup-compatibility/2006">
-    <mc:Choice xmlns:p14="http://schemas.microsoft.com/office/powerpoint/2010/main" Requires="p14">
+  <mc:AlternateContent xmlns:mc="http://schemas.openxmlformats.org/markup-compatibility/2006" xmlns:p14="http://schemas.microsoft.com/office/powerpoint/2010/main">
+    <mc:Choice Requires="p14">
       <p:transition spd="med" p14:dur="700">
         <p:fade/>
       </p:transition>
     </mc:Choice>
-    <mc:Fallback>
+    <mc:Fallback xmlns="">
       <p:transition spd="med">
         <p:fade/>
       </p:transition>
@@ -44963,15 +48130,6 @@
             <a:endParaRPr lang="en-US" dirty="0">
               <a:hlinkClick r:id="rId3"/>
             </a:endParaRPr>
-          </a:p>
-          <a:p>
-            <a:r>
-              <a:rPr lang="en-US" dirty="0">
-                <a:hlinkClick r:id="rId3"/>
-              </a:rPr>
-              <a:t>https://docs.microsoft.com/en-us/azure/azure-functions/functions-dotnet-dependency-injection</a:t>
-            </a:r>
-            <a:endParaRPr lang="en-US" dirty="0"/>
           </a:p>
         </p:txBody>
       </p:sp>
@@ -45005,48 +48163,6 @@
           </a:prstGeom>
         </p:spPr>
       </p:pic>
-      <p:sp>
-        <p:nvSpPr>
-          <p:cNvPr id="5" name="TextBox 4">
-            <a:extLst>
-              <a:ext uri="{FF2B5EF4-FFF2-40B4-BE49-F238E27FC236}">
-                <a16:creationId xmlns:a16="http://schemas.microsoft.com/office/drawing/2014/main" id="{C1AD82EE-A264-44B5-B343-C3FD47641611}"/>
-              </a:ext>
-            </a:extLst>
-          </p:cNvPr>
-          <p:cNvSpPr txBox="1"/>
-          <p:nvPr/>
-        </p:nvSpPr>
-        <p:spPr>
-          <a:xfrm>
-            <a:off x="96983" y="6472717"/>
-            <a:ext cx="11998034" cy="255819"/>
-          </a:xfrm>
-          <a:prstGeom prst="rect">
-            <a:avLst/>
-          </a:prstGeom>
-        </p:spPr>
-        <p:txBody>
-          <a:bodyPr wrap="square" lIns="0" tIns="0" rIns="0" bIns="0" rtlCol="0" anchor="t" anchorCtr="0">
-            <a:spAutoFit/>
-          </a:bodyPr>
-          <a:lstStyle/>
-          <a:p>
-            <a:pPr algn="ctr"/>
-            <a:r>
-              <a:rPr lang="en-US" sz="1600" dirty="0"/>
-              <a:t>More examples at </a:t>
-            </a:r>
-            <a:r>
-              <a:rPr lang="en-US" sz="1600" dirty="0">
-                <a:hlinkClick r:id="rId5"/>
-              </a:rPr>
-              <a:t>https://github.com/Azure/azure-functions-dotnet-extensions/tree/master/src/samples/DependencyInjection</a:t>
-            </a:r>
-            <a:endParaRPr lang="en-US" sz="1600" dirty="0"/>
-          </a:p>
-        </p:txBody>
-      </p:sp>
     </p:spTree>
     <p:extLst>
       <p:ext uri="{BB962C8B-B14F-4D97-AF65-F5344CB8AC3E}">
@@ -45057,13 +48173,13 @@
   <p:clrMapOvr>
     <a:masterClrMapping/>
   </p:clrMapOvr>
-  <mc:AlternateContent xmlns:mc="http://schemas.openxmlformats.org/markup-compatibility/2006">
-    <mc:Choice xmlns:p14="http://schemas.microsoft.com/office/powerpoint/2010/main" Requires="p14">
+  <mc:AlternateContent xmlns:mc="http://schemas.openxmlformats.org/markup-compatibility/2006" xmlns:p14="http://schemas.microsoft.com/office/powerpoint/2010/main">
+    <mc:Choice Requires="p14">
       <p:transition spd="med" p14:dur="700">
         <p:fade/>
       </p:transition>
     </mc:Choice>
-    <mc:Fallback>
+    <mc:Fallback xmlns="">
       <p:transition spd="med">
         <p:fade/>
       </p:transition>
@@ -45089,40 +48205,12 @@
           <a:chExt cx="0" cy="0"/>
         </a:xfrm>
       </p:grpSpPr>
-      <p:sp>
-        <p:nvSpPr>
-          <p:cNvPr id="6" name="Title 5">
+      <p:pic>
+        <p:nvPicPr>
+          <p:cNvPr id="2" name="Picture 1">
             <a:extLst>
               <a:ext uri="{FF2B5EF4-FFF2-40B4-BE49-F238E27FC236}">
-                <a16:creationId xmlns:a16="http://schemas.microsoft.com/office/drawing/2014/main" id="{CBC6D8FD-6D53-4CAA-82F3-C97F7E4BAEC3}"/>
-              </a:ext>
-            </a:extLst>
-          </p:cNvPr>
-          <p:cNvSpPr>
-            <a:spLocks noGrp="1"/>
-          </p:cNvSpPr>
-          <p:nvPr>
-            <p:ph type="title"/>
-          </p:nvPr>
-        </p:nvSpPr>
-        <p:spPr/>
-        <p:txBody>
-          <a:bodyPr/>
-          <a:lstStyle/>
-          <a:p>
-            <a:r>
-              <a:rPr lang="en-US" dirty="0"/>
-              <a:t>Durable Functions – Dependency Injection</a:t>
-            </a:r>
-          </a:p>
-        </p:txBody>
-      </p:sp>
-      <p:pic>
-        <p:nvPicPr>
-          <p:cNvPr id="5" name="Picture 4">
-            <a:extLst>
-              <a:ext uri="{FF2B5EF4-FFF2-40B4-BE49-F238E27FC236}">
-                <a16:creationId xmlns:a16="http://schemas.microsoft.com/office/drawing/2014/main" id="{830DAA86-B5FA-49F3-A2F6-A362E37EC29A}"/>
+                <a16:creationId xmlns:a16="http://schemas.microsoft.com/office/drawing/2014/main" id="{2AAC404B-87DB-4901-AABC-CB3E04DFAE8F}"/>
               </a:ext>
             </a:extLst>
           </p:cNvPr>
@@ -45139,14 +48227,79 @@
         </p:blipFill>
         <p:spPr>
           <a:xfrm>
-            <a:off x="2523173" y="1181100"/>
-            <a:ext cx="7145651" cy="5634070"/>
+            <a:off x="2175002" y="0"/>
+            <a:ext cx="7841996" cy="6858000"/>
           </a:xfrm>
           <a:prstGeom prst="rect">
             <a:avLst/>
           </a:prstGeom>
         </p:spPr>
       </p:pic>
+      <p:sp>
+        <p:nvSpPr>
+          <p:cNvPr id="8" name="TextBox 7">
+            <a:extLst>
+              <a:ext uri="{FF2B5EF4-FFF2-40B4-BE49-F238E27FC236}">
+                <a16:creationId xmlns:a16="http://schemas.microsoft.com/office/drawing/2014/main" id="{CA2010B0-7A00-40A2-8C33-52561E04B0FF}"/>
+              </a:ext>
+            </a:extLst>
+          </p:cNvPr>
+          <p:cNvSpPr txBox="1"/>
+          <p:nvPr/>
+        </p:nvSpPr>
+        <p:spPr>
+          <a:xfrm>
+            <a:off x="0" y="5592599"/>
+            <a:ext cx="12192000" cy="1046440"/>
+          </a:xfrm>
+          <a:prstGeom prst="rect">
+            <a:avLst/>
+          </a:prstGeom>
+          <a:solidFill>
+            <a:srgbClr val="D2D2D2">
+              <a:alpha val="61961"/>
+            </a:srgbClr>
+          </a:solidFill>
+        </p:spPr>
+        <p:txBody>
+          <a:bodyPr wrap="square" lIns="0" tIns="0" rIns="0" bIns="0" rtlCol="0" anchor="t" anchorCtr="0">
+            <a:spAutoFit/>
+          </a:bodyPr>
+          <a:lstStyle/>
+          <a:p>
+            <a:pPr algn="ctr"/>
+            <a:r>
+              <a:rPr lang="en-US" sz="2000" b="1" dirty="0">
+                <a:hlinkClick r:id="rId4"/>
+              </a:rPr>
+              <a:t>https://docs.microsoft.com/en-us/azure/azure-functions/functions-dotnet-dependency-injection</a:t>
+            </a:r>
+            <a:endParaRPr lang="en-US" sz="2000" b="1" dirty="0"/>
+          </a:p>
+          <a:p>
+            <a:pPr algn="ctr"/>
+            <a:endParaRPr lang="en-US" sz="1600" dirty="0"/>
+          </a:p>
+          <a:p>
+            <a:pPr algn="ctr"/>
+            <a:endParaRPr lang="en-US" sz="1600" dirty="0"/>
+          </a:p>
+          <a:p>
+            <a:pPr algn="ctr"/>
+            <a:r>
+              <a:rPr lang="en-US" sz="1600" dirty="0"/>
+              <a:t>More examples at </a:t>
+            </a:r>
+            <a:r>
+              <a:rPr lang="en-US" sz="1600" dirty="0">
+                <a:hlinkClick r:id="rId5"/>
+              </a:rPr>
+              <a:t>https://github.com/Azure/azure-functions-dotnet-extensions/tree/master/src/samples/DependencyInjection</a:t>
+            </a:r>
+            <a:endParaRPr lang="en-US" sz="1600" dirty="0"/>
+          </a:p>
+        </p:txBody>
+      </p:sp>
     </p:spTree>
     <p:extLst>
       <p:ext uri="{BB962C8B-B14F-4D97-AF65-F5344CB8AC3E}">
@@ -45157,13 +48310,13 @@
   <p:clrMapOvr>
     <a:masterClrMapping/>
   </p:clrMapOvr>
-  <mc:AlternateContent xmlns:mc="http://schemas.openxmlformats.org/markup-compatibility/2006">
-    <mc:Choice xmlns:p14="http://schemas.microsoft.com/office/powerpoint/2010/main" Requires="p14">
+  <mc:AlternateContent xmlns:mc="http://schemas.openxmlformats.org/markup-compatibility/2006" xmlns:p14="http://schemas.microsoft.com/office/powerpoint/2010/main">
+    <mc:Choice Requires="p14">
       <p:transition spd="med" p14:dur="700">
         <p:fade/>
       </p:transition>
     </mc:Choice>
-    <mc:Fallback>
+    <mc:Fallback xmlns="">
       <p:transition spd="med">
         <p:fade/>
       </p:transition>
